--- a/ANÁLISE/Modelo Apresentacao Analise (1).pptx
+++ b/ANÁLISE/Modelo Apresentacao Analise (1).pptx
@@ -5,29 +5,54 @@
     <p:sldMasterId id="2147483660" r:id="rId1"/>
   </p:sldMasterIdLst>
   <p:notesMasterIdLst>
-    <p:notesMasterId r:id="rId19"/>
+    <p:notesMasterId r:id="rId44"/>
   </p:notesMasterIdLst>
   <p:handoutMasterIdLst>
-    <p:handoutMasterId r:id="rId20"/>
+    <p:handoutMasterId r:id="rId45"/>
   </p:handoutMasterIdLst>
   <p:sldIdLst>
     <p:sldId id="256" r:id="rId2"/>
-    <p:sldId id="390" r:id="rId3"/>
-    <p:sldId id="468" r:id="rId4"/>
-    <p:sldId id="454" r:id="rId5"/>
-    <p:sldId id="469" r:id="rId6"/>
-    <p:sldId id="457" r:id="rId7"/>
-    <p:sldId id="470" r:id="rId8"/>
-    <p:sldId id="459" r:id="rId9"/>
-    <p:sldId id="471" r:id="rId10"/>
-    <p:sldId id="464" r:id="rId11"/>
-    <p:sldId id="473" r:id="rId12"/>
-    <p:sldId id="466" r:id="rId13"/>
-    <p:sldId id="472" r:id="rId14"/>
-    <p:sldId id="467" r:id="rId15"/>
-    <p:sldId id="474" r:id="rId16"/>
-    <p:sldId id="465" r:id="rId17"/>
-    <p:sldId id="340" r:id="rId18"/>
+    <p:sldId id="468" r:id="rId3"/>
+    <p:sldId id="454" r:id="rId4"/>
+    <p:sldId id="469" r:id="rId5"/>
+    <p:sldId id="457" r:id="rId6"/>
+    <p:sldId id="470" r:id="rId7"/>
+    <p:sldId id="459" r:id="rId8"/>
+    <p:sldId id="471" r:id="rId9"/>
+    <p:sldId id="464" r:id="rId10"/>
+    <p:sldId id="475" r:id="rId11"/>
+    <p:sldId id="476" r:id="rId12"/>
+    <p:sldId id="477" r:id="rId13"/>
+    <p:sldId id="478" r:id="rId14"/>
+    <p:sldId id="479" r:id="rId15"/>
+    <p:sldId id="480" r:id="rId16"/>
+    <p:sldId id="481" r:id="rId17"/>
+    <p:sldId id="482" r:id="rId18"/>
+    <p:sldId id="483" r:id="rId19"/>
+    <p:sldId id="484" r:id="rId20"/>
+    <p:sldId id="485" r:id="rId21"/>
+    <p:sldId id="486" r:id="rId22"/>
+    <p:sldId id="487" r:id="rId23"/>
+    <p:sldId id="488" r:id="rId24"/>
+    <p:sldId id="489" r:id="rId25"/>
+    <p:sldId id="490" r:id="rId26"/>
+    <p:sldId id="491" r:id="rId27"/>
+    <p:sldId id="492" r:id="rId28"/>
+    <p:sldId id="493" r:id="rId29"/>
+    <p:sldId id="494" r:id="rId30"/>
+    <p:sldId id="495" r:id="rId31"/>
+    <p:sldId id="496" r:id="rId32"/>
+    <p:sldId id="497" r:id="rId33"/>
+    <p:sldId id="473" r:id="rId34"/>
+    <p:sldId id="466" r:id="rId35"/>
+    <p:sldId id="472" r:id="rId36"/>
+    <p:sldId id="467" r:id="rId37"/>
+    <p:sldId id="474" r:id="rId38"/>
+    <p:sldId id="465" r:id="rId39"/>
+    <p:sldId id="498" r:id="rId40"/>
+    <p:sldId id="499" r:id="rId41"/>
+    <p:sldId id="500" r:id="rId42"/>
+    <p:sldId id="340" r:id="rId43"/>
   </p:sldIdLst>
   <p:sldSz cx="9144000" cy="6858000" type="screen4x3"/>
   <p:notesSz cx="6858000" cy="9144000"/>
@@ -212,7 +237,7 @@
             <a:fld id="{C1BC9F3D-2DF0-4ACE-8584-191C5A9DCBF1}" type="datetimeFigureOut">
               <a:rPr lang="pt-BR" smtClean="0"/>
               <a:pPr/>
-              <a:t>12/08/2013</a:t>
+              <a:t>03/04/2014</a:t>
             </a:fld>
             <a:endParaRPr lang="pt-BR"/>
           </a:p>
@@ -279,7 +304,7 @@
             <a:fld id="{BA9E88D0-3FBF-4C74-9D14-FB442DC69461}" type="slidenum">
               <a:rPr lang="pt-BR" smtClean="0"/>
               <a:pPr/>
-              <a:t>‹nº›</a:t>
+              <a:t>‹#›</a:t>
             </a:fld>
             <a:endParaRPr lang="pt-BR"/>
           </a:p>
@@ -288,7 +313,7 @@
     </p:spTree>
     <p:extLst>
       <p:ext uri="{BB962C8B-B14F-4D97-AF65-F5344CB8AC3E}">
-        <p14:creationId xmlns:p14="http://schemas.microsoft.com/office/powerpoint/2010/main" xmlns="" val="4070966253"/>
+        <p14:creationId xmlns:p14="http://schemas.microsoft.com/office/powerpoint/2010/main" val="4070966253"/>
       </p:ext>
     </p:extLst>
   </p:cSld>
@@ -379,7 +404,7 @@
             <a:fld id="{FF27573B-FF26-45DB-8FF0-677769B769F6}" type="datetimeFigureOut">
               <a:rPr lang="pt-BR" smtClean="0"/>
               <a:pPr/>
-              <a:t>12/08/2013</a:t>
+              <a:t>03/04/2014</a:t>
             </a:fld>
             <a:endParaRPr lang="pt-BR"/>
           </a:p>
@@ -541,7 +566,7 @@
             <a:fld id="{A9E2A861-C225-49C3-8765-DEAB66647306}" type="slidenum">
               <a:rPr lang="pt-BR" smtClean="0"/>
               <a:pPr/>
-              <a:t>‹nº›</a:t>
+              <a:t>‹#›</a:t>
             </a:fld>
             <a:endParaRPr lang="pt-BR"/>
           </a:p>
@@ -550,7 +575,7 @@
     </p:spTree>
     <p:extLst>
       <p:ext uri="{BB962C8B-B14F-4D97-AF65-F5344CB8AC3E}">
-        <p14:creationId xmlns:p14="http://schemas.microsoft.com/office/powerpoint/2010/main" xmlns="" val="1946386806"/>
+        <p14:creationId xmlns:p14="http://schemas.microsoft.com/office/powerpoint/2010/main" val="1946386806"/>
       </p:ext>
     </p:extLst>
   </p:cSld>
@@ -679,7 +704,7 @@
           <a:blip r:embed="rId2" cstate="print">
             <a:extLst>
               <a:ext uri="{28A0092B-C50C-407E-A947-70E740481C1C}">
-                <a14:useLocalDpi xmlns:a14="http://schemas.microsoft.com/office/drawing/2010/main" xmlns="" val="0"/>
+                <a14:useLocalDpi xmlns:a14="http://schemas.microsoft.com/office/drawing/2010/main" val="0"/>
               </a:ext>
             </a:extLst>
           </a:blip>
@@ -699,7 +724,7 @@
           <a:noFill/>
           <a:extLst>
             <a:ext uri="{909E8E84-426E-40DD-AFC4-6F175D3DCCD1}">
-              <a14:hiddenFill xmlns:a14="http://schemas.microsoft.com/office/drawing/2010/main" xmlns="">
+              <a14:hiddenFill xmlns:a14="http://schemas.microsoft.com/office/drawing/2010/main">
                 <a:solidFill>
                   <a:srgbClr val="FFFFFF"/>
                 </a:solidFill>
@@ -1086,7 +1111,7 @@
             <a:fld id="{031FACD5-5EC0-4CE0-9156-9F2704C0507A}" type="slidenum">
               <a:rPr lang="pt-BR" smtClean="0"/>
               <a:pPr/>
-              <a:t>‹nº›</a:t>
+              <a:t>‹#›</a:t>
             </a:fld>
             <a:endParaRPr lang="pt-BR" dirty="0"/>
           </a:p>
@@ -1230,7 +1255,7 @@
             <a:fld id="{031FACD5-5EC0-4CE0-9156-9F2704C0507A}" type="slidenum">
               <a:rPr lang="pt-BR" smtClean="0"/>
               <a:pPr/>
-              <a:t>‹nº›</a:t>
+              <a:t>‹#›</a:t>
             </a:fld>
             <a:endParaRPr lang="pt-BR"/>
           </a:p>
@@ -1499,7 +1524,7 @@
             <a:fld id="{031FACD5-5EC0-4CE0-9156-9F2704C0507A}" type="slidenum">
               <a:rPr lang="pt-BR" smtClean="0"/>
               <a:pPr/>
-              <a:t>‹nº›</a:t>
+              <a:t>‹#›</a:t>
             </a:fld>
             <a:endParaRPr lang="pt-BR"/>
           </a:p>
@@ -1542,7 +1567,7 @@
           <a:blip r:embed="rId2" cstate="print">
             <a:extLst>
               <a:ext uri="{28A0092B-C50C-407E-A947-70E740481C1C}">
-                <a14:useLocalDpi xmlns:a14="http://schemas.microsoft.com/office/drawing/2010/main" xmlns="" val="0"/>
+                <a14:useLocalDpi xmlns:a14="http://schemas.microsoft.com/office/drawing/2010/main" val="0"/>
               </a:ext>
             </a:extLst>
           </a:blip>
@@ -1562,7 +1587,7 @@
           <a:noFill/>
           <a:extLst>
             <a:ext uri="{909E8E84-426E-40DD-AFC4-6F175D3DCCD1}">
-              <a14:hiddenFill xmlns:a14="http://schemas.microsoft.com/office/drawing/2010/main" xmlns="">
+              <a14:hiddenFill xmlns:a14="http://schemas.microsoft.com/office/drawing/2010/main">
                 <a:solidFill>
                   <a:srgbClr val="FFFFFF"/>
                 </a:solidFill>
@@ -1589,7 +1614,7 @@
             <a:fld id="{031FACD5-5EC0-4CE0-9156-9F2704C0507A}" type="slidenum">
               <a:rPr lang="pt-BR" smtClean="0"/>
               <a:pPr/>
-              <a:t>‹nº›</a:t>
+              <a:t>‹#›</a:t>
             </a:fld>
             <a:endParaRPr lang="pt-BR"/>
           </a:p>
@@ -1843,7 +1868,7 @@
           <a:blip r:embed="rId7" cstate="print">
             <a:extLst>
               <a:ext uri="{28A0092B-C50C-407E-A947-70E740481C1C}">
-                <a14:useLocalDpi xmlns:a14="http://schemas.microsoft.com/office/drawing/2010/main" xmlns="" val="0"/>
+                <a14:useLocalDpi xmlns:a14="http://schemas.microsoft.com/office/drawing/2010/main" val="0"/>
               </a:ext>
             </a:extLst>
           </a:blip>
@@ -1863,7 +1888,7 @@
           <a:noFill/>
           <a:extLst>
             <a:ext uri="{909E8E84-426E-40DD-AFC4-6F175D3DCCD1}">
-              <a14:hiddenFill xmlns:a14="http://schemas.microsoft.com/office/drawing/2010/main" xmlns="">
+              <a14:hiddenFill xmlns:a14="http://schemas.microsoft.com/office/drawing/2010/main">
                 <a:solidFill>
                   <a:srgbClr val="FFFFFF"/>
                 </a:solidFill>
@@ -2018,7 +2043,7 @@
             <a:fld id="{031FACD5-5EC0-4CE0-9156-9F2704C0507A}" type="slidenum">
               <a:rPr lang="pt-BR" smtClean="0"/>
               <a:pPr/>
-              <a:t>‹nº›</a:t>
+              <a:t>‹#›</a:t>
             </a:fld>
             <a:endParaRPr lang="pt-BR"/>
           </a:p>
@@ -2391,7 +2416,7 @@
       </p:grpSpPr>
       <p:sp>
         <p:nvSpPr>
-          <p:cNvPr id="45061" name="Espaço Reservado para Conteúdo 10"/>
+          <p:cNvPr id="2" name="Content Placeholder 1"/>
           <p:cNvSpPr>
             <a:spLocks noGrp="1"/>
           </p:cNvSpPr>
@@ -2401,91 +2426,86 @@
         </p:nvSpPr>
         <p:spPr/>
         <p:txBody>
-          <a:bodyPr>
-            <a:noAutofit/>
-          </a:bodyPr>
-          <a:lstStyle/>
-          <a:p>
-            <a:r>
-              <a:rPr lang="pt-BR" dirty="0" smtClean="0">
-                <a:solidFill>
-                  <a:schemeClr val="bg2">
-                    <a:lumMod val="10000"/>
-                  </a:schemeClr>
-                </a:solidFill>
-              </a:rPr>
-              <a:t>Nesse tópico devem ser apresentados os 3 principais casos de uso da aplicação</a:t>
-            </a:r>
-          </a:p>
-          <a:p>
-            <a:r>
-              <a:rPr lang="pt-BR" dirty="0" smtClean="0">
-                <a:solidFill>
-                  <a:schemeClr val="bg2">
-                    <a:lumMod val="10000"/>
-                  </a:schemeClr>
-                </a:solidFill>
-              </a:rPr>
-              <a:t>Deve-se apresentar os itens na seguinte ordem:</a:t>
-            </a:r>
+          <a:bodyPr/>
+          <a:lstStyle/>
+          <a:p>
+            <a:r>
+              <a:rPr lang="pt-BR" dirty="0"/>
+              <a:t>E</a:t>
+            </a:r>
+            <a:r>
+              <a:rPr lang="pt-BR" dirty="0" smtClean="0"/>
+              <a:t>SCOPO</a:t>
+            </a:r>
+            <a:endParaRPr lang="pt-BR" dirty="0"/>
           </a:p>
           <a:p>
             <a:pPr lvl="1"/>
             <a:r>
-              <a:rPr lang="pt-BR" dirty="0" smtClean="0">
-                <a:solidFill>
-                  <a:schemeClr val="bg2">
-                    <a:lumMod val="10000"/>
-                  </a:schemeClr>
-                </a:solidFill>
-              </a:rPr>
-              <a:t>Descrição geral do caso de uso, com pré condições, descrição e atores principais</a:t>
-            </a:r>
+              <a:rPr lang="pt-BR" dirty="0"/>
+              <a:t>Permitir a realização de exames</a:t>
+            </a:r>
+          </a:p>
+          <a:p>
+            <a:r>
+              <a:rPr lang="pt-BR" dirty="0" smtClean="0"/>
+              <a:t>DESCRIÇÃO</a:t>
+            </a:r>
+            <a:endParaRPr lang="pt-BR" dirty="0"/>
           </a:p>
           <a:p>
             <a:pPr lvl="1"/>
             <a:r>
-              <a:rPr lang="pt-BR" dirty="0" smtClean="0">
-                <a:solidFill>
-                  <a:schemeClr val="bg2">
-                    <a:lumMod val="10000"/>
-                  </a:schemeClr>
-                </a:solidFill>
-              </a:rPr>
-              <a:t>Descrição do fluxo principal, se utilizando dos desenhos da interface com o usuário</a:t>
-            </a:r>
-          </a:p>
-          <a:p>
-            <a:pPr lvl="2"/>
-            <a:r>
-              <a:rPr lang="pt-BR" dirty="0" smtClean="0">
-                <a:solidFill>
-                  <a:schemeClr val="bg2">
-                    <a:lumMod val="10000"/>
-                  </a:schemeClr>
-                </a:solidFill>
-              </a:rPr>
-              <a:t>Utilizar animações do PowerPoint para descrever as ações, com setas e formas para as ações em tela</a:t>
-            </a:r>
+              <a:rPr lang="pt-BR" dirty="0"/>
+              <a:t>Este caso de uso será executado sempre que um paciente for realizar algum exame</a:t>
+            </a:r>
+          </a:p>
+          <a:p>
+            <a:r>
+              <a:rPr lang="pt-BR" dirty="0" smtClean="0"/>
+              <a:t>ATORES</a:t>
+            </a:r>
+            <a:endParaRPr lang="pt-BR" dirty="0"/>
           </a:p>
           <a:p>
             <a:pPr lvl="1"/>
             <a:r>
-              <a:rPr lang="pt-BR" dirty="0" smtClean="0">
-                <a:solidFill>
-                  <a:schemeClr val="bg2">
-                    <a:lumMod val="10000"/>
-                  </a:schemeClr>
-                </a:solidFill>
-              </a:rPr>
-              <a:t>Breve descrição de cada fluxo alternativo</a:t>
-            </a:r>
-          </a:p>
-        </p:txBody>
-      </p:sp>
-      <p:sp>
-        <p:nvSpPr>
-          <p:cNvPr id="2" name="Título 1"/>
+              <a:rPr lang="pt-BR" dirty="0"/>
+              <a:t>Fisioterapeuta, Administrador</a:t>
+            </a:r>
+          </a:p>
+          <a:p>
+            <a:endParaRPr lang="pt-BR" dirty="0"/>
+          </a:p>
+        </p:txBody>
+      </p:sp>
+      <p:sp>
+        <p:nvSpPr>
+          <p:cNvPr id="3" name="Slide Number Placeholder 2"/>
+          <p:cNvSpPr>
+            <a:spLocks noGrp="1"/>
+          </p:cNvSpPr>
+          <p:nvPr>
+            <p:ph type="sldNum" sz="quarter" idx="12"/>
+          </p:nvPr>
+        </p:nvSpPr>
+        <p:spPr/>
+        <p:txBody>
+          <a:bodyPr/>
+          <a:lstStyle/>
+          <a:p>
+            <a:fld id="{031FACD5-5EC0-4CE0-9156-9F2704C0507A}" type="slidenum">
+              <a:rPr lang="pt-BR" smtClean="0"/>
+              <a:pPr/>
+              <a:t>10</a:t>
+            </a:fld>
+            <a:endParaRPr lang="pt-BR"/>
+          </a:p>
+        </p:txBody>
+      </p:sp>
+      <p:sp>
+        <p:nvSpPr>
+          <p:cNvPr id="4" name="Title 3"/>
           <p:cNvSpPr>
             <a:spLocks noGrp="1"/>
           </p:cNvSpPr>
@@ -2495,81 +2515,37 @@
         </p:nvSpPr>
         <p:spPr>
           <a:xfrm>
-            <a:off x="323528" y="332656"/>
-            <a:ext cx="6820240" cy="785794"/>
+            <a:off x="323528" y="620688"/>
+            <a:ext cx="6696744" cy="497762"/>
           </a:xfrm>
         </p:spPr>
         <p:txBody>
           <a:bodyPr>
-            <a:noAutofit/>
+            <a:normAutofit fontScale="90000"/>
           </a:bodyPr>
           <a:lstStyle/>
           <a:p>
-            <a:pPr>
-              <a:defRPr/>
-            </a:pPr>
-            <a:r>
-              <a:rPr lang="pt-BR" sz="4450" dirty="0" smtClean="0"/>
-              <a:t>Realização de Casos de Uso</a:t>
-            </a:r>
+            <a:r>
+              <a:rPr lang="pt-BR" sz="4450" dirty="0"/>
+              <a:t>UC03 – Realizar exames</a:t>
+            </a:r>
+            <a:br>
+              <a:rPr lang="pt-BR" sz="4450" dirty="0"/>
+            </a:br>
             <a:endParaRPr lang="pt-BR" sz="4450" dirty="0"/>
           </a:p>
         </p:txBody>
       </p:sp>
-      <p:sp>
-        <p:nvSpPr>
-          <p:cNvPr id="19459" name="Espaço Reservado para Número de Slide 5"/>
-          <p:cNvSpPr txBox="1">
-            <a:spLocks noGrp="1"/>
-          </p:cNvSpPr>
-          <p:nvPr/>
-        </p:nvSpPr>
-        <p:spPr bwMode="auto">
-          <a:xfrm>
-            <a:off x="8204200" y="6643688"/>
-            <a:ext cx="796925" cy="179387"/>
-          </a:xfrm>
-          <a:prstGeom prst="rect">
-            <a:avLst/>
-          </a:prstGeom>
-          <a:noFill/>
-          <a:ln w="9525">
-            <a:noFill/>
-            <a:miter lim="800000"/>
-            <a:headEnd/>
-            <a:tailEnd/>
-          </a:ln>
-        </p:spPr>
-        <p:txBody>
-          <a:bodyPr bIns="0" anchor="b"/>
-          <a:lstStyle/>
-          <a:p>
-            <a:pPr algn="r"/>
-            <a:fld id="{0C91674F-D3B1-4E28-AF80-6550D6D5E435}" type="slidenum">
-              <a:rPr lang="pt-BR" sz="1200" b="1">
-                <a:solidFill>
-                  <a:schemeClr val="bg1"/>
-                </a:solidFill>
-                <a:latin typeface="Corbel" pitchFamily="34" charset="0"/>
-              </a:rPr>
-              <a:pPr algn="r"/>
-              <a:t>10</a:t>
-            </a:fld>
-            <a:endParaRPr lang="pt-BR" sz="1200" b="1" dirty="0">
-              <a:solidFill>
-                <a:schemeClr val="bg1"/>
-              </a:solidFill>
-              <a:latin typeface="Corbel" pitchFamily="34" charset="0"/>
-            </a:endParaRPr>
-          </a:p>
-        </p:txBody>
-      </p:sp>
     </p:spTree>
+    <p:extLst>
+      <p:ext uri="{BB962C8B-B14F-4D97-AF65-F5344CB8AC3E}">
+        <p14:creationId xmlns:p14="http://schemas.microsoft.com/office/powerpoint/2010/main" val="4233790347"/>
+      </p:ext>
+    </p:extLst>
   </p:cSld>
   <p:clrMapOvr>
     <a:masterClrMapping/>
   </p:clrMapOvr>
-  <p:transition/>
   <p:timing>
     <p:tnLst>
       <p:par>
@@ -2599,12 +2575,12 @@
       </p:grpSpPr>
       <p:sp>
         <p:nvSpPr>
-          <p:cNvPr id="8" name="Espaço Reservado para Texto 7"/>
-          <p:cNvSpPr>
-            <a:spLocks noGrp="1"/>
-          </p:cNvSpPr>
-          <p:nvPr>
-            <p:ph type="body" idx="1"/>
+          <p:cNvPr id="2" name="Content Placeholder 1"/>
+          <p:cNvSpPr>
+            <a:spLocks noGrp="1"/>
+          </p:cNvSpPr>
+          <p:nvPr>
+            <p:ph idx="1"/>
           </p:nvPr>
         </p:nvSpPr>
         <p:spPr/>
@@ -2614,108 +2590,91 @@
           <a:p>
             <a:r>
               <a:rPr lang="pt-BR" dirty="0" smtClean="0"/>
-              <a:t>Apresentação Banca de Análise</a:t>
-            </a:r>
-          </a:p>
-        </p:txBody>
-      </p:sp>
-      <p:sp>
-        <p:nvSpPr>
-          <p:cNvPr id="9" name="Espaço Reservado para Texto 8"/>
-          <p:cNvSpPr>
-            <a:spLocks noGrp="1"/>
-          </p:cNvSpPr>
-          <p:nvPr>
-            <p:ph type="body" sz="quarter" idx="13"/>
-          </p:nvPr>
-        </p:nvSpPr>
-        <p:spPr>
-          <a:xfrm>
-            <a:off x="571472" y="2643206"/>
-            <a:ext cx="8280920" cy="4214818"/>
-          </a:xfrm>
-        </p:spPr>
+              <a:t>PRÉ-CONDIÇÕES</a:t>
+            </a:r>
+            <a:endParaRPr lang="pt-BR" dirty="0"/>
+          </a:p>
+          <a:p>
+            <a:pPr lvl="1"/>
+            <a:r>
+              <a:rPr lang="pt-BR" dirty="0"/>
+              <a:t>Estar logado no sistema, ter perfil de fisioterapeuta e ter paciente previamente cadastrado.</a:t>
+            </a:r>
+          </a:p>
+          <a:p>
+            <a:r>
+              <a:rPr lang="pt-BR" dirty="0" smtClean="0"/>
+              <a:t>PÓS-CONDIÇÕES</a:t>
+            </a:r>
+            <a:endParaRPr lang="pt-BR" dirty="0"/>
+          </a:p>
+          <a:p>
+            <a:pPr lvl="1"/>
+            <a:r>
+              <a:rPr lang="pt-BR" dirty="0"/>
+              <a:t>Após execução o paciente deve ter todos os exames pertinentes cadastrados e/ou alterados</a:t>
+            </a:r>
+          </a:p>
+          <a:p>
+            <a:endParaRPr lang="pt-BR" dirty="0"/>
+          </a:p>
+        </p:txBody>
+      </p:sp>
+      <p:sp>
+        <p:nvSpPr>
+          <p:cNvPr id="3" name="Slide Number Placeholder 2"/>
+          <p:cNvSpPr>
+            <a:spLocks noGrp="1"/>
+          </p:cNvSpPr>
+          <p:nvPr>
+            <p:ph type="sldNum" sz="quarter" idx="12"/>
+          </p:nvPr>
+        </p:nvSpPr>
+        <p:spPr/>
+        <p:txBody>
+          <a:bodyPr/>
+          <a:lstStyle/>
+          <a:p>
+            <a:fld id="{031FACD5-5EC0-4CE0-9156-9F2704C0507A}" type="slidenum">
+              <a:rPr lang="pt-BR" smtClean="0"/>
+              <a:pPr/>
+              <a:t>11</a:t>
+            </a:fld>
+            <a:endParaRPr lang="pt-BR"/>
+          </a:p>
+        </p:txBody>
+      </p:sp>
+      <p:sp>
+        <p:nvSpPr>
+          <p:cNvPr id="4" name="Title 3"/>
+          <p:cNvSpPr>
+            <a:spLocks noGrp="1"/>
+          </p:cNvSpPr>
+          <p:nvPr>
+            <p:ph type="title"/>
+          </p:nvPr>
+        </p:nvSpPr>
+        <p:spPr/>
         <p:txBody>
           <a:bodyPr>
-            <a:normAutofit/>
+            <a:normAutofit fontScale="90000"/>
           </a:bodyPr>
           <a:lstStyle/>
           <a:p>
             <a:r>
-              <a:rPr lang="pt-BR" b="1" dirty="0" smtClean="0"/>
-              <a:t>Escopo do Projeto</a:t>
-            </a:r>
-          </a:p>
-          <a:p>
-            <a:r>
-              <a:rPr lang="pt-BR" b="1" dirty="0" smtClean="0"/>
-              <a:t>Modelagem de Negócio BPM</a:t>
-            </a:r>
-          </a:p>
-          <a:p>
-            <a:r>
-              <a:rPr lang="pt-BR" b="1" dirty="0" smtClean="0"/>
-              <a:t>Diagrama de Casos de Uso Geral</a:t>
-            </a:r>
-          </a:p>
-          <a:p>
-            <a:r>
-              <a:rPr lang="pt-BR" b="1" dirty="0" smtClean="0"/>
-              <a:t>Realização dos Casos de Uso</a:t>
-            </a:r>
-          </a:p>
-          <a:p>
-            <a:r>
-              <a:rPr lang="pt-BR" b="1" dirty="0" smtClean="0">
-                <a:solidFill>
-                  <a:schemeClr val="accent3">
-                    <a:lumMod val="50000"/>
-                  </a:schemeClr>
-                </a:solidFill>
-              </a:rPr>
-              <a:t>Diagrama de Classes Geral</a:t>
-            </a:r>
-          </a:p>
-          <a:p>
-            <a:r>
-              <a:rPr lang="pt-BR" b="1" dirty="0" smtClean="0"/>
-              <a:t>Modelo de Dados</a:t>
-            </a:r>
-          </a:p>
-          <a:p>
-            <a:r>
-              <a:rPr lang="pt-BR" b="1" dirty="0" smtClean="0"/>
-              <a:t>Análise de Mercado</a:t>
-            </a:r>
-          </a:p>
-        </p:txBody>
-      </p:sp>
-      <p:sp>
-        <p:nvSpPr>
-          <p:cNvPr id="7" name="Título 6"/>
-          <p:cNvSpPr>
-            <a:spLocks noGrp="1"/>
-          </p:cNvSpPr>
-          <p:nvPr>
-            <p:ph type="title"/>
-          </p:nvPr>
-        </p:nvSpPr>
-        <p:spPr/>
-        <p:txBody>
-          <a:bodyPr>
-            <a:normAutofit/>
-          </a:bodyPr>
-          <a:lstStyle/>
-          <a:p>
-            <a:r>
-              <a:rPr lang="pt-BR" dirty="0" smtClean="0"/>
-              <a:t>Agenda</a:t>
+              <a:rPr lang="pt-BR" sz="4800" dirty="0"/>
+              <a:t>UC03 – Realizar exames</a:t>
             </a:r>
             <a:endParaRPr lang="pt-BR" dirty="0"/>
           </a:p>
         </p:txBody>
       </p:sp>
     </p:spTree>
+    <p:extLst>
+      <p:ext uri="{BB962C8B-B14F-4D97-AF65-F5344CB8AC3E}">
+        <p14:creationId xmlns:p14="http://schemas.microsoft.com/office/powerpoint/2010/main" val="968443763"/>
+      </p:ext>
+    </p:extLst>
   </p:cSld>
   <p:clrMapOvr>
     <a:masterClrMapping/>
@@ -2749,7 +2708,7 @@
       </p:grpSpPr>
       <p:sp>
         <p:nvSpPr>
-          <p:cNvPr id="45061" name="Espaço Reservado para Conteúdo 10"/>
+          <p:cNvPr id="2" name="Content Placeholder 1"/>
           <p:cNvSpPr>
             <a:spLocks noGrp="1"/>
           </p:cNvSpPr>
@@ -2760,142 +2719,187 @@
         <p:spPr/>
         <p:txBody>
           <a:bodyPr>
-            <a:noAutofit/>
+            <a:normAutofit fontScale="62500" lnSpcReduction="20000"/>
           </a:bodyPr>
           <a:lstStyle/>
           <a:p>
             <a:r>
-              <a:rPr lang="pt-BR" dirty="0" smtClean="0">
-                <a:solidFill>
-                  <a:schemeClr val="bg2">
-                    <a:lumMod val="10000"/>
-                  </a:schemeClr>
-                </a:solidFill>
-              </a:rPr>
-              <a:t>Este tópico deve apresentar o diagrama de </a:t>
-            </a:r>
-            <a:r>
-              <a:rPr lang="pt-BR" dirty="0" smtClean="0">
-                <a:solidFill>
-                  <a:schemeClr val="bg2">
-                    <a:lumMod val="10000"/>
-                  </a:schemeClr>
-                </a:solidFill>
-              </a:rPr>
-              <a:t>classes geral </a:t>
-            </a:r>
-            <a:r>
-              <a:rPr lang="pt-BR" dirty="0" smtClean="0">
-                <a:solidFill>
-                  <a:schemeClr val="bg2">
-                    <a:lumMod val="10000"/>
-                  </a:schemeClr>
-                </a:solidFill>
-              </a:rPr>
-              <a:t>do sistema, </a:t>
-            </a:r>
-            <a:r>
-              <a:rPr lang="pt-BR" dirty="0" smtClean="0">
-                <a:solidFill>
-                  <a:schemeClr val="bg2">
-                    <a:lumMod val="10000"/>
-                  </a:schemeClr>
-                </a:solidFill>
-              </a:rPr>
-              <a:t>com seus atributos e métodos</a:t>
-            </a:r>
-            <a:endParaRPr lang="pt-BR" dirty="0" smtClean="0">
-              <a:solidFill>
-                <a:schemeClr val="bg2">
-                  <a:lumMod val="10000"/>
-                </a:schemeClr>
-              </a:solidFill>
-            </a:endParaRPr>
-          </a:p>
-        </p:txBody>
-      </p:sp>
-      <p:sp>
-        <p:nvSpPr>
-          <p:cNvPr id="2" name="Título 1"/>
-          <p:cNvSpPr>
-            <a:spLocks noGrp="1"/>
-          </p:cNvSpPr>
-          <p:nvPr>
-            <p:ph type="title"/>
+              <a:rPr lang="pt-BR" b="1" dirty="0"/>
+              <a:t>FLUXO PRINCIPAL</a:t>
+            </a:r>
+          </a:p>
+          <a:p>
+            <a:pPr lvl="1"/>
+            <a:r>
+              <a:rPr lang="pt-BR" dirty="0"/>
+              <a:t>1. Usuário clica no botão "Realizar Exames". (E01)</a:t>
+            </a:r>
+          </a:p>
+          <a:p>
+            <a:pPr lvl="1"/>
+            <a:r>
+              <a:rPr lang="pt-BR" dirty="0"/>
+              <a:t>2. Sistema exibe tela de busca de pacientes.</a:t>
+            </a:r>
+          </a:p>
+          <a:p>
+            <a:pPr lvl="1"/>
+            <a:r>
+              <a:rPr lang="pt-BR" dirty="0"/>
+              <a:t>3. Usuário informa um dos critérios de busca e clica no botão "Procurar"</a:t>
+            </a:r>
+          </a:p>
+          <a:p>
+            <a:pPr lvl="1"/>
+            <a:r>
+              <a:rPr lang="pt-BR" dirty="0"/>
+              <a:t>5. Sistema exibe informações encontradas.</a:t>
+            </a:r>
+          </a:p>
+          <a:p>
+            <a:pPr lvl="1"/>
+            <a:r>
+              <a:rPr lang="pt-BR" dirty="0"/>
+              <a:t>6. Usuário clica sobre paciente desejado.</a:t>
+            </a:r>
+          </a:p>
+          <a:p>
+            <a:pPr lvl="1"/>
+            <a:r>
+              <a:rPr lang="pt-BR" dirty="0"/>
+              <a:t>7. Usuário preenche dados de exame realizado e clica em avançar. (A01)(E02)(RN01)</a:t>
+            </a:r>
+          </a:p>
+          <a:p>
+            <a:pPr lvl="1"/>
+            <a:r>
+              <a:rPr lang="pt-BR" dirty="0"/>
+              <a:t>8. Sistema aprensenta tela referente ao segundo exame.</a:t>
+            </a:r>
+          </a:p>
+          <a:p>
+            <a:pPr lvl="1"/>
+            <a:r>
+              <a:rPr lang="pt-BR" dirty="0"/>
+              <a:t>9. Usuário preenche dados do exame realizado e clica em avançar. (A03)(RN01)</a:t>
+            </a:r>
+          </a:p>
+          <a:p>
+            <a:pPr lvl="1"/>
+            <a:r>
+              <a:rPr lang="pt-BR" dirty="0"/>
+              <a:t>10. Sistema aprensenta tela referente ao terceiro exame.</a:t>
+            </a:r>
+          </a:p>
+          <a:p>
+            <a:pPr lvl="1"/>
+            <a:r>
+              <a:rPr lang="pt-BR" dirty="0"/>
+              <a:t>11. Usuário preenche dados do exame realizado e clica em avançar. (A03)(RN01)</a:t>
+            </a:r>
+          </a:p>
+          <a:p>
+            <a:pPr lvl="1"/>
+            <a:r>
+              <a:rPr lang="pt-BR" dirty="0"/>
+              <a:t>12. Sistema aprensenta tela referente ao quarto exame.</a:t>
+            </a:r>
+          </a:p>
+          <a:p>
+            <a:pPr lvl="1"/>
+            <a:r>
+              <a:rPr lang="pt-BR" dirty="0"/>
+              <a:t>13. Usuário preenche dados do exame realizado e clica em avançar. (A03)(RN01)</a:t>
+            </a:r>
+          </a:p>
+          <a:p>
+            <a:pPr lvl="1"/>
+            <a:r>
+              <a:rPr lang="pt-BR" dirty="0"/>
+              <a:t>14. Sistema aprensenta tela referente ao quinto exame.</a:t>
+            </a:r>
+          </a:p>
+          <a:p>
+            <a:pPr lvl="1"/>
+            <a:r>
+              <a:rPr lang="pt-BR" dirty="0"/>
+              <a:t>15. Usuário preenche dados do exame realizado e clica em avançar. (A03)(RN01)</a:t>
+            </a:r>
+          </a:p>
+          <a:p>
+            <a:pPr lvl="1"/>
+            <a:r>
+              <a:rPr lang="pt-BR" dirty="0"/>
+              <a:t>16. Sistema aprensenta tela referente ao sexto exame.</a:t>
+            </a:r>
+          </a:p>
+          <a:p>
+            <a:pPr lvl="1"/>
+            <a:r>
+              <a:rPr lang="pt-BR" dirty="0"/>
+              <a:t>17. Usuário preenche dados do exame realizado e clica em avançar. (A03)(RN01)</a:t>
+            </a:r>
+            <a:endParaRPr lang="pt-BR" dirty="0"/>
+          </a:p>
+        </p:txBody>
+      </p:sp>
+      <p:sp>
+        <p:nvSpPr>
+          <p:cNvPr id="3" name="Slide Number Placeholder 2"/>
+          <p:cNvSpPr>
+            <a:spLocks noGrp="1"/>
+          </p:cNvSpPr>
+          <p:nvPr>
+            <p:ph type="sldNum" sz="quarter" idx="12"/>
           </p:nvPr>
         </p:nvSpPr>
         <p:spPr/>
         <p:txBody>
-          <a:bodyPr>
-            <a:normAutofit/>
-          </a:bodyPr>
-          <a:lstStyle/>
-          <a:p>
-            <a:pPr>
-              <a:defRPr/>
-            </a:pPr>
-            <a:r>
-              <a:rPr lang="pt-BR" dirty="0" smtClean="0"/>
-              <a:t>Diagrama de Classes Geral</a:t>
-            </a:r>
-            <a:endParaRPr lang="pt-BR" dirty="0"/>
-          </a:p>
-        </p:txBody>
-      </p:sp>
-      <p:sp>
-        <p:nvSpPr>
-          <p:cNvPr id="19459" name="Espaço Reservado para Número de Slide 5"/>
-          <p:cNvSpPr txBox="1">
-            <a:spLocks noGrp="1"/>
-          </p:cNvSpPr>
-          <p:nvPr/>
-        </p:nvSpPr>
-        <p:spPr bwMode="auto">
-          <a:xfrm>
-            <a:off x="8204200" y="6643688"/>
-            <a:ext cx="796925" cy="179387"/>
-          </a:xfrm>
-          <a:prstGeom prst="rect">
-            <a:avLst/>
-          </a:prstGeom>
-          <a:noFill/>
-          <a:ln w="9525">
-            <a:noFill/>
-            <a:miter lim="800000"/>
-            <a:headEnd/>
-            <a:tailEnd/>
-          </a:ln>
-        </p:spPr>
-        <p:txBody>
-          <a:bodyPr bIns="0" anchor="b"/>
-          <a:lstStyle/>
-          <a:p>
-            <a:pPr algn="r"/>
-            <a:fld id="{0C91674F-D3B1-4E28-AF80-6550D6D5E435}" type="slidenum">
-              <a:rPr lang="pt-BR" sz="1200" b="1">
-                <a:solidFill>
-                  <a:schemeClr val="bg1"/>
-                </a:solidFill>
-                <a:latin typeface="Corbel" pitchFamily="34" charset="0"/>
-              </a:rPr>
-              <a:pPr algn="r"/>
+          <a:bodyPr/>
+          <a:lstStyle/>
+          <a:p>
+            <a:fld id="{031FACD5-5EC0-4CE0-9156-9F2704C0507A}" type="slidenum">
+              <a:rPr lang="pt-BR" smtClean="0"/>
+              <a:pPr/>
               <a:t>12</a:t>
             </a:fld>
-            <a:endParaRPr lang="pt-BR" sz="1200" b="1" dirty="0">
-              <a:solidFill>
-                <a:schemeClr val="bg1"/>
-              </a:solidFill>
-              <a:latin typeface="Corbel" pitchFamily="34" charset="0"/>
-            </a:endParaRPr>
+            <a:endParaRPr lang="pt-BR"/>
+          </a:p>
+        </p:txBody>
+      </p:sp>
+      <p:sp>
+        <p:nvSpPr>
+          <p:cNvPr id="4" name="Title 3"/>
+          <p:cNvSpPr>
+            <a:spLocks noGrp="1"/>
+          </p:cNvSpPr>
+          <p:nvPr>
+            <p:ph type="title"/>
+          </p:nvPr>
+        </p:nvSpPr>
+        <p:spPr/>
+        <p:txBody>
+          <a:bodyPr/>
+          <a:lstStyle/>
+          <a:p>
+            <a:r>
+              <a:rPr lang="pt-BR" sz="4400" dirty="0"/>
+              <a:t>UC03 – Realizar exames</a:t>
+            </a:r>
+            <a:endParaRPr lang="pt-BR" dirty="0"/>
           </a:p>
         </p:txBody>
       </p:sp>
     </p:spTree>
+    <p:extLst>
+      <p:ext uri="{BB962C8B-B14F-4D97-AF65-F5344CB8AC3E}">
+        <p14:creationId xmlns:p14="http://schemas.microsoft.com/office/powerpoint/2010/main" val="3652348718"/>
+      </p:ext>
+    </p:extLst>
   </p:cSld>
   <p:clrMapOvr>
     <a:masterClrMapping/>
   </p:clrMapOvr>
-  <p:transition/>
   <p:timing>
     <p:tnLst>
       <p:par>
@@ -2925,123 +2929,201 @@
       </p:grpSpPr>
       <p:sp>
         <p:nvSpPr>
-          <p:cNvPr id="8" name="Espaço Reservado para Texto 7"/>
-          <p:cNvSpPr>
-            <a:spLocks noGrp="1"/>
-          </p:cNvSpPr>
-          <p:nvPr>
-            <p:ph type="body" idx="1"/>
+          <p:cNvPr id="2" name="Content Placeholder 1"/>
+          <p:cNvSpPr>
+            <a:spLocks noGrp="1"/>
+          </p:cNvSpPr>
+          <p:nvPr>
+            <p:ph idx="1"/>
           </p:nvPr>
         </p:nvSpPr>
         <p:spPr/>
         <p:txBody>
+          <a:bodyPr>
+            <a:normAutofit fontScale="70000" lnSpcReduction="20000"/>
+          </a:bodyPr>
+          <a:lstStyle/>
+          <a:p>
+            <a:r>
+              <a:rPr lang="pt-BR" dirty="0" smtClean="0"/>
+              <a:t>FLUXOS </a:t>
+            </a:r>
+            <a:r>
+              <a:rPr lang="pt-BR" dirty="0"/>
+              <a:t>ALTERNATIVOS</a:t>
+            </a:r>
+          </a:p>
+          <a:p>
+            <a:pPr lvl="1"/>
+            <a:r>
+              <a:rPr lang="pt-BR" dirty="0" smtClean="0"/>
+              <a:t>A01 -</a:t>
+            </a:r>
+          </a:p>
+          <a:p>
+            <a:pPr lvl="2"/>
+            <a:r>
+              <a:rPr lang="pt-BR" dirty="0" smtClean="0"/>
+              <a:t>    01 - Usuário clica no botão de cancelar</a:t>
+            </a:r>
+          </a:p>
+          <a:p>
+            <a:pPr lvl="2"/>
+            <a:r>
+              <a:rPr lang="pt-BR" dirty="0" smtClean="0"/>
+              <a:t>    02 - Sistema exibe pop up perguntando se realmente deve cancelar operação.</a:t>
+            </a:r>
+          </a:p>
+          <a:p>
+            <a:pPr lvl="2"/>
+            <a:r>
+              <a:rPr lang="pt-BR" dirty="0" smtClean="0"/>
+              <a:t>    03 - Usuário conrfirma(A02).</a:t>
+            </a:r>
+          </a:p>
+          <a:p>
+            <a:pPr lvl="2"/>
+            <a:r>
+              <a:rPr lang="pt-BR" dirty="0" smtClean="0"/>
+              <a:t>    04 - Sistema retorna a rela inicial.</a:t>
+            </a:r>
+          </a:p>
+          <a:p>
+            <a:pPr lvl="1"/>
+            <a:r>
+              <a:rPr lang="pt-BR" dirty="0" smtClean="0"/>
+              <a:t>A02 - </a:t>
+            </a:r>
+          </a:p>
+          <a:p>
+            <a:pPr lvl="2"/>
+            <a:r>
+              <a:rPr lang="pt-BR" dirty="0" smtClean="0"/>
+              <a:t>     01 - Usuário não confirma perda de dados</a:t>
+            </a:r>
+          </a:p>
+          <a:p>
+            <a:pPr lvl="2"/>
+            <a:r>
+              <a:rPr lang="pt-BR" dirty="0" smtClean="0"/>
+              <a:t>     02 - Sistema permanece na mesma tela</a:t>
+            </a:r>
+          </a:p>
+          <a:p>
+            <a:pPr lvl="1"/>
+            <a:r>
+              <a:rPr lang="pt-BR" dirty="0" smtClean="0"/>
+              <a:t>A03-</a:t>
+            </a:r>
+          </a:p>
+          <a:p>
+            <a:pPr lvl="2"/>
+            <a:r>
+              <a:rPr lang="pt-BR" dirty="0" smtClean="0"/>
+              <a:t>     1 - Usuário clica no botão "Voltar"</a:t>
+            </a:r>
+          </a:p>
+          <a:p>
+            <a:pPr lvl="2"/>
+            <a:r>
+              <a:rPr lang="pt-BR" dirty="0" smtClean="0"/>
+              <a:t>     2 - Sistema apresenta tela imediatamente anterior.</a:t>
+            </a:r>
+          </a:p>
+          <a:p>
+            <a:r>
+              <a:rPr lang="pt-BR" dirty="0" smtClean="0"/>
+              <a:t>FLUXOS </a:t>
+            </a:r>
+            <a:r>
+              <a:rPr lang="pt-BR" dirty="0"/>
+              <a:t>DE EXCEÇÕES</a:t>
+            </a:r>
+          </a:p>
+          <a:p>
+            <a:pPr lvl="1"/>
+            <a:r>
+              <a:rPr lang="pt-BR" dirty="0"/>
+              <a:t>E01 - Sistema informa que conexão com banco de dados não esta disponível.</a:t>
+            </a:r>
+          </a:p>
+          <a:p>
+            <a:r>
+              <a:rPr lang="pt-BR" dirty="0" smtClean="0"/>
+              <a:t>REGRAS </a:t>
+            </a:r>
+            <a:r>
+              <a:rPr lang="pt-BR" dirty="0"/>
+              <a:t>DE NEGÓCIO</a:t>
+            </a:r>
+          </a:p>
+          <a:p>
+            <a:pPr lvl="1"/>
+            <a:r>
+              <a:rPr lang="pt-BR" dirty="0"/>
+              <a:t>NA</a:t>
+            </a:r>
+          </a:p>
+          <a:p>
+            <a:endParaRPr lang="pt-BR" dirty="0"/>
+          </a:p>
+        </p:txBody>
+      </p:sp>
+      <p:sp>
+        <p:nvSpPr>
+          <p:cNvPr id="3" name="Slide Number Placeholder 2"/>
+          <p:cNvSpPr>
+            <a:spLocks noGrp="1"/>
+          </p:cNvSpPr>
+          <p:nvPr>
+            <p:ph type="sldNum" sz="quarter" idx="12"/>
+          </p:nvPr>
+        </p:nvSpPr>
+        <p:spPr/>
+        <p:txBody>
           <a:bodyPr/>
           <a:lstStyle/>
           <a:p>
-            <a:r>
-              <a:rPr lang="pt-BR" dirty="0" smtClean="0"/>
-              <a:t>Apresentação Banca de Análise</a:t>
-            </a:r>
-          </a:p>
-        </p:txBody>
-      </p:sp>
-      <p:sp>
-        <p:nvSpPr>
-          <p:cNvPr id="9" name="Espaço Reservado para Texto 8"/>
-          <p:cNvSpPr>
-            <a:spLocks noGrp="1"/>
-          </p:cNvSpPr>
-          <p:nvPr>
-            <p:ph type="body" sz="quarter" idx="13"/>
-          </p:nvPr>
-        </p:nvSpPr>
-        <p:spPr>
-          <a:xfrm>
-            <a:off x="571472" y="2643206"/>
-            <a:ext cx="8280920" cy="4214818"/>
-          </a:xfrm>
-        </p:spPr>
+            <a:fld id="{031FACD5-5EC0-4CE0-9156-9F2704C0507A}" type="slidenum">
+              <a:rPr lang="pt-BR" smtClean="0"/>
+              <a:pPr/>
+              <a:t>13</a:t>
+            </a:fld>
+            <a:endParaRPr lang="pt-BR"/>
+          </a:p>
+        </p:txBody>
+      </p:sp>
+      <p:sp>
+        <p:nvSpPr>
+          <p:cNvPr id="4" name="Title 3"/>
+          <p:cNvSpPr>
+            <a:spLocks noGrp="1"/>
+          </p:cNvSpPr>
+          <p:nvPr>
+            <p:ph type="title"/>
+          </p:nvPr>
+        </p:nvSpPr>
+        <p:spPr/>
         <p:txBody>
           <a:bodyPr>
-            <a:normAutofit/>
+            <a:normAutofit fontScale="90000"/>
           </a:bodyPr>
           <a:lstStyle/>
           <a:p>
             <a:r>
-              <a:rPr lang="pt-BR" b="1" dirty="0" smtClean="0"/>
-              <a:t>Escopo do Projeto</a:t>
-            </a:r>
-          </a:p>
-          <a:p>
-            <a:r>
-              <a:rPr lang="pt-BR" b="1" dirty="0" smtClean="0"/>
-              <a:t>Modelagem de Negócio BPM</a:t>
-            </a:r>
-          </a:p>
-          <a:p>
-            <a:r>
-              <a:rPr lang="pt-BR" b="1" dirty="0" smtClean="0"/>
-              <a:t>Diagrama de Casos de Uso Geral</a:t>
-            </a:r>
-          </a:p>
-          <a:p>
-            <a:r>
-              <a:rPr lang="pt-BR" b="1" dirty="0" smtClean="0"/>
-              <a:t>Realização dos Casos de Uso</a:t>
-            </a:r>
-          </a:p>
-          <a:p>
-            <a:r>
-              <a:rPr lang="pt-BR" b="1" dirty="0" smtClean="0"/>
-              <a:t>Diagrama de Classes Geral</a:t>
-            </a:r>
-          </a:p>
-          <a:p>
-            <a:r>
-              <a:rPr lang="pt-BR" b="1" dirty="0" smtClean="0">
-                <a:solidFill>
-                  <a:schemeClr val="accent3">
-                    <a:lumMod val="50000"/>
-                  </a:schemeClr>
-                </a:solidFill>
-              </a:rPr>
-              <a:t>Modelo de Dados</a:t>
-            </a:r>
-          </a:p>
-          <a:p>
-            <a:r>
-              <a:rPr lang="pt-BR" b="1" dirty="0" smtClean="0"/>
-              <a:t>Análise de Mercado</a:t>
-            </a:r>
-          </a:p>
-        </p:txBody>
-      </p:sp>
-      <p:sp>
-        <p:nvSpPr>
-          <p:cNvPr id="7" name="Título 6"/>
-          <p:cNvSpPr>
-            <a:spLocks noGrp="1"/>
-          </p:cNvSpPr>
-          <p:nvPr>
-            <p:ph type="title"/>
-          </p:nvPr>
-        </p:nvSpPr>
-        <p:spPr/>
-        <p:txBody>
-          <a:bodyPr>
-            <a:normAutofit/>
-          </a:bodyPr>
-          <a:lstStyle/>
-          <a:p>
-            <a:r>
-              <a:rPr lang="pt-BR" dirty="0" smtClean="0"/>
-              <a:t>Agenda</a:t>
+              <a:rPr lang="pt-BR" sz="4800" dirty="0"/>
+              <a:t>UC03 – Realizar exames</a:t>
             </a:r>
             <a:endParaRPr lang="pt-BR" dirty="0"/>
           </a:p>
         </p:txBody>
       </p:sp>
     </p:spTree>
+    <p:extLst>
+      <p:ext uri="{BB962C8B-B14F-4D97-AF65-F5344CB8AC3E}">
+        <p14:creationId xmlns:p14="http://schemas.microsoft.com/office/powerpoint/2010/main" val="2960201433"/>
+      </p:ext>
+    </p:extLst>
   </p:cSld>
   <p:clrMapOvr>
     <a:masterClrMapping/>
@@ -3075,136 +3157,31 @@
       </p:grpSpPr>
       <p:sp>
         <p:nvSpPr>
-          <p:cNvPr id="45061" name="Espaço Reservado para Conteúdo 10"/>
-          <p:cNvSpPr>
-            <a:spLocks noGrp="1"/>
-          </p:cNvSpPr>
-          <p:nvPr>
-            <p:ph idx="1"/>
+          <p:cNvPr id="3" name="Slide Number Placeholder 2"/>
+          <p:cNvSpPr>
+            <a:spLocks noGrp="1"/>
+          </p:cNvSpPr>
+          <p:nvPr>
+            <p:ph type="sldNum" sz="quarter" idx="12"/>
           </p:nvPr>
         </p:nvSpPr>
         <p:spPr/>
         <p:txBody>
-          <a:bodyPr>
-            <a:noAutofit/>
-          </a:bodyPr>
-          <a:lstStyle/>
-          <a:p>
-            <a:r>
-              <a:rPr lang="pt-BR" dirty="0" smtClean="0">
-                <a:solidFill>
-                  <a:schemeClr val="bg2">
-                    <a:lumMod val="10000"/>
-                  </a:schemeClr>
-                </a:solidFill>
-              </a:rPr>
-              <a:t>Neste tópico apresentar um diagrama ER (Entidade-Relacionamento):</a:t>
-            </a:r>
-          </a:p>
-          <a:p>
-            <a:pPr lvl="1"/>
-            <a:r>
-              <a:rPr lang="pt-BR" dirty="0" smtClean="0">
-                <a:solidFill>
-                  <a:schemeClr val="bg2">
-                    <a:lumMod val="10000"/>
-                  </a:schemeClr>
-                </a:solidFill>
-              </a:rPr>
-              <a:t>Com as respectivas entidades </a:t>
-            </a:r>
-            <a:r>
-              <a:rPr lang="pt-BR" dirty="0" smtClean="0">
-                <a:solidFill>
-                  <a:schemeClr val="bg2">
-                    <a:lumMod val="10000"/>
-                  </a:schemeClr>
-                </a:solidFill>
-              </a:rPr>
-              <a:t>identificadas</a:t>
-            </a:r>
-          </a:p>
-          <a:p>
-            <a:pPr lvl="2"/>
-            <a:r>
-              <a:rPr lang="pt-BR" dirty="0" smtClean="0">
-                <a:solidFill>
-                  <a:schemeClr val="bg2">
-                    <a:lumMod val="10000"/>
-                  </a:schemeClr>
-                </a:solidFill>
-              </a:rPr>
-              <a:t>Devem possuir chaves naturais</a:t>
-            </a:r>
-          </a:p>
-          <a:p>
-            <a:pPr lvl="2"/>
-            <a:r>
-              <a:rPr lang="pt-BR" dirty="0" smtClean="0">
-                <a:solidFill>
-                  <a:schemeClr val="bg2">
-                    <a:lumMod val="10000"/>
-                  </a:schemeClr>
-                </a:solidFill>
-              </a:rPr>
-              <a:t>Estar normalizado até a 4ª forma normal</a:t>
-            </a:r>
-            <a:endParaRPr lang="pt-BR" dirty="0" smtClean="0">
-              <a:solidFill>
-                <a:schemeClr val="bg2">
-                  <a:lumMod val="10000"/>
-                </a:schemeClr>
-              </a:solidFill>
-            </a:endParaRPr>
-          </a:p>
-          <a:p>
-            <a:pPr lvl="1"/>
-            <a:r>
-              <a:rPr lang="pt-BR" dirty="0" smtClean="0">
-                <a:solidFill>
-                  <a:schemeClr val="bg2">
-                    <a:lumMod val="10000"/>
-                  </a:schemeClr>
-                </a:solidFill>
-              </a:rPr>
-              <a:t>Com os atributos principais destas entidades</a:t>
-            </a:r>
-          </a:p>
-          <a:p>
-            <a:pPr lvl="1"/>
-            <a:r>
-              <a:rPr lang="pt-BR" dirty="0" smtClean="0">
-                <a:solidFill>
-                  <a:schemeClr val="bg2">
-                    <a:lumMod val="10000"/>
-                  </a:schemeClr>
-                </a:solidFill>
-              </a:rPr>
-              <a:t>Com os relacionamentos entre as </a:t>
-            </a:r>
-            <a:r>
-              <a:rPr lang="pt-BR" dirty="0" smtClean="0">
-                <a:solidFill>
-                  <a:schemeClr val="bg2">
-                    <a:lumMod val="10000"/>
-                  </a:schemeClr>
-                </a:solidFill>
-              </a:rPr>
-              <a:t>entidades</a:t>
-            </a:r>
-            <a:endParaRPr lang="pt-BR" dirty="0" smtClean="0">
-              <a:solidFill>
-                <a:schemeClr val="bg2">
-                  <a:lumMod val="10000"/>
-                </a:schemeClr>
-              </a:solidFill>
-            </a:endParaRPr>
-          </a:p>
-        </p:txBody>
-      </p:sp>
-      <p:sp>
-        <p:nvSpPr>
-          <p:cNvPr id="2" name="Título 1"/>
+          <a:bodyPr/>
+          <a:lstStyle/>
+          <a:p>
+            <a:fld id="{031FACD5-5EC0-4CE0-9156-9F2704C0507A}" type="slidenum">
+              <a:rPr lang="pt-BR" smtClean="0"/>
+              <a:pPr/>
+              <a:t>14</a:t>
+            </a:fld>
+            <a:endParaRPr lang="pt-BR"/>
+          </a:p>
+        </p:txBody>
+      </p:sp>
+      <p:sp>
+        <p:nvSpPr>
+          <p:cNvPr id="4" name="Title 3"/>
           <p:cNvSpPr>
             <a:spLocks noGrp="1"/>
           </p:cNvSpPr>
@@ -3212,83 +3189,83 @@
             <p:ph type="title"/>
           </p:nvPr>
         </p:nvSpPr>
-        <p:spPr>
-          <a:xfrm>
-            <a:off x="323528" y="332656"/>
-            <a:ext cx="6820240" cy="785794"/>
-          </a:xfrm>
-        </p:spPr>
-        <p:txBody>
-          <a:bodyPr>
-            <a:noAutofit/>
-          </a:bodyPr>
-          <a:lstStyle/>
-          <a:p>
-            <a:pPr>
-              <a:defRPr/>
-            </a:pPr>
-            <a:r>
-              <a:rPr lang="pt-BR" dirty="0" smtClean="0"/>
-              <a:t>Modelo de Dados</a:t>
+        <p:spPr/>
+        <p:txBody>
+          <a:bodyPr/>
+          <a:lstStyle/>
+          <a:p>
+            <a:r>
+              <a:rPr lang="pt-BR" sz="4400" dirty="0"/>
+              <a:t>UC03 – Realizar exames</a:t>
             </a:r>
             <a:endParaRPr lang="pt-BR" dirty="0"/>
           </a:p>
         </p:txBody>
       </p:sp>
-      <p:sp>
-        <p:nvSpPr>
-          <p:cNvPr id="19459" name="Espaço Reservado para Número de Slide 5"/>
-          <p:cNvSpPr txBox="1">
-            <a:spLocks noGrp="1"/>
-          </p:cNvSpPr>
+      <p:pic>
+        <p:nvPicPr>
+          <p:cNvPr id="2050" name="Picture 2" descr="TELAS_UC03 - Exame Físico PT1"/>
+          <p:cNvPicPr>
+            <a:picLocks noChangeAspect="1" noChangeArrowheads="1"/>
+          </p:cNvPicPr>
           <p:nvPr/>
-        </p:nvSpPr>
+        </p:nvPicPr>
+        <p:blipFill>
+          <a:blip r:embed="rId2">
+            <a:extLst>
+              <a:ext uri="{28A0092B-C50C-407E-A947-70E740481C1C}">
+                <a14:useLocalDpi xmlns:a14="http://schemas.microsoft.com/office/drawing/2010/main" val="0"/>
+              </a:ext>
+            </a:extLst>
+          </a:blip>
+          <a:srcRect/>
+          <a:stretch>
+            <a:fillRect/>
+          </a:stretch>
+        </p:blipFill>
         <p:spPr bwMode="auto">
           <a:xfrm>
-            <a:off x="8204200" y="6643688"/>
-            <a:ext cx="796925" cy="179387"/>
+            <a:off x="1076325" y="1295400"/>
+            <a:ext cx="6087963" cy="4970790"/>
           </a:xfrm>
           <a:prstGeom prst="rect">
             <a:avLst/>
           </a:prstGeom>
           <a:noFill/>
-          <a:ln w="9525">
+          <a:ln>
             <a:noFill/>
-            <a:miter lim="800000"/>
-            <a:headEnd/>
-            <a:tailEnd/>
           </a:ln>
+          <a:extLst>
+            <a:ext uri="{909E8E84-426E-40DD-AFC4-6F175D3DCCD1}">
+              <a14:hiddenFill xmlns:a14="http://schemas.microsoft.com/office/drawing/2010/main">
+                <a:solidFill>
+                  <a:srgbClr val="FFFFFF"/>
+                </a:solidFill>
+              </a14:hiddenFill>
+            </a:ext>
+            <a:ext uri="{91240B29-F687-4F45-9708-019B960494DF}">
+              <a14:hiddenLine xmlns:a14="http://schemas.microsoft.com/office/drawing/2010/main" w="9525">
+                <a:solidFill>
+                  <a:srgbClr val="000000"/>
+                </a:solidFill>
+                <a:miter lim="800000"/>
+                <a:headEnd/>
+                <a:tailEnd/>
+              </a14:hiddenLine>
+            </a:ext>
+          </a:extLst>
         </p:spPr>
-        <p:txBody>
-          <a:bodyPr bIns="0" anchor="b"/>
-          <a:lstStyle/>
-          <a:p>
-            <a:pPr algn="r"/>
-            <a:fld id="{0C91674F-D3B1-4E28-AF80-6550D6D5E435}" type="slidenum">
-              <a:rPr lang="pt-BR" sz="1200" b="1">
-                <a:solidFill>
-                  <a:schemeClr val="bg1"/>
-                </a:solidFill>
-                <a:latin typeface="Corbel" pitchFamily="34" charset="0"/>
-              </a:rPr>
-              <a:pPr algn="r"/>
-              <a:t>14</a:t>
-            </a:fld>
-            <a:endParaRPr lang="pt-BR" sz="1200" b="1" dirty="0">
-              <a:solidFill>
-                <a:schemeClr val="bg1"/>
-              </a:solidFill>
-              <a:latin typeface="Corbel" pitchFamily="34" charset="0"/>
-            </a:endParaRPr>
-          </a:p>
-        </p:txBody>
-      </p:sp>
+      </p:pic>
     </p:spTree>
+    <p:extLst>
+      <p:ext uri="{BB962C8B-B14F-4D97-AF65-F5344CB8AC3E}">
+        <p14:creationId xmlns:p14="http://schemas.microsoft.com/office/powerpoint/2010/main" val="1767049527"/>
+      </p:ext>
+    </p:extLst>
   </p:cSld>
   <p:clrMapOvr>
     <a:masterClrMapping/>
   </p:clrMapOvr>
-  <p:transition/>
   <p:timing>
     <p:tnLst>
       <p:par>
@@ -3318,12 +3295,12 @@
       </p:grpSpPr>
       <p:sp>
         <p:nvSpPr>
-          <p:cNvPr id="8" name="Espaço Reservado para Texto 7"/>
-          <p:cNvSpPr>
-            <a:spLocks noGrp="1"/>
-          </p:cNvSpPr>
-          <p:nvPr>
-            <p:ph type="body" idx="1"/>
+          <p:cNvPr id="3" name="Slide Number Placeholder 2"/>
+          <p:cNvSpPr>
+            <a:spLocks noGrp="1"/>
+          </p:cNvSpPr>
+          <p:nvPr>
+            <p:ph type="sldNum" sz="quarter" idx="12"/>
           </p:nvPr>
         </p:nvSpPr>
         <p:spPr/>
@@ -3331,110 +3308,98 @@
           <a:bodyPr/>
           <a:lstStyle/>
           <a:p>
-            <a:r>
-              <a:rPr lang="pt-BR" dirty="0" smtClean="0"/>
-              <a:t>Apresentação Banca de Análise</a:t>
-            </a:r>
-          </a:p>
-        </p:txBody>
-      </p:sp>
-      <p:sp>
-        <p:nvSpPr>
-          <p:cNvPr id="9" name="Espaço Reservado para Texto 8"/>
-          <p:cNvSpPr>
-            <a:spLocks noGrp="1"/>
-          </p:cNvSpPr>
-          <p:nvPr>
-            <p:ph type="body" sz="quarter" idx="13"/>
-          </p:nvPr>
-        </p:nvSpPr>
-        <p:spPr>
+            <a:fld id="{031FACD5-5EC0-4CE0-9156-9F2704C0507A}" type="slidenum">
+              <a:rPr lang="pt-BR" smtClean="0"/>
+              <a:pPr/>
+              <a:t>15</a:t>
+            </a:fld>
+            <a:endParaRPr lang="pt-BR"/>
+          </a:p>
+        </p:txBody>
+      </p:sp>
+      <p:sp>
+        <p:nvSpPr>
+          <p:cNvPr id="4" name="Title 3"/>
+          <p:cNvSpPr>
+            <a:spLocks noGrp="1"/>
+          </p:cNvSpPr>
+          <p:nvPr>
+            <p:ph type="title"/>
+          </p:nvPr>
+        </p:nvSpPr>
+        <p:spPr/>
+        <p:txBody>
+          <a:bodyPr/>
+          <a:lstStyle/>
+          <a:p>
+            <a:r>
+              <a:rPr lang="pt-BR" sz="4400" dirty="0"/>
+              <a:t>UC03 – Realizar exames</a:t>
+            </a:r>
+            <a:endParaRPr lang="pt-BR" dirty="0"/>
+          </a:p>
+        </p:txBody>
+      </p:sp>
+      <p:pic>
+        <p:nvPicPr>
+          <p:cNvPr id="3074" name="Picture 2" descr="TELAS_UC03 - Exame Físico PT2"/>
+          <p:cNvPicPr>
+            <a:picLocks noChangeAspect="1" noChangeArrowheads="1"/>
+          </p:cNvPicPr>
+          <p:nvPr/>
+        </p:nvPicPr>
+        <p:blipFill>
+          <a:blip r:embed="rId2">
+            <a:extLst>
+              <a:ext uri="{28A0092B-C50C-407E-A947-70E740481C1C}">
+                <a14:useLocalDpi xmlns:a14="http://schemas.microsoft.com/office/drawing/2010/main" val="0"/>
+              </a:ext>
+            </a:extLst>
+          </a:blip>
+          <a:srcRect/>
+          <a:stretch>
+            <a:fillRect/>
+          </a:stretch>
+        </p:blipFill>
+        <p:spPr bwMode="auto">
           <a:xfrm>
-            <a:off x="571472" y="2643206"/>
-            <a:ext cx="8280920" cy="4214818"/>
+            <a:off x="899592" y="1135074"/>
+            <a:ext cx="7632848" cy="5420520"/>
           </a:xfrm>
+          <a:prstGeom prst="rect">
+            <a:avLst/>
+          </a:prstGeom>
+          <a:noFill/>
+          <a:ln>
+            <a:noFill/>
+          </a:ln>
+          <a:extLst>
+            <a:ext uri="{909E8E84-426E-40DD-AFC4-6F175D3DCCD1}">
+              <a14:hiddenFill xmlns:a14="http://schemas.microsoft.com/office/drawing/2010/main">
+                <a:solidFill>
+                  <a:srgbClr val="FFFFFF"/>
+                </a:solidFill>
+              </a14:hiddenFill>
+            </a:ext>
+            <a:ext uri="{91240B29-F687-4F45-9708-019B960494DF}">
+              <a14:hiddenLine xmlns:a14="http://schemas.microsoft.com/office/drawing/2010/main" w="9525">
+                <a:solidFill>
+                  <a:srgbClr val="000000"/>
+                </a:solidFill>
+                <a:miter lim="800000"/>
+                <a:headEnd/>
+                <a:tailEnd/>
+              </a14:hiddenLine>
+            </a:ext>
+          </a:extLst>
         </p:spPr>
-        <p:txBody>
-          <a:bodyPr>
-            <a:normAutofit/>
-          </a:bodyPr>
-          <a:lstStyle/>
-          <a:p>
-            <a:r>
-              <a:rPr lang="pt-BR" b="1" dirty="0" smtClean="0"/>
-              <a:t>Escopo do Projeto</a:t>
-            </a:r>
-          </a:p>
-          <a:p>
-            <a:r>
-              <a:rPr lang="pt-BR" b="1" dirty="0" smtClean="0"/>
-              <a:t>Modelagem de Negócio BPM</a:t>
-            </a:r>
-          </a:p>
-          <a:p>
-            <a:r>
-              <a:rPr lang="pt-BR" b="1" dirty="0" smtClean="0"/>
-              <a:t>Diagrama de Casos de Uso Geral</a:t>
-            </a:r>
-          </a:p>
-          <a:p>
-            <a:r>
-              <a:rPr lang="pt-BR" b="1" dirty="0" smtClean="0"/>
-              <a:t>Realização dos Casos de Uso</a:t>
-            </a:r>
-          </a:p>
-          <a:p>
-            <a:r>
-              <a:rPr lang="pt-BR" b="1" dirty="0" smtClean="0"/>
-              <a:t>Diagrama de Classes Geral</a:t>
-            </a:r>
-          </a:p>
-          <a:p>
-            <a:r>
-              <a:rPr lang="pt-BR" b="1" dirty="0" smtClean="0"/>
-              <a:t>Modelo de Dados</a:t>
-            </a:r>
-          </a:p>
-          <a:p>
-            <a:r>
-              <a:rPr lang="pt-BR" b="1" dirty="0" smtClean="0">
-                <a:solidFill>
-                  <a:schemeClr val="accent3">
-                    <a:lumMod val="50000"/>
-                  </a:schemeClr>
-                </a:solidFill>
-              </a:rPr>
-              <a:t>Análise de Mercado</a:t>
-            </a:r>
-          </a:p>
-        </p:txBody>
-      </p:sp>
-      <p:sp>
-        <p:nvSpPr>
-          <p:cNvPr id="7" name="Título 6"/>
-          <p:cNvSpPr>
-            <a:spLocks noGrp="1"/>
-          </p:cNvSpPr>
-          <p:nvPr>
-            <p:ph type="title"/>
-          </p:nvPr>
-        </p:nvSpPr>
-        <p:spPr/>
-        <p:txBody>
-          <a:bodyPr>
-            <a:normAutofit/>
-          </a:bodyPr>
-          <a:lstStyle/>
-          <a:p>
-            <a:r>
-              <a:rPr lang="pt-BR" dirty="0" smtClean="0"/>
-              <a:t>Agenda</a:t>
-            </a:r>
-            <a:endParaRPr lang="pt-BR" dirty="0"/>
-          </a:p>
-        </p:txBody>
-      </p:sp>
+      </p:pic>
     </p:spTree>
+    <p:extLst>
+      <p:ext uri="{BB962C8B-B14F-4D97-AF65-F5344CB8AC3E}">
+        <p14:creationId xmlns:p14="http://schemas.microsoft.com/office/powerpoint/2010/main" val="916605857"/>
+      </p:ext>
+    </p:extLst>
   </p:cSld>
   <p:clrMapOvr>
     <a:masterClrMapping/>
@@ -3468,139 +3433,31 @@
       </p:grpSpPr>
       <p:sp>
         <p:nvSpPr>
-          <p:cNvPr id="45061" name="Espaço Reservado para Conteúdo 10"/>
-          <p:cNvSpPr>
-            <a:spLocks noGrp="1"/>
-          </p:cNvSpPr>
-          <p:nvPr>
-            <p:ph idx="1"/>
+          <p:cNvPr id="3" name="Slide Number Placeholder 2"/>
+          <p:cNvSpPr>
+            <a:spLocks noGrp="1"/>
+          </p:cNvSpPr>
+          <p:nvPr>
+            <p:ph type="sldNum" sz="quarter" idx="12"/>
           </p:nvPr>
         </p:nvSpPr>
         <p:spPr/>
         <p:txBody>
-          <a:bodyPr>
-            <a:noAutofit/>
-          </a:bodyPr>
-          <a:lstStyle/>
-          <a:p>
-            <a:r>
-              <a:rPr lang="pt-BR" dirty="0" smtClean="0">
-                <a:solidFill>
-                  <a:schemeClr val="bg2">
-                    <a:lumMod val="10000"/>
-                  </a:schemeClr>
-                </a:solidFill>
-              </a:rPr>
-              <a:t>Apresentar os softwares que já existem no mercado relativos ao seu projeto</a:t>
-            </a:r>
-          </a:p>
-          <a:p>
-            <a:r>
-              <a:rPr lang="pt-BR" dirty="0" smtClean="0">
-                <a:solidFill>
-                  <a:schemeClr val="bg2">
-                    <a:lumMod val="10000"/>
-                  </a:schemeClr>
-                </a:solidFill>
-              </a:rPr>
-              <a:t>Cada software deve ser apresentado em </a:t>
-            </a:r>
-            <a:r>
-              <a:rPr lang="pt-BR" dirty="0" smtClean="0">
-                <a:solidFill>
-                  <a:schemeClr val="bg2">
-                    <a:lumMod val="10000"/>
-                  </a:schemeClr>
-                </a:solidFill>
-              </a:rPr>
-              <a:t>2 slides, </a:t>
-            </a:r>
-            <a:r>
-              <a:rPr lang="pt-BR" dirty="0" smtClean="0">
-                <a:solidFill>
-                  <a:schemeClr val="bg2">
-                    <a:lumMod val="10000"/>
-                  </a:schemeClr>
-                </a:solidFill>
-              </a:rPr>
-              <a:t>contendo as seguintes informações</a:t>
-            </a:r>
-          </a:p>
-          <a:p>
-            <a:pPr lvl="1"/>
-            <a:r>
-              <a:rPr lang="pt-BR" dirty="0" smtClean="0">
-                <a:solidFill>
-                  <a:schemeClr val="bg2">
-                    <a:lumMod val="10000"/>
-                  </a:schemeClr>
-                </a:solidFill>
-              </a:rPr>
-              <a:t>Nome</a:t>
-            </a:r>
-          </a:p>
-          <a:p>
-            <a:pPr lvl="1"/>
-            <a:r>
-              <a:rPr lang="pt-BR" dirty="0" smtClean="0">
-                <a:solidFill>
-                  <a:schemeClr val="bg2">
-                    <a:lumMod val="10000"/>
-                  </a:schemeClr>
-                </a:solidFill>
-              </a:rPr>
-              <a:t>Imagem</a:t>
-            </a:r>
-          </a:p>
-          <a:p>
-            <a:pPr lvl="1"/>
-            <a:r>
-              <a:rPr lang="pt-BR" dirty="0" smtClean="0">
-                <a:solidFill>
-                  <a:schemeClr val="bg2">
-                    <a:lumMod val="10000"/>
-                  </a:schemeClr>
-                </a:solidFill>
-              </a:rPr>
-              <a:t>Principais  Funcionalidades</a:t>
-            </a:r>
-          </a:p>
-          <a:p>
-            <a:pPr lvl="1"/>
-            <a:r>
-              <a:rPr lang="pt-BR" dirty="0" smtClean="0">
-                <a:solidFill>
-                  <a:schemeClr val="bg2">
-                    <a:lumMod val="10000"/>
-                  </a:schemeClr>
-                </a:solidFill>
-              </a:rPr>
-              <a:t>Pontos Fracos e Fortes</a:t>
-            </a:r>
-          </a:p>
-          <a:p>
-            <a:pPr lvl="1"/>
-            <a:r>
-              <a:rPr lang="pt-BR" dirty="0" smtClean="0">
-                <a:solidFill>
-                  <a:schemeClr val="bg2">
-                    <a:lumMod val="10000"/>
-                  </a:schemeClr>
-                </a:solidFill>
-              </a:rPr>
-              <a:t>Funcionalidades Únicas</a:t>
-            </a:r>
-            <a:endParaRPr lang="pt-BR" b="1" dirty="0" smtClean="0">
-              <a:solidFill>
-                <a:srgbClr val="FF0000"/>
-              </a:solidFill>
-            </a:endParaRPr>
-          </a:p>
-        </p:txBody>
-      </p:sp>
-      <p:sp>
-        <p:nvSpPr>
-          <p:cNvPr id="2" name="Título 1"/>
+          <a:bodyPr/>
+          <a:lstStyle/>
+          <a:p>
+            <a:fld id="{031FACD5-5EC0-4CE0-9156-9F2704C0507A}" type="slidenum">
+              <a:rPr lang="pt-BR" smtClean="0"/>
+              <a:pPr/>
+              <a:t>16</a:t>
+            </a:fld>
+            <a:endParaRPr lang="pt-BR"/>
+          </a:p>
+        </p:txBody>
+      </p:sp>
+      <p:sp>
+        <p:nvSpPr>
+          <p:cNvPr id="4" name="Title 3"/>
           <p:cNvSpPr>
             <a:spLocks noGrp="1"/>
           </p:cNvSpPr>
@@ -3610,76 +3467,81 @@
         </p:nvSpPr>
         <p:spPr/>
         <p:txBody>
-          <a:bodyPr>
-            <a:normAutofit/>
-          </a:bodyPr>
-          <a:lstStyle/>
-          <a:p>
-            <a:pPr>
-              <a:defRPr/>
-            </a:pPr>
-            <a:r>
-              <a:rPr lang="pt-BR" dirty="0" smtClean="0"/>
-              <a:t>Análise de Mercado</a:t>
+          <a:bodyPr/>
+          <a:lstStyle/>
+          <a:p>
+            <a:r>
+              <a:rPr lang="pt-BR" sz="4400" dirty="0"/>
+              <a:t>UC03 – Realizar exames</a:t>
             </a:r>
             <a:endParaRPr lang="pt-BR" dirty="0"/>
           </a:p>
         </p:txBody>
       </p:sp>
-      <p:sp>
-        <p:nvSpPr>
-          <p:cNvPr id="19459" name="Espaço Reservado para Número de Slide 5"/>
-          <p:cNvSpPr txBox="1">
-            <a:spLocks noGrp="1"/>
-          </p:cNvSpPr>
+      <p:pic>
+        <p:nvPicPr>
+          <p:cNvPr id="4098" name="Picture 2" descr="TELAS_UC03 - Índice de Barthel"/>
+          <p:cNvPicPr>
+            <a:picLocks noChangeAspect="1" noChangeArrowheads="1"/>
+          </p:cNvPicPr>
           <p:nvPr/>
-        </p:nvSpPr>
+        </p:nvPicPr>
+        <p:blipFill>
+          <a:blip r:embed="rId2">
+            <a:extLst>
+              <a:ext uri="{28A0092B-C50C-407E-A947-70E740481C1C}">
+                <a14:useLocalDpi xmlns:a14="http://schemas.microsoft.com/office/drawing/2010/main" val="0"/>
+              </a:ext>
+            </a:extLst>
+          </a:blip>
+          <a:srcRect/>
+          <a:stretch>
+            <a:fillRect/>
+          </a:stretch>
+        </p:blipFill>
         <p:spPr bwMode="auto">
           <a:xfrm>
-            <a:off x="8204200" y="6643688"/>
-            <a:ext cx="796925" cy="179387"/>
+            <a:off x="1187624" y="1196752"/>
+            <a:ext cx="7128792" cy="5256584"/>
           </a:xfrm>
           <a:prstGeom prst="rect">
             <a:avLst/>
           </a:prstGeom>
           <a:noFill/>
-          <a:ln w="9525">
+          <a:ln>
             <a:noFill/>
-            <a:miter lim="800000"/>
-            <a:headEnd/>
-            <a:tailEnd/>
           </a:ln>
+          <a:extLst>
+            <a:ext uri="{909E8E84-426E-40DD-AFC4-6F175D3DCCD1}">
+              <a14:hiddenFill xmlns:a14="http://schemas.microsoft.com/office/drawing/2010/main">
+                <a:solidFill>
+                  <a:srgbClr val="FFFFFF"/>
+                </a:solidFill>
+              </a14:hiddenFill>
+            </a:ext>
+            <a:ext uri="{91240B29-F687-4F45-9708-019B960494DF}">
+              <a14:hiddenLine xmlns:a14="http://schemas.microsoft.com/office/drawing/2010/main" w="9525">
+                <a:solidFill>
+                  <a:srgbClr val="000000"/>
+                </a:solidFill>
+                <a:miter lim="800000"/>
+                <a:headEnd/>
+                <a:tailEnd/>
+              </a14:hiddenLine>
+            </a:ext>
+          </a:extLst>
         </p:spPr>
-        <p:txBody>
-          <a:bodyPr bIns="0" anchor="b"/>
-          <a:lstStyle/>
-          <a:p>
-            <a:pPr algn="r"/>
-            <a:fld id="{0C91674F-D3B1-4E28-AF80-6550D6D5E435}" type="slidenum">
-              <a:rPr lang="pt-BR" sz="1200" b="1">
-                <a:solidFill>
-                  <a:schemeClr val="bg1"/>
-                </a:solidFill>
-                <a:latin typeface="Corbel" pitchFamily="34" charset="0"/>
-              </a:rPr>
-              <a:pPr algn="r"/>
-              <a:t>16</a:t>
-            </a:fld>
-            <a:endParaRPr lang="pt-BR" sz="1200" b="1" dirty="0">
-              <a:solidFill>
-                <a:schemeClr val="bg1"/>
-              </a:solidFill>
-              <a:latin typeface="Corbel" pitchFamily="34" charset="0"/>
-            </a:endParaRPr>
-          </a:p>
-        </p:txBody>
-      </p:sp>
+      </p:pic>
     </p:spTree>
+    <p:extLst>
+      <p:ext uri="{BB962C8B-B14F-4D97-AF65-F5344CB8AC3E}">
+        <p14:creationId xmlns:p14="http://schemas.microsoft.com/office/powerpoint/2010/main" val="2919866063"/>
+      </p:ext>
+    </p:extLst>
   </p:cSld>
   <p:clrMapOvr>
     <a:masterClrMapping/>
   </p:clrMapOvr>
-  <p:transition/>
   <p:timing>
     <p:tnLst>
       <p:par>
@@ -3709,12 +3571,12 @@
       </p:grpSpPr>
       <p:sp>
         <p:nvSpPr>
-          <p:cNvPr id="7" name="Espaço Reservado para Texto 6"/>
-          <p:cNvSpPr>
-            <a:spLocks noGrp="1"/>
-          </p:cNvSpPr>
-          <p:nvPr>
-            <p:ph type="body" idx="1"/>
+          <p:cNvPr id="3" name="Slide Number Placeholder 2"/>
+          <p:cNvSpPr>
+            <a:spLocks noGrp="1"/>
+          </p:cNvSpPr>
+          <p:nvPr>
+            <p:ph type="sldNum" sz="quarter" idx="12"/>
           </p:nvPr>
         </p:nvSpPr>
         <p:spPr/>
@@ -3722,25 +3584,18 @@
           <a:bodyPr/>
           <a:lstStyle/>
           <a:p>
-            <a:pPr algn="r"/>
-            <a:r>
-              <a:rPr lang="en-US" dirty="0" smtClean="0"/>
-              <a:t>emailAluno1</a:t>
-            </a:r>
-          </a:p>
-          <a:p>
-            <a:pPr algn="r"/>
-            <a:r>
-              <a:rPr lang="pt-BR" dirty="0" smtClean="0"/>
-              <a:t>emailAluno2</a:t>
-            </a:r>
-            <a:endParaRPr lang="en-US" dirty="0"/>
-          </a:p>
-        </p:txBody>
-      </p:sp>
-      <p:sp>
-        <p:nvSpPr>
-          <p:cNvPr id="2" name="Título 1"/>
+            <a:fld id="{031FACD5-5EC0-4CE0-9156-9F2704C0507A}" type="slidenum">
+              <a:rPr lang="pt-BR" smtClean="0"/>
+              <a:pPr/>
+              <a:t>17</a:t>
+            </a:fld>
+            <a:endParaRPr lang="pt-BR"/>
+          </a:p>
+        </p:txBody>
+      </p:sp>
+      <p:sp>
+        <p:nvSpPr>
+          <p:cNvPr id="4" name="Title 3"/>
           <p:cNvSpPr>
             <a:spLocks noGrp="1"/>
           </p:cNvSpPr>
@@ -3753,76 +3608,354 @@
           <a:bodyPr/>
           <a:lstStyle/>
           <a:p>
-            <a:pPr eaLnBrk="1" fontAlgn="auto" hangingPunct="1">
-              <a:spcAft>
-                <a:spcPts val="0"/>
-              </a:spcAft>
-              <a:defRPr/>
-            </a:pPr>
-            <a:r>
-              <a:rPr lang="pt-BR" dirty="0" smtClean="0"/>
-              <a:t>Obrigado!</a:t>
+            <a:r>
+              <a:rPr lang="pt-BR" sz="4400" dirty="0"/>
+              <a:t>UC03 – Realizar exames</a:t>
             </a:r>
             <a:endParaRPr lang="pt-BR" dirty="0"/>
           </a:p>
         </p:txBody>
       </p:sp>
-      <p:sp>
-        <p:nvSpPr>
-          <p:cNvPr id="19459" name="Espaço Reservado para Número de Slide 5"/>
-          <p:cNvSpPr txBox="1">
-            <a:spLocks noGrp="1"/>
-          </p:cNvSpPr>
+      <p:pic>
+        <p:nvPicPr>
+          <p:cNvPr id="5122" name="Picture 2" descr="TELAS_UC03 - FAC"/>
+          <p:cNvPicPr>
+            <a:picLocks noChangeAspect="1" noChangeArrowheads="1"/>
+          </p:cNvPicPr>
           <p:nvPr/>
-        </p:nvSpPr>
+        </p:nvPicPr>
+        <p:blipFill>
+          <a:blip r:embed="rId2">
+            <a:extLst>
+              <a:ext uri="{28A0092B-C50C-407E-A947-70E740481C1C}">
+                <a14:useLocalDpi xmlns:a14="http://schemas.microsoft.com/office/drawing/2010/main" val="0"/>
+              </a:ext>
+            </a:extLst>
+          </a:blip>
+          <a:srcRect/>
+          <a:stretch>
+            <a:fillRect/>
+          </a:stretch>
+        </p:blipFill>
         <p:spPr bwMode="auto">
           <a:xfrm>
-            <a:off x="8204200" y="6643688"/>
-            <a:ext cx="796925" cy="179387"/>
+            <a:off x="1115616" y="1628800"/>
+            <a:ext cx="6984776" cy="4873501"/>
           </a:xfrm>
           <a:prstGeom prst="rect">
             <a:avLst/>
           </a:prstGeom>
           <a:noFill/>
-          <a:ln w="9525">
+          <a:ln>
             <a:noFill/>
-            <a:miter lim="800000"/>
-            <a:headEnd/>
-            <a:tailEnd/>
           </a:ln>
+          <a:extLst>
+            <a:ext uri="{909E8E84-426E-40DD-AFC4-6F175D3DCCD1}">
+              <a14:hiddenFill xmlns:a14="http://schemas.microsoft.com/office/drawing/2010/main">
+                <a:solidFill>
+                  <a:srgbClr val="FFFFFF"/>
+                </a:solidFill>
+              </a14:hiddenFill>
+            </a:ext>
+            <a:ext uri="{91240B29-F687-4F45-9708-019B960494DF}">
+              <a14:hiddenLine xmlns:a14="http://schemas.microsoft.com/office/drawing/2010/main" w="9525">
+                <a:solidFill>
+                  <a:srgbClr val="000000"/>
+                </a:solidFill>
+                <a:miter lim="800000"/>
+                <a:headEnd/>
+                <a:tailEnd/>
+              </a14:hiddenLine>
+            </a:ext>
+          </a:extLst>
         </p:spPr>
-        <p:txBody>
-          <a:bodyPr bIns="0" anchor="b"/>
-          <a:lstStyle/>
-          <a:p>
-            <a:pPr algn="r"/>
-            <a:fld id="{0C91674F-D3B1-4E28-AF80-6550D6D5E435}" type="slidenum">
-              <a:rPr lang="pt-BR" sz="1200" b="1">
-                <a:solidFill>
-                  <a:schemeClr val="bg1"/>
-                </a:solidFill>
-                <a:latin typeface="Corbel" pitchFamily="34" charset="0"/>
-              </a:rPr>
-              <a:pPr algn="r"/>
-              <a:t>17</a:t>
-            </a:fld>
-            <a:endParaRPr lang="pt-BR" sz="1200" b="1" dirty="0">
-              <a:solidFill>
-                <a:schemeClr val="bg1"/>
-              </a:solidFill>
-              <a:latin typeface="Corbel" pitchFamily="34" charset="0"/>
-            </a:endParaRPr>
-          </a:p>
-        </p:txBody>
-      </p:sp>
+      </p:pic>
     </p:spTree>
+    <p:extLst>
+      <p:ext uri="{BB962C8B-B14F-4D97-AF65-F5344CB8AC3E}">
+        <p14:creationId xmlns:p14="http://schemas.microsoft.com/office/powerpoint/2010/main" val="2675089050"/>
+      </p:ext>
+    </p:extLst>
   </p:cSld>
   <p:clrMapOvr>
     <a:masterClrMapping/>
   </p:clrMapOvr>
-  <p:transition>
-    <p:wipe dir="u"/>
-  </p:transition>
+  <p:timing>
+    <p:tnLst>
+      <p:par>
+        <p:cTn id="1" dur="indefinite" restart="never" nodeType="tmRoot"/>
+      </p:par>
+    </p:tnLst>
+  </p:timing>
+</p:sld>
+</file>
+
+<file path=ppt/slides/slide18.xml><?xml version="1.0" encoding="utf-8"?>
+<p:sld xmlns:a="http://schemas.openxmlformats.org/drawingml/2006/main" xmlns:r="http://schemas.openxmlformats.org/officeDocument/2006/relationships" xmlns:p="http://schemas.openxmlformats.org/presentationml/2006/main">
+  <p:cSld>
+    <p:spTree>
+      <p:nvGrpSpPr>
+        <p:cNvPr id="1" name=""/>
+        <p:cNvGrpSpPr/>
+        <p:nvPr/>
+      </p:nvGrpSpPr>
+      <p:grpSpPr>
+        <a:xfrm>
+          <a:off x="0" y="0"/>
+          <a:ext cx="0" cy="0"/>
+          <a:chOff x="0" y="0"/>
+          <a:chExt cx="0" cy="0"/>
+        </a:xfrm>
+      </p:grpSpPr>
+      <p:sp>
+        <p:nvSpPr>
+          <p:cNvPr id="3" name="Slide Number Placeholder 2"/>
+          <p:cNvSpPr>
+            <a:spLocks noGrp="1"/>
+          </p:cNvSpPr>
+          <p:nvPr>
+            <p:ph type="sldNum" sz="quarter" idx="12"/>
+          </p:nvPr>
+        </p:nvSpPr>
+        <p:spPr/>
+        <p:txBody>
+          <a:bodyPr/>
+          <a:lstStyle/>
+          <a:p>
+            <a:fld id="{031FACD5-5EC0-4CE0-9156-9F2704C0507A}" type="slidenum">
+              <a:rPr lang="pt-BR" smtClean="0"/>
+              <a:pPr/>
+              <a:t>18</a:t>
+            </a:fld>
+            <a:endParaRPr lang="pt-BR"/>
+          </a:p>
+        </p:txBody>
+      </p:sp>
+      <p:sp>
+        <p:nvSpPr>
+          <p:cNvPr id="4" name="Title 3"/>
+          <p:cNvSpPr>
+            <a:spLocks noGrp="1"/>
+          </p:cNvSpPr>
+          <p:nvPr>
+            <p:ph type="title"/>
+          </p:nvPr>
+        </p:nvSpPr>
+        <p:spPr/>
+        <p:txBody>
+          <a:bodyPr/>
+          <a:lstStyle/>
+          <a:p>
+            <a:r>
+              <a:rPr lang="pt-BR" sz="4400" dirty="0"/>
+              <a:t>UC03 – Realizar exames</a:t>
+            </a:r>
+            <a:endParaRPr lang="pt-BR" dirty="0"/>
+          </a:p>
+        </p:txBody>
+      </p:sp>
+      <p:pic>
+        <p:nvPicPr>
+          <p:cNvPr id="6146" name="Picture 2" descr="TELAS_UC03 - Avaliação Sensibilidade Plantar"/>
+          <p:cNvPicPr>
+            <a:picLocks noChangeAspect="1" noChangeArrowheads="1"/>
+          </p:cNvPicPr>
+          <p:nvPr/>
+        </p:nvPicPr>
+        <p:blipFill>
+          <a:blip r:embed="rId2">
+            <a:extLst>
+              <a:ext uri="{28A0092B-C50C-407E-A947-70E740481C1C}">
+                <a14:useLocalDpi xmlns:a14="http://schemas.microsoft.com/office/drawing/2010/main" val="0"/>
+              </a:ext>
+            </a:extLst>
+          </a:blip>
+          <a:srcRect/>
+          <a:stretch>
+            <a:fillRect/>
+          </a:stretch>
+        </p:blipFill>
+        <p:spPr bwMode="auto">
+          <a:xfrm>
+            <a:off x="755576" y="1412776"/>
+            <a:ext cx="7560840" cy="4752528"/>
+          </a:xfrm>
+          <a:prstGeom prst="rect">
+            <a:avLst/>
+          </a:prstGeom>
+          <a:noFill/>
+          <a:ln>
+            <a:noFill/>
+          </a:ln>
+          <a:extLst>
+            <a:ext uri="{909E8E84-426E-40DD-AFC4-6F175D3DCCD1}">
+              <a14:hiddenFill xmlns:a14="http://schemas.microsoft.com/office/drawing/2010/main">
+                <a:solidFill>
+                  <a:srgbClr val="FFFFFF"/>
+                </a:solidFill>
+              </a14:hiddenFill>
+            </a:ext>
+            <a:ext uri="{91240B29-F687-4F45-9708-019B960494DF}">
+              <a14:hiddenLine xmlns:a14="http://schemas.microsoft.com/office/drawing/2010/main" w="9525">
+                <a:solidFill>
+                  <a:srgbClr val="000000"/>
+                </a:solidFill>
+                <a:miter lim="800000"/>
+                <a:headEnd/>
+                <a:tailEnd/>
+              </a14:hiddenLine>
+            </a:ext>
+          </a:extLst>
+        </p:spPr>
+      </p:pic>
+    </p:spTree>
+    <p:extLst>
+      <p:ext uri="{BB962C8B-B14F-4D97-AF65-F5344CB8AC3E}">
+        <p14:creationId xmlns:p14="http://schemas.microsoft.com/office/powerpoint/2010/main" val="384224218"/>
+      </p:ext>
+    </p:extLst>
+  </p:cSld>
+  <p:clrMapOvr>
+    <a:masterClrMapping/>
+  </p:clrMapOvr>
+  <p:timing>
+    <p:tnLst>
+      <p:par>
+        <p:cTn id="1" dur="indefinite" restart="never" nodeType="tmRoot"/>
+      </p:par>
+    </p:tnLst>
+  </p:timing>
+</p:sld>
+</file>
+
+<file path=ppt/slides/slide19.xml><?xml version="1.0" encoding="utf-8"?>
+<p:sld xmlns:a="http://schemas.openxmlformats.org/drawingml/2006/main" xmlns:r="http://schemas.openxmlformats.org/officeDocument/2006/relationships" xmlns:p="http://schemas.openxmlformats.org/presentationml/2006/main">
+  <p:cSld>
+    <p:spTree>
+      <p:nvGrpSpPr>
+        <p:cNvPr id="1" name=""/>
+        <p:cNvGrpSpPr/>
+        <p:nvPr/>
+      </p:nvGrpSpPr>
+      <p:grpSpPr>
+        <a:xfrm>
+          <a:off x="0" y="0"/>
+          <a:ext cx="0" cy="0"/>
+          <a:chOff x="0" y="0"/>
+          <a:chExt cx="0" cy="0"/>
+        </a:xfrm>
+      </p:grpSpPr>
+      <p:sp>
+        <p:nvSpPr>
+          <p:cNvPr id="3" name="Slide Number Placeholder 2"/>
+          <p:cNvSpPr>
+            <a:spLocks noGrp="1"/>
+          </p:cNvSpPr>
+          <p:nvPr>
+            <p:ph type="sldNum" sz="quarter" idx="12"/>
+          </p:nvPr>
+        </p:nvSpPr>
+        <p:spPr/>
+        <p:txBody>
+          <a:bodyPr/>
+          <a:lstStyle/>
+          <a:p>
+            <a:fld id="{031FACD5-5EC0-4CE0-9156-9F2704C0507A}" type="slidenum">
+              <a:rPr lang="pt-BR" smtClean="0"/>
+              <a:pPr/>
+              <a:t>19</a:t>
+            </a:fld>
+            <a:endParaRPr lang="pt-BR"/>
+          </a:p>
+        </p:txBody>
+      </p:sp>
+      <p:sp>
+        <p:nvSpPr>
+          <p:cNvPr id="4" name="Title 3"/>
+          <p:cNvSpPr>
+            <a:spLocks noGrp="1"/>
+          </p:cNvSpPr>
+          <p:nvPr>
+            <p:ph type="title"/>
+          </p:nvPr>
+        </p:nvSpPr>
+        <p:spPr/>
+        <p:txBody>
+          <a:bodyPr/>
+          <a:lstStyle/>
+          <a:p>
+            <a:r>
+              <a:rPr lang="pt-BR" sz="4400" dirty="0"/>
+              <a:t>UC03 – Realizar exames</a:t>
+            </a:r>
+            <a:endParaRPr lang="pt-BR" dirty="0"/>
+          </a:p>
+        </p:txBody>
+      </p:sp>
+      <p:pic>
+        <p:nvPicPr>
+          <p:cNvPr id="7170" name="Picture 2" descr="TELAS_UC03 - Escala de Berg"/>
+          <p:cNvPicPr>
+            <a:picLocks noChangeAspect="1" noChangeArrowheads="1"/>
+          </p:cNvPicPr>
+          <p:nvPr/>
+        </p:nvPicPr>
+        <p:blipFill>
+          <a:blip r:embed="rId2">
+            <a:extLst>
+              <a:ext uri="{28A0092B-C50C-407E-A947-70E740481C1C}">
+                <a14:useLocalDpi xmlns:a14="http://schemas.microsoft.com/office/drawing/2010/main" val="0"/>
+              </a:ext>
+            </a:extLst>
+          </a:blip>
+          <a:srcRect/>
+          <a:stretch>
+            <a:fillRect/>
+          </a:stretch>
+        </p:blipFill>
+        <p:spPr bwMode="auto">
+          <a:xfrm>
+            <a:off x="539552" y="1412776"/>
+            <a:ext cx="7848872" cy="4824536"/>
+          </a:xfrm>
+          <a:prstGeom prst="rect">
+            <a:avLst/>
+          </a:prstGeom>
+          <a:noFill/>
+          <a:ln>
+            <a:noFill/>
+          </a:ln>
+          <a:extLst>
+            <a:ext uri="{909E8E84-426E-40DD-AFC4-6F175D3DCCD1}">
+              <a14:hiddenFill xmlns:a14="http://schemas.microsoft.com/office/drawing/2010/main">
+                <a:solidFill>
+                  <a:srgbClr val="FFFFFF"/>
+                </a:solidFill>
+              </a14:hiddenFill>
+            </a:ext>
+            <a:ext uri="{91240B29-F687-4F45-9708-019B960494DF}">
+              <a14:hiddenLine xmlns:a14="http://schemas.microsoft.com/office/drawing/2010/main" w="9525">
+                <a:solidFill>
+                  <a:srgbClr val="000000"/>
+                </a:solidFill>
+                <a:miter lim="800000"/>
+                <a:headEnd/>
+                <a:tailEnd/>
+              </a14:hiddenLine>
+            </a:ext>
+          </a:extLst>
+        </p:spPr>
+      </p:pic>
+    </p:spTree>
+    <p:extLst>
+      <p:ext uri="{BB962C8B-B14F-4D97-AF65-F5344CB8AC3E}">
+        <p14:creationId xmlns:p14="http://schemas.microsoft.com/office/powerpoint/2010/main" val="1814373643"/>
+      </p:ext>
+    </p:extLst>
+  </p:cSld>
+  <p:clrMapOvr>
+    <a:masterClrMapping/>
+  </p:clrMapOvr>
   <p:timing>
     <p:tnLst>
       <p:par>
@@ -3866,12 +3999,8 @@
           <a:lstStyle/>
           <a:p>
             <a:r>
-              <a:rPr lang="pt-BR" b="1" dirty="0" smtClean="0">
-                <a:solidFill>
-                  <a:srgbClr val="FF0000"/>
-                </a:solidFill>
-              </a:rPr>
-              <a:t>ROTEIRO – DEVE SER DELETADO DA APRESENTAÇÃO FINAL</a:t>
+              <a:rPr lang="pt-BR" dirty="0" smtClean="0"/>
+              <a:t>Apresentação Banca de Análise</a:t>
             </a:r>
           </a:p>
         </p:txBody>
@@ -3889,7 +4018,7 @@
         <p:spPr>
           <a:xfrm>
             <a:off x="571472" y="2643206"/>
-            <a:ext cx="8572528" cy="4214818"/>
+            <a:ext cx="8280920" cy="4214818"/>
           </a:xfrm>
         </p:spPr>
         <p:txBody>
@@ -3899,44 +4028,50 @@
           <a:lstStyle/>
           <a:p>
             <a:r>
+              <a:rPr lang="pt-BR" b="1" dirty="0" smtClean="0">
+                <a:solidFill>
+                  <a:schemeClr val="accent3">
+                    <a:lumMod val="50000"/>
+                  </a:schemeClr>
+                </a:solidFill>
+              </a:rPr>
+              <a:t>Escopo do Projeto</a:t>
+            </a:r>
+          </a:p>
+          <a:p>
+            <a:r>
               <a:rPr lang="pt-BR" b="1" dirty="0" smtClean="0"/>
-              <a:t>Escopo do Projeto 			1 Minuto</a:t>
+              <a:t>Modelagem de Negócio BPM</a:t>
             </a:r>
           </a:p>
           <a:p>
             <a:r>
               <a:rPr lang="pt-BR" b="1" dirty="0" smtClean="0"/>
-              <a:t>Modelagem de Negócio BPM	5 Minutos</a:t>
+              <a:t>Diagrama de Casos de Uso Geral</a:t>
             </a:r>
           </a:p>
           <a:p>
             <a:r>
               <a:rPr lang="pt-BR" b="1" dirty="0" smtClean="0"/>
-              <a:t>Diagrama de Casos de Uso Geral	2 Minutos</a:t>
+              <a:t>Realização dos Casos de Uso</a:t>
             </a:r>
           </a:p>
           <a:p>
             <a:r>
               <a:rPr lang="pt-BR" b="1" dirty="0" smtClean="0"/>
-              <a:t>Realização dos Casos de Uso 		5 Minutos</a:t>
+              <a:t>Diagrama de Classes Geral</a:t>
             </a:r>
           </a:p>
           <a:p>
             <a:r>
               <a:rPr lang="pt-BR" b="1" dirty="0" smtClean="0"/>
-              <a:t>Diagrama de Classes Geral		5 Minutos</a:t>
+              <a:t>Modelo de Dados</a:t>
             </a:r>
           </a:p>
           <a:p>
             <a:r>
               <a:rPr lang="pt-BR" b="1" dirty="0" smtClean="0"/>
-              <a:t>Modelo de Dados		 		5 Minutos</a:t>
-            </a:r>
-          </a:p>
-          <a:p>
-            <a:r>
-              <a:rPr lang="pt-BR" b="1" dirty="0" smtClean="0"/>
-              <a:t>Análise de Mercado 			2 Minutos</a:t>
+              <a:t>Análise de Mercado</a:t>
             </a:r>
             <a:endParaRPr lang="pt-BR" b="1" dirty="0" smtClean="0">
               <a:solidFill>
@@ -3974,6 +4109,1675 @@
         </p:txBody>
       </p:sp>
     </p:spTree>
+  </p:cSld>
+  <p:clrMapOvr>
+    <a:masterClrMapping/>
+  </p:clrMapOvr>
+  <p:timing>
+    <p:tnLst>
+      <p:par>
+        <p:cTn id="1" dur="indefinite" restart="never" nodeType="tmRoot"/>
+      </p:par>
+    </p:tnLst>
+  </p:timing>
+</p:sld>
+</file>
+
+<file path=ppt/slides/slide20.xml><?xml version="1.0" encoding="utf-8"?>
+<p:sld xmlns:a="http://schemas.openxmlformats.org/drawingml/2006/main" xmlns:r="http://schemas.openxmlformats.org/officeDocument/2006/relationships" xmlns:p="http://schemas.openxmlformats.org/presentationml/2006/main">
+  <p:cSld>
+    <p:spTree>
+      <p:nvGrpSpPr>
+        <p:cNvPr id="1" name=""/>
+        <p:cNvGrpSpPr/>
+        <p:nvPr/>
+      </p:nvGrpSpPr>
+      <p:grpSpPr>
+        <a:xfrm>
+          <a:off x="0" y="0"/>
+          <a:ext cx="0" cy="0"/>
+          <a:chOff x="0" y="0"/>
+          <a:chExt cx="0" cy="0"/>
+        </a:xfrm>
+      </p:grpSpPr>
+      <p:sp>
+        <p:nvSpPr>
+          <p:cNvPr id="2" name="Content Placeholder 1"/>
+          <p:cNvSpPr>
+            <a:spLocks noGrp="1"/>
+          </p:cNvSpPr>
+          <p:nvPr>
+            <p:ph idx="1"/>
+          </p:nvPr>
+        </p:nvSpPr>
+        <p:spPr/>
+        <p:txBody>
+          <a:bodyPr/>
+          <a:lstStyle/>
+          <a:p>
+            <a:r>
+              <a:rPr lang="pt-BR" dirty="0" smtClean="0"/>
+              <a:t>UC09 – Manter Funcionários</a:t>
+            </a:r>
+            <a:endParaRPr lang="pt-BR" dirty="0"/>
+          </a:p>
+        </p:txBody>
+      </p:sp>
+      <p:sp>
+        <p:nvSpPr>
+          <p:cNvPr id="3" name="Slide Number Placeholder 2"/>
+          <p:cNvSpPr>
+            <a:spLocks noGrp="1"/>
+          </p:cNvSpPr>
+          <p:nvPr>
+            <p:ph type="sldNum" sz="quarter" idx="12"/>
+          </p:nvPr>
+        </p:nvSpPr>
+        <p:spPr/>
+        <p:txBody>
+          <a:bodyPr/>
+          <a:lstStyle/>
+          <a:p>
+            <a:fld id="{031FACD5-5EC0-4CE0-9156-9F2704C0507A}" type="slidenum">
+              <a:rPr lang="pt-BR" smtClean="0"/>
+              <a:pPr/>
+              <a:t>20</a:t>
+            </a:fld>
+            <a:endParaRPr lang="pt-BR"/>
+          </a:p>
+        </p:txBody>
+      </p:sp>
+      <p:sp>
+        <p:nvSpPr>
+          <p:cNvPr id="4" name="Title 3"/>
+          <p:cNvSpPr>
+            <a:spLocks noGrp="1"/>
+          </p:cNvSpPr>
+          <p:nvPr>
+            <p:ph type="title"/>
+          </p:nvPr>
+        </p:nvSpPr>
+        <p:spPr/>
+        <p:txBody>
+          <a:bodyPr>
+            <a:normAutofit fontScale="90000"/>
+          </a:bodyPr>
+          <a:lstStyle/>
+          <a:p>
+            <a:r>
+              <a:rPr lang="pt-BR" sz="4800" dirty="0"/>
+              <a:t>Realização de Casos de Uso</a:t>
+            </a:r>
+            <a:endParaRPr lang="pt-BR" dirty="0"/>
+          </a:p>
+        </p:txBody>
+      </p:sp>
+      <p:pic>
+        <p:nvPicPr>
+          <p:cNvPr id="8195" name="Picture 3"/>
+          <p:cNvPicPr>
+            <a:picLocks noChangeAspect="1" noChangeArrowheads="1"/>
+          </p:cNvPicPr>
+          <p:nvPr/>
+        </p:nvPicPr>
+        <p:blipFill>
+          <a:blip r:embed="rId2">
+            <a:extLst>
+              <a:ext uri="{28A0092B-C50C-407E-A947-70E740481C1C}">
+                <a14:useLocalDpi xmlns:a14="http://schemas.microsoft.com/office/drawing/2010/main" val="0"/>
+              </a:ext>
+            </a:extLst>
+          </a:blip>
+          <a:srcRect/>
+          <a:stretch>
+            <a:fillRect/>
+          </a:stretch>
+        </p:blipFill>
+        <p:spPr bwMode="auto">
+          <a:xfrm>
+            <a:off x="2219325" y="2420888"/>
+            <a:ext cx="4705350" cy="3562350"/>
+          </a:xfrm>
+          <a:prstGeom prst="rect">
+            <a:avLst/>
+          </a:prstGeom>
+          <a:noFill/>
+          <a:ln>
+            <a:noFill/>
+          </a:ln>
+          <a:effectLst/>
+          <a:extLst>
+            <a:ext uri="{909E8E84-426E-40DD-AFC4-6F175D3DCCD1}">
+              <a14:hiddenFill xmlns:a14="http://schemas.microsoft.com/office/drawing/2010/main">
+                <a:solidFill>
+                  <a:schemeClr val="accent1"/>
+                </a:solidFill>
+              </a14:hiddenFill>
+            </a:ext>
+            <a:ext uri="{91240B29-F687-4F45-9708-019B960494DF}">
+              <a14:hiddenLine xmlns:a14="http://schemas.microsoft.com/office/drawing/2010/main" w="9525">
+                <a:solidFill>
+                  <a:schemeClr val="tx1"/>
+                </a:solidFill>
+                <a:miter lim="800000"/>
+                <a:headEnd/>
+                <a:tailEnd/>
+              </a14:hiddenLine>
+            </a:ext>
+            <a:ext uri="{AF507438-7753-43E0-B8FC-AC1667EBCBE1}">
+              <a14:hiddenEffects xmlns:a14="http://schemas.microsoft.com/office/drawing/2010/main">
+                <a:effectLst>
+                  <a:outerShdw dist="35921" dir="2700000" algn="ctr" rotWithShape="0">
+                    <a:schemeClr val="bg2"/>
+                  </a:outerShdw>
+                </a:effectLst>
+              </a14:hiddenEffects>
+            </a:ext>
+          </a:extLst>
+        </p:spPr>
+      </p:pic>
+    </p:spTree>
+    <p:extLst>
+      <p:ext uri="{BB962C8B-B14F-4D97-AF65-F5344CB8AC3E}">
+        <p14:creationId xmlns:p14="http://schemas.microsoft.com/office/powerpoint/2010/main" val="2415753047"/>
+      </p:ext>
+    </p:extLst>
+  </p:cSld>
+  <p:clrMapOvr>
+    <a:masterClrMapping/>
+  </p:clrMapOvr>
+  <p:timing>
+    <p:tnLst>
+      <p:par>
+        <p:cTn id="1" dur="indefinite" restart="never" nodeType="tmRoot"/>
+      </p:par>
+    </p:tnLst>
+  </p:timing>
+</p:sld>
+</file>
+
+<file path=ppt/slides/slide21.xml><?xml version="1.0" encoding="utf-8"?>
+<p:sld xmlns:a="http://schemas.openxmlformats.org/drawingml/2006/main" xmlns:r="http://schemas.openxmlformats.org/officeDocument/2006/relationships" xmlns:p="http://schemas.openxmlformats.org/presentationml/2006/main">
+  <p:cSld>
+    <p:spTree>
+      <p:nvGrpSpPr>
+        <p:cNvPr id="1" name=""/>
+        <p:cNvGrpSpPr/>
+        <p:nvPr/>
+      </p:nvGrpSpPr>
+      <p:grpSpPr>
+        <a:xfrm>
+          <a:off x="0" y="0"/>
+          <a:ext cx="0" cy="0"/>
+          <a:chOff x="0" y="0"/>
+          <a:chExt cx="0" cy="0"/>
+        </a:xfrm>
+      </p:grpSpPr>
+      <p:sp>
+        <p:nvSpPr>
+          <p:cNvPr id="2" name="Content Placeholder 1"/>
+          <p:cNvSpPr>
+            <a:spLocks noGrp="1"/>
+          </p:cNvSpPr>
+          <p:nvPr>
+            <p:ph idx="1"/>
+          </p:nvPr>
+        </p:nvSpPr>
+        <p:spPr/>
+        <p:txBody>
+          <a:bodyPr/>
+          <a:lstStyle/>
+          <a:p>
+            <a:r>
+              <a:rPr lang="pt-BR" dirty="0" smtClean="0"/>
+              <a:t>ESCOPO</a:t>
+            </a:r>
+            <a:endParaRPr lang="pt-BR" dirty="0"/>
+          </a:p>
+          <a:p>
+            <a:pPr lvl="1"/>
+            <a:r>
+              <a:rPr lang="pt-BR" dirty="0"/>
+              <a:t>Permitir o cadastro/alteração de funcionários.</a:t>
+            </a:r>
+          </a:p>
+          <a:p>
+            <a:r>
+              <a:rPr lang="pt-BR" dirty="0" smtClean="0"/>
+              <a:t>DESCRIÇÃO</a:t>
+            </a:r>
+            <a:endParaRPr lang="pt-BR" dirty="0"/>
+          </a:p>
+          <a:p>
+            <a:pPr lvl="1"/>
+            <a:r>
+              <a:rPr lang="pt-BR" dirty="0"/>
+              <a:t>Este caso de uso será executado sempre que houver a necessidade de inclusão ou alteração de um funconário.</a:t>
+            </a:r>
+          </a:p>
+          <a:p>
+            <a:r>
+              <a:rPr lang="pt-BR" dirty="0" smtClean="0"/>
+              <a:t>ATORES</a:t>
+            </a:r>
+            <a:endParaRPr lang="pt-BR" dirty="0"/>
+          </a:p>
+          <a:p>
+            <a:pPr lvl="1"/>
+            <a:r>
+              <a:rPr lang="pt-BR" dirty="0"/>
+              <a:t>Administrador</a:t>
+            </a:r>
+          </a:p>
+          <a:p>
+            <a:endParaRPr lang="pt-BR" dirty="0"/>
+          </a:p>
+        </p:txBody>
+      </p:sp>
+      <p:sp>
+        <p:nvSpPr>
+          <p:cNvPr id="3" name="Slide Number Placeholder 2"/>
+          <p:cNvSpPr>
+            <a:spLocks noGrp="1"/>
+          </p:cNvSpPr>
+          <p:nvPr>
+            <p:ph type="sldNum" sz="quarter" idx="12"/>
+          </p:nvPr>
+        </p:nvSpPr>
+        <p:spPr/>
+        <p:txBody>
+          <a:bodyPr/>
+          <a:lstStyle/>
+          <a:p>
+            <a:fld id="{031FACD5-5EC0-4CE0-9156-9F2704C0507A}" type="slidenum">
+              <a:rPr lang="pt-BR" smtClean="0"/>
+              <a:pPr/>
+              <a:t>21</a:t>
+            </a:fld>
+            <a:endParaRPr lang="pt-BR"/>
+          </a:p>
+        </p:txBody>
+      </p:sp>
+      <p:sp>
+        <p:nvSpPr>
+          <p:cNvPr id="4" name="Title 3"/>
+          <p:cNvSpPr>
+            <a:spLocks noGrp="1"/>
+          </p:cNvSpPr>
+          <p:nvPr>
+            <p:ph type="title"/>
+          </p:nvPr>
+        </p:nvSpPr>
+        <p:spPr/>
+        <p:txBody>
+          <a:bodyPr>
+            <a:normAutofit fontScale="90000"/>
+          </a:bodyPr>
+          <a:lstStyle/>
+          <a:p>
+            <a:r>
+              <a:rPr lang="pt-BR" dirty="0"/>
+              <a:t>UC09 – Manter </a:t>
+            </a:r>
+            <a:r>
+              <a:rPr lang="pt-BR" dirty="0" smtClean="0"/>
+              <a:t>Funcionários</a:t>
+            </a:r>
+            <a:endParaRPr lang="pt-BR" dirty="0"/>
+          </a:p>
+        </p:txBody>
+      </p:sp>
+    </p:spTree>
+    <p:extLst>
+      <p:ext uri="{BB962C8B-B14F-4D97-AF65-F5344CB8AC3E}">
+        <p14:creationId xmlns:p14="http://schemas.microsoft.com/office/powerpoint/2010/main" val="4002862296"/>
+      </p:ext>
+    </p:extLst>
+  </p:cSld>
+  <p:clrMapOvr>
+    <a:masterClrMapping/>
+  </p:clrMapOvr>
+  <p:timing>
+    <p:tnLst>
+      <p:par>
+        <p:cTn id="1" dur="indefinite" restart="never" nodeType="tmRoot"/>
+      </p:par>
+    </p:tnLst>
+  </p:timing>
+</p:sld>
+</file>
+
+<file path=ppt/slides/slide22.xml><?xml version="1.0" encoding="utf-8"?>
+<p:sld xmlns:a="http://schemas.openxmlformats.org/drawingml/2006/main" xmlns:r="http://schemas.openxmlformats.org/officeDocument/2006/relationships" xmlns:p="http://schemas.openxmlformats.org/presentationml/2006/main">
+  <p:cSld>
+    <p:spTree>
+      <p:nvGrpSpPr>
+        <p:cNvPr id="1" name=""/>
+        <p:cNvGrpSpPr/>
+        <p:nvPr/>
+      </p:nvGrpSpPr>
+      <p:grpSpPr>
+        <a:xfrm>
+          <a:off x="0" y="0"/>
+          <a:ext cx="0" cy="0"/>
+          <a:chOff x="0" y="0"/>
+          <a:chExt cx="0" cy="0"/>
+        </a:xfrm>
+      </p:grpSpPr>
+      <p:sp>
+        <p:nvSpPr>
+          <p:cNvPr id="2" name="Content Placeholder 1"/>
+          <p:cNvSpPr>
+            <a:spLocks noGrp="1"/>
+          </p:cNvSpPr>
+          <p:nvPr>
+            <p:ph idx="1"/>
+          </p:nvPr>
+        </p:nvSpPr>
+        <p:spPr/>
+        <p:txBody>
+          <a:bodyPr>
+            <a:normAutofit fontScale="85000" lnSpcReduction="10000"/>
+          </a:bodyPr>
+          <a:lstStyle/>
+          <a:p>
+            <a:r>
+              <a:rPr lang="pt-BR" dirty="0" smtClean="0"/>
+              <a:t>PRÉ-CONDIÇÕES</a:t>
+            </a:r>
+            <a:endParaRPr lang="pt-BR" dirty="0"/>
+          </a:p>
+          <a:p>
+            <a:pPr lvl="1"/>
+            <a:r>
+              <a:rPr lang="pt-BR" dirty="0"/>
+              <a:t>Estar logado no sistema, ter perfil de Administrador</a:t>
+            </a:r>
+          </a:p>
+          <a:p>
+            <a:r>
+              <a:rPr lang="pt-BR" dirty="0" smtClean="0"/>
+              <a:t>PÓS-CONDIÇÕES</a:t>
+            </a:r>
+            <a:endParaRPr lang="pt-BR" dirty="0"/>
+          </a:p>
+          <a:p>
+            <a:pPr lvl="1"/>
+            <a:r>
+              <a:rPr lang="pt-BR" dirty="0"/>
+              <a:t>Após execução um novo funcionário deverá estar cadastrado na base de dados ou  as alterações referentes a determinado funcionário deveram ser feitas com sucesso.</a:t>
+            </a:r>
+          </a:p>
+          <a:p>
+            <a:r>
+              <a:rPr lang="pt-BR" dirty="0" smtClean="0"/>
+              <a:t>FLUXO </a:t>
+            </a:r>
+            <a:r>
+              <a:rPr lang="pt-BR" dirty="0"/>
+              <a:t>PRINCIPAL</a:t>
+            </a:r>
+          </a:p>
+          <a:p>
+            <a:pPr lvl="1"/>
+            <a:r>
+              <a:rPr lang="pt-BR" dirty="0"/>
+              <a:t>1. Usuário clica em novo funcionário. (A01)</a:t>
+            </a:r>
+          </a:p>
+          <a:p>
+            <a:pPr lvl="1"/>
+            <a:r>
+              <a:rPr lang="pt-BR" dirty="0"/>
+              <a:t>2. Sistema apresenta tela para preenchimento dos dados.</a:t>
+            </a:r>
+          </a:p>
+          <a:p>
+            <a:pPr lvl="1"/>
+            <a:r>
+              <a:rPr lang="pt-BR" dirty="0"/>
+              <a:t>3. Usuário preenche dados solicitados. (RN01)</a:t>
+            </a:r>
+          </a:p>
+          <a:p>
+            <a:pPr lvl="1"/>
+            <a:r>
+              <a:rPr lang="pt-BR" dirty="0"/>
+              <a:t>4. Usuário clica no botão "Concluir". (E01)(A02)</a:t>
+            </a:r>
+          </a:p>
+          <a:p>
+            <a:pPr lvl="1"/>
+            <a:r>
+              <a:rPr lang="pt-BR" dirty="0"/>
+              <a:t>5. Sistema exibe tela de "cadastro efetuado com sucesso".</a:t>
+            </a:r>
+          </a:p>
+          <a:p>
+            <a:endParaRPr lang="pt-BR" dirty="0"/>
+          </a:p>
+        </p:txBody>
+      </p:sp>
+      <p:sp>
+        <p:nvSpPr>
+          <p:cNvPr id="3" name="Slide Number Placeholder 2"/>
+          <p:cNvSpPr>
+            <a:spLocks noGrp="1"/>
+          </p:cNvSpPr>
+          <p:nvPr>
+            <p:ph type="sldNum" sz="quarter" idx="12"/>
+          </p:nvPr>
+        </p:nvSpPr>
+        <p:spPr/>
+        <p:txBody>
+          <a:bodyPr/>
+          <a:lstStyle/>
+          <a:p>
+            <a:fld id="{031FACD5-5EC0-4CE0-9156-9F2704C0507A}" type="slidenum">
+              <a:rPr lang="pt-BR" smtClean="0"/>
+              <a:pPr/>
+              <a:t>22</a:t>
+            </a:fld>
+            <a:endParaRPr lang="pt-BR"/>
+          </a:p>
+        </p:txBody>
+      </p:sp>
+      <p:sp>
+        <p:nvSpPr>
+          <p:cNvPr id="4" name="Title 3"/>
+          <p:cNvSpPr>
+            <a:spLocks noGrp="1"/>
+          </p:cNvSpPr>
+          <p:nvPr>
+            <p:ph type="title"/>
+          </p:nvPr>
+        </p:nvSpPr>
+        <p:spPr/>
+        <p:txBody>
+          <a:bodyPr>
+            <a:normAutofit fontScale="90000"/>
+          </a:bodyPr>
+          <a:lstStyle/>
+          <a:p>
+            <a:r>
+              <a:rPr lang="pt-BR" dirty="0"/>
+              <a:t>UC09 – Manter Funcionários</a:t>
+            </a:r>
+          </a:p>
+        </p:txBody>
+      </p:sp>
+    </p:spTree>
+    <p:extLst>
+      <p:ext uri="{BB962C8B-B14F-4D97-AF65-F5344CB8AC3E}">
+        <p14:creationId xmlns:p14="http://schemas.microsoft.com/office/powerpoint/2010/main" val="1024258841"/>
+      </p:ext>
+    </p:extLst>
+  </p:cSld>
+  <p:clrMapOvr>
+    <a:masterClrMapping/>
+  </p:clrMapOvr>
+  <p:timing>
+    <p:tnLst>
+      <p:par>
+        <p:cTn id="1" dur="indefinite" restart="never" nodeType="tmRoot"/>
+      </p:par>
+    </p:tnLst>
+  </p:timing>
+</p:sld>
+</file>
+
+<file path=ppt/slides/slide23.xml><?xml version="1.0" encoding="utf-8"?>
+<p:sld xmlns:a="http://schemas.openxmlformats.org/drawingml/2006/main" xmlns:r="http://schemas.openxmlformats.org/officeDocument/2006/relationships" xmlns:p="http://schemas.openxmlformats.org/presentationml/2006/main">
+  <p:cSld>
+    <p:spTree>
+      <p:nvGrpSpPr>
+        <p:cNvPr id="1" name=""/>
+        <p:cNvGrpSpPr/>
+        <p:nvPr/>
+      </p:nvGrpSpPr>
+      <p:grpSpPr>
+        <a:xfrm>
+          <a:off x="0" y="0"/>
+          <a:ext cx="0" cy="0"/>
+          <a:chOff x="0" y="0"/>
+          <a:chExt cx="0" cy="0"/>
+        </a:xfrm>
+      </p:grpSpPr>
+      <p:sp>
+        <p:nvSpPr>
+          <p:cNvPr id="2" name="Content Placeholder 1"/>
+          <p:cNvSpPr>
+            <a:spLocks noGrp="1"/>
+          </p:cNvSpPr>
+          <p:nvPr>
+            <p:ph idx="1"/>
+          </p:nvPr>
+        </p:nvSpPr>
+        <p:spPr/>
+        <p:txBody>
+          <a:bodyPr>
+            <a:normAutofit fontScale="70000" lnSpcReduction="20000"/>
+          </a:bodyPr>
+          <a:lstStyle/>
+          <a:p>
+            <a:r>
+              <a:rPr lang="pt-BR" dirty="0" smtClean="0"/>
+              <a:t>FLUXOS </a:t>
+            </a:r>
+            <a:r>
+              <a:rPr lang="pt-BR" dirty="0"/>
+              <a:t>ALTERNATIVOS</a:t>
+            </a:r>
+          </a:p>
+          <a:p>
+            <a:pPr lvl="1"/>
+            <a:r>
+              <a:rPr lang="pt-BR" dirty="0"/>
+              <a:t>A01 - </a:t>
+            </a:r>
+          </a:p>
+          <a:p>
+            <a:pPr lvl="2"/>
+            <a:r>
+              <a:rPr lang="pt-BR" dirty="0"/>
+              <a:t>      1 - Usuário clica no botão de busca de funcionários. (E02)</a:t>
+            </a:r>
+          </a:p>
+          <a:p>
+            <a:pPr lvl="2"/>
+            <a:r>
+              <a:rPr lang="pt-BR" dirty="0"/>
+              <a:t>      2 - Sistema exibe tela para busca.</a:t>
+            </a:r>
+          </a:p>
+          <a:p>
+            <a:pPr lvl="2"/>
+            <a:r>
+              <a:rPr lang="pt-BR" dirty="0"/>
+              <a:t>      3 - Usuário informa um dos critérios de busca.</a:t>
+            </a:r>
+          </a:p>
+          <a:p>
+            <a:pPr lvl="2"/>
+            <a:r>
+              <a:rPr lang="pt-BR" dirty="0"/>
+              <a:t>      4 - Usuário clica no botão de procura.(E03)</a:t>
+            </a:r>
+          </a:p>
+          <a:p>
+            <a:pPr lvl="2"/>
+            <a:r>
+              <a:rPr lang="pt-BR" dirty="0"/>
+              <a:t>      5 - Sistema exibe cadastro do usuário.</a:t>
+            </a:r>
+          </a:p>
+          <a:p>
+            <a:pPr lvl="2"/>
+            <a:r>
+              <a:rPr lang="pt-BR" dirty="0"/>
+              <a:t>      6 - Usuário clica no botão "Editar"</a:t>
+            </a:r>
+          </a:p>
+          <a:p>
+            <a:pPr lvl="2"/>
+            <a:r>
+              <a:rPr lang="pt-BR" dirty="0"/>
+              <a:t>      7 - Usuário altera informações pertinentes</a:t>
+            </a:r>
+          </a:p>
+          <a:p>
+            <a:pPr lvl="2"/>
+            <a:r>
+              <a:rPr lang="pt-BR" dirty="0"/>
+              <a:t>      8 - Usuário pressiona botão "Gravar"</a:t>
+            </a:r>
+          </a:p>
+          <a:p>
+            <a:pPr lvl="2"/>
+            <a:r>
+              <a:rPr lang="pt-BR" dirty="0"/>
+              <a:t>      9 - Sistema exibe tela de sucesso.</a:t>
+            </a:r>
+          </a:p>
+          <a:p>
+            <a:pPr lvl="1"/>
+            <a:r>
+              <a:rPr lang="pt-BR" dirty="0"/>
+              <a:t>A02 -</a:t>
+            </a:r>
+          </a:p>
+          <a:p>
+            <a:pPr lvl="2"/>
+            <a:r>
+              <a:rPr lang="pt-BR" dirty="0"/>
+              <a:t>    01 - Usuário clica no botão de cancelar</a:t>
+            </a:r>
+          </a:p>
+          <a:p>
+            <a:pPr lvl="2"/>
+            <a:r>
+              <a:rPr lang="pt-BR" dirty="0"/>
+              <a:t>     02 - Sistema exibe pop up perguntando se realmente deve cancelar operação.</a:t>
+            </a:r>
+          </a:p>
+          <a:p>
+            <a:pPr lvl="2"/>
+            <a:r>
+              <a:rPr lang="pt-BR" dirty="0"/>
+              <a:t>     03 - Usuário conrfirma(A03).</a:t>
+            </a:r>
+          </a:p>
+          <a:p>
+            <a:pPr lvl="2"/>
+            <a:r>
+              <a:rPr lang="pt-BR" dirty="0"/>
+              <a:t>     04 - Sistema retorna a rela inicial.</a:t>
+            </a:r>
+          </a:p>
+          <a:p>
+            <a:pPr lvl="1"/>
+            <a:r>
+              <a:rPr lang="pt-BR" dirty="0"/>
+              <a:t>A03 - </a:t>
+            </a:r>
+          </a:p>
+          <a:p>
+            <a:pPr lvl="2"/>
+            <a:r>
+              <a:rPr lang="pt-BR" dirty="0"/>
+              <a:t>     01 - Usuário não confirma perda de dados</a:t>
+            </a:r>
+          </a:p>
+          <a:p>
+            <a:pPr lvl="2"/>
+            <a:r>
+              <a:rPr lang="pt-BR" dirty="0"/>
+              <a:t>     02 - Sistema permanece na mesma tela</a:t>
+            </a:r>
+          </a:p>
+          <a:p>
+            <a:endParaRPr lang="pt-BR" dirty="0"/>
+          </a:p>
+        </p:txBody>
+      </p:sp>
+      <p:sp>
+        <p:nvSpPr>
+          <p:cNvPr id="3" name="Slide Number Placeholder 2"/>
+          <p:cNvSpPr>
+            <a:spLocks noGrp="1"/>
+          </p:cNvSpPr>
+          <p:nvPr>
+            <p:ph type="sldNum" sz="quarter" idx="12"/>
+          </p:nvPr>
+        </p:nvSpPr>
+        <p:spPr/>
+        <p:txBody>
+          <a:bodyPr/>
+          <a:lstStyle/>
+          <a:p>
+            <a:fld id="{031FACD5-5EC0-4CE0-9156-9F2704C0507A}" type="slidenum">
+              <a:rPr lang="pt-BR" smtClean="0"/>
+              <a:pPr/>
+              <a:t>23</a:t>
+            </a:fld>
+            <a:endParaRPr lang="pt-BR"/>
+          </a:p>
+        </p:txBody>
+      </p:sp>
+      <p:sp>
+        <p:nvSpPr>
+          <p:cNvPr id="4" name="Title 3"/>
+          <p:cNvSpPr>
+            <a:spLocks noGrp="1"/>
+          </p:cNvSpPr>
+          <p:nvPr>
+            <p:ph type="title"/>
+          </p:nvPr>
+        </p:nvSpPr>
+        <p:spPr/>
+        <p:txBody>
+          <a:bodyPr>
+            <a:normAutofit fontScale="90000"/>
+          </a:bodyPr>
+          <a:lstStyle/>
+          <a:p>
+            <a:r>
+              <a:rPr lang="pt-BR" dirty="0"/>
+              <a:t>UC09 – Manter Funcionários</a:t>
+            </a:r>
+          </a:p>
+        </p:txBody>
+      </p:sp>
+    </p:spTree>
+    <p:extLst>
+      <p:ext uri="{BB962C8B-B14F-4D97-AF65-F5344CB8AC3E}">
+        <p14:creationId xmlns:p14="http://schemas.microsoft.com/office/powerpoint/2010/main" val="1446068688"/>
+      </p:ext>
+    </p:extLst>
+  </p:cSld>
+  <p:clrMapOvr>
+    <a:masterClrMapping/>
+  </p:clrMapOvr>
+  <p:timing>
+    <p:tnLst>
+      <p:par>
+        <p:cTn id="1" dur="indefinite" restart="never" nodeType="tmRoot"/>
+      </p:par>
+    </p:tnLst>
+  </p:timing>
+</p:sld>
+</file>
+
+<file path=ppt/slides/slide24.xml><?xml version="1.0" encoding="utf-8"?>
+<p:sld xmlns:a="http://schemas.openxmlformats.org/drawingml/2006/main" xmlns:r="http://schemas.openxmlformats.org/officeDocument/2006/relationships" xmlns:p="http://schemas.openxmlformats.org/presentationml/2006/main">
+  <p:cSld>
+    <p:spTree>
+      <p:nvGrpSpPr>
+        <p:cNvPr id="1" name=""/>
+        <p:cNvGrpSpPr/>
+        <p:nvPr/>
+      </p:nvGrpSpPr>
+      <p:grpSpPr>
+        <a:xfrm>
+          <a:off x="0" y="0"/>
+          <a:ext cx="0" cy="0"/>
+          <a:chOff x="0" y="0"/>
+          <a:chExt cx="0" cy="0"/>
+        </a:xfrm>
+      </p:grpSpPr>
+      <p:sp>
+        <p:nvSpPr>
+          <p:cNvPr id="2" name="Content Placeholder 1"/>
+          <p:cNvSpPr>
+            <a:spLocks noGrp="1"/>
+          </p:cNvSpPr>
+          <p:nvPr>
+            <p:ph idx="1"/>
+          </p:nvPr>
+        </p:nvSpPr>
+        <p:spPr/>
+        <p:txBody>
+          <a:bodyPr/>
+          <a:lstStyle/>
+          <a:p>
+            <a:r>
+              <a:rPr lang="pt-BR" dirty="0" smtClean="0"/>
+              <a:t>FLUXOS </a:t>
+            </a:r>
+            <a:r>
+              <a:rPr lang="pt-BR" dirty="0"/>
+              <a:t>DE EXCEÇÕES</a:t>
+            </a:r>
+          </a:p>
+          <a:p>
+            <a:pPr lvl="1"/>
+            <a:r>
+              <a:rPr lang="pt-BR" dirty="0"/>
+              <a:t>E01 - Sistema informa que campos obrigatóros não estão preenchidos</a:t>
+            </a:r>
+          </a:p>
+          <a:p>
+            <a:pPr lvl="1"/>
+            <a:r>
+              <a:rPr lang="pt-BR" dirty="0"/>
+              <a:t>E02 - Sistema informa que conexão com o banco de dados não está disponível</a:t>
+            </a:r>
+          </a:p>
+          <a:p>
+            <a:pPr lvl="1"/>
+            <a:r>
+              <a:rPr lang="pt-BR" dirty="0"/>
+              <a:t>E03 - Sistema informa que funcionário não existe.</a:t>
+            </a:r>
+          </a:p>
+          <a:p>
+            <a:r>
+              <a:rPr lang="pt-BR" dirty="0" smtClean="0"/>
+              <a:t>REGRAS </a:t>
+            </a:r>
+            <a:r>
+              <a:rPr lang="pt-BR" dirty="0"/>
+              <a:t>DE NEGÓCIO</a:t>
+            </a:r>
+          </a:p>
+          <a:p>
+            <a:pPr lvl="1"/>
+            <a:r>
+              <a:rPr lang="pt-BR" dirty="0"/>
+              <a:t>RN01 - Todos os campos devem ser preenchidos.</a:t>
+            </a:r>
+          </a:p>
+          <a:p>
+            <a:endParaRPr lang="pt-BR" dirty="0"/>
+          </a:p>
+        </p:txBody>
+      </p:sp>
+      <p:sp>
+        <p:nvSpPr>
+          <p:cNvPr id="3" name="Slide Number Placeholder 2"/>
+          <p:cNvSpPr>
+            <a:spLocks noGrp="1"/>
+          </p:cNvSpPr>
+          <p:nvPr>
+            <p:ph type="sldNum" sz="quarter" idx="12"/>
+          </p:nvPr>
+        </p:nvSpPr>
+        <p:spPr/>
+        <p:txBody>
+          <a:bodyPr/>
+          <a:lstStyle/>
+          <a:p>
+            <a:fld id="{031FACD5-5EC0-4CE0-9156-9F2704C0507A}" type="slidenum">
+              <a:rPr lang="pt-BR" smtClean="0"/>
+              <a:pPr/>
+              <a:t>24</a:t>
+            </a:fld>
+            <a:endParaRPr lang="pt-BR"/>
+          </a:p>
+        </p:txBody>
+      </p:sp>
+      <p:sp>
+        <p:nvSpPr>
+          <p:cNvPr id="4" name="Title 3"/>
+          <p:cNvSpPr>
+            <a:spLocks noGrp="1"/>
+          </p:cNvSpPr>
+          <p:nvPr>
+            <p:ph type="title"/>
+          </p:nvPr>
+        </p:nvSpPr>
+        <p:spPr/>
+        <p:txBody>
+          <a:bodyPr>
+            <a:normAutofit fontScale="90000"/>
+          </a:bodyPr>
+          <a:lstStyle/>
+          <a:p>
+            <a:r>
+              <a:rPr lang="pt-BR" dirty="0"/>
+              <a:t>UC09 – Manter Funcionários</a:t>
+            </a:r>
+          </a:p>
+        </p:txBody>
+      </p:sp>
+    </p:spTree>
+    <p:extLst>
+      <p:ext uri="{BB962C8B-B14F-4D97-AF65-F5344CB8AC3E}">
+        <p14:creationId xmlns:p14="http://schemas.microsoft.com/office/powerpoint/2010/main" val="1351654421"/>
+      </p:ext>
+    </p:extLst>
+  </p:cSld>
+  <p:clrMapOvr>
+    <a:masterClrMapping/>
+  </p:clrMapOvr>
+  <p:timing>
+    <p:tnLst>
+      <p:par>
+        <p:cTn id="1" dur="indefinite" restart="never" nodeType="tmRoot"/>
+      </p:par>
+    </p:tnLst>
+  </p:timing>
+</p:sld>
+</file>
+
+<file path=ppt/slides/slide25.xml><?xml version="1.0" encoding="utf-8"?>
+<p:sld xmlns:a="http://schemas.openxmlformats.org/drawingml/2006/main" xmlns:r="http://schemas.openxmlformats.org/officeDocument/2006/relationships" xmlns:p="http://schemas.openxmlformats.org/presentationml/2006/main">
+  <p:cSld>
+    <p:spTree>
+      <p:nvGrpSpPr>
+        <p:cNvPr id="1" name=""/>
+        <p:cNvGrpSpPr/>
+        <p:nvPr/>
+      </p:nvGrpSpPr>
+      <p:grpSpPr>
+        <a:xfrm>
+          <a:off x="0" y="0"/>
+          <a:ext cx="0" cy="0"/>
+          <a:chOff x="0" y="0"/>
+          <a:chExt cx="0" cy="0"/>
+        </a:xfrm>
+      </p:grpSpPr>
+      <p:sp>
+        <p:nvSpPr>
+          <p:cNvPr id="3" name="Slide Number Placeholder 2"/>
+          <p:cNvSpPr>
+            <a:spLocks noGrp="1"/>
+          </p:cNvSpPr>
+          <p:nvPr>
+            <p:ph type="sldNum" sz="quarter" idx="12"/>
+          </p:nvPr>
+        </p:nvSpPr>
+        <p:spPr/>
+        <p:txBody>
+          <a:bodyPr/>
+          <a:lstStyle/>
+          <a:p>
+            <a:fld id="{031FACD5-5EC0-4CE0-9156-9F2704C0507A}" type="slidenum">
+              <a:rPr lang="pt-BR" smtClean="0"/>
+              <a:pPr/>
+              <a:t>25</a:t>
+            </a:fld>
+            <a:endParaRPr lang="pt-BR"/>
+          </a:p>
+        </p:txBody>
+      </p:sp>
+      <p:sp>
+        <p:nvSpPr>
+          <p:cNvPr id="4" name="Title 3"/>
+          <p:cNvSpPr>
+            <a:spLocks noGrp="1"/>
+          </p:cNvSpPr>
+          <p:nvPr>
+            <p:ph type="title"/>
+          </p:nvPr>
+        </p:nvSpPr>
+        <p:spPr/>
+        <p:txBody>
+          <a:bodyPr>
+            <a:normAutofit fontScale="90000"/>
+          </a:bodyPr>
+          <a:lstStyle/>
+          <a:p>
+            <a:r>
+              <a:rPr lang="pt-BR" dirty="0"/>
+              <a:t>UC09 – Manter Funcionários</a:t>
+            </a:r>
+          </a:p>
+        </p:txBody>
+      </p:sp>
+      <p:pic>
+        <p:nvPicPr>
+          <p:cNvPr id="9218" name="Picture 2" descr="TELAS_UC09 - Manter Funcionário"/>
+          <p:cNvPicPr>
+            <a:picLocks noChangeAspect="1" noChangeArrowheads="1"/>
+          </p:cNvPicPr>
+          <p:nvPr/>
+        </p:nvPicPr>
+        <p:blipFill>
+          <a:blip r:embed="rId2">
+            <a:extLst>
+              <a:ext uri="{28A0092B-C50C-407E-A947-70E740481C1C}">
+                <a14:useLocalDpi xmlns:a14="http://schemas.microsoft.com/office/drawing/2010/main" val="0"/>
+              </a:ext>
+            </a:extLst>
+          </a:blip>
+          <a:srcRect/>
+          <a:stretch>
+            <a:fillRect/>
+          </a:stretch>
+        </p:blipFill>
+        <p:spPr bwMode="auto">
+          <a:xfrm>
+            <a:off x="1043608" y="1484784"/>
+            <a:ext cx="7128792" cy="4680520"/>
+          </a:xfrm>
+          <a:prstGeom prst="rect">
+            <a:avLst/>
+          </a:prstGeom>
+          <a:noFill/>
+          <a:ln>
+            <a:noFill/>
+          </a:ln>
+          <a:extLst>
+            <a:ext uri="{909E8E84-426E-40DD-AFC4-6F175D3DCCD1}">
+              <a14:hiddenFill xmlns:a14="http://schemas.microsoft.com/office/drawing/2010/main">
+                <a:solidFill>
+                  <a:srgbClr val="FFFFFF"/>
+                </a:solidFill>
+              </a14:hiddenFill>
+            </a:ext>
+            <a:ext uri="{91240B29-F687-4F45-9708-019B960494DF}">
+              <a14:hiddenLine xmlns:a14="http://schemas.microsoft.com/office/drawing/2010/main" w="9525">
+                <a:solidFill>
+                  <a:srgbClr val="000000"/>
+                </a:solidFill>
+                <a:miter lim="800000"/>
+                <a:headEnd/>
+                <a:tailEnd/>
+              </a14:hiddenLine>
+            </a:ext>
+          </a:extLst>
+        </p:spPr>
+      </p:pic>
+    </p:spTree>
+    <p:extLst>
+      <p:ext uri="{BB962C8B-B14F-4D97-AF65-F5344CB8AC3E}">
+        <p14:creationId xmlns:p14="http://schemas.microsoft.com/office/powerpoint/2010/main" val="668437669"/>
+      </p:ext>
+    </p:extLst>
+  </p:cSld>
+  <p:clrMapOvr>
+    <a:masterClrMapping/>
+  </p:clrMapOvr>
+  <p:timing>
+    <p:tnLst>
+      <p:par>
+        <p:cTn id="1" dur="indefinite" restart="never" nodeType="tmRoot"/>
+      </p:par>
+    </p:tnLst>
+  </p:timing>
+</p:sld>
+</file>
+
+<file path=ppt/slides/slide26.xml><?xml version="1.0" encoding="utf-8"?>
+<p:sld xmlns:a="http://schemas.openxmlformats.org/drawingml/2006/main" xmlns:r="http://schemas.openxmlformats.org/officeDocument/2006/relationships" xmlns:p="http://schemas.openxmlformats.org/presentationml/2006/main">
+  <p:cSld>
+    <p:spTree>
+      <p:nvGrpSpPr>
+        <p:cNvPr id="1" name=""/>
+        <p:cNvGrpSpPr/>
+        <p:nvPr/>
+      </p:nvGrpSpPr>
+      <p:grpSpPr>
+        <a:xfrm>
+          <a:off x="0" y="0"/>
+          <a:ext cx="0" cy="0"/>
+          <a:chOff x="0" y="0"/>
+          <a:chExt cx="0" cy="0"/>
+        </a:xfrm>
+      </p:grpSpPr>
+      <p:sp>
+        <p:nvSpPr>
+          <p:cNvPr id="3" name="Slide Number Placeholder 2"/>
+          <p:cNvSpPr>
+            <a:spLocks noGrp="1"/>
+          </p:cNvSpPr>
+          <p:nvPr>
+            <p:ph type="sldNum" sz="quarter" idx="12"/>
+          </p:nvPr>
+        </p:nvSpPr>
+        <p:spPr/>
+        <p:txBody>
+          <a:bodyPr/>
+          <a:lstStyle/>
+          <a:p>
+            <a:fld id="{031FACD5-5EC0-4CE0-9156-9F2704C0507A}" type="slidenum">
+              <a:rPr lang="pt-BR" smtClean="0"/>
+              <a:pPr/>
+              <a:t>26</a:t>
+            </a:fld>
+            <a:endParaRPr lang="pt-BR"/>
+          </a:p>
+        </p:txBody>
+      </p:sp>
+      <p:sp>
+        <p:nvSpPr>
+          <p:cNvPr id="4" name="Title 3"/>
+          <p:cNvSpPr>
+            <a:spLocks noGrp="1"/>
+          </p:cNvSpPr>
+          <p:nvPr>
+            <p:ph type="title"/>
+          </p:nvPr>
+        </p:nvSpPr>
+        <p:spPr/>
+        <p:txBody>
+          <a:bodyPr>
+            <a:normAutofit fontScale="90000"/>
+          </a:bodyPr>
+          <a:lstStyle/>
+          <a:p>
+            <a:r>
+              <a:rPr lang="pt-BR" dirty="0"/>
+              <a:t>UC09 – Manter Funcionários</a:t>
+            </a:r>
+          </a:p>
+        </p:txBody>
+      </p:sp>
+      <p:pic>
+        <p:nvPicPr>
+          <p:cNvPr id="10242" name="Picture 2" descr="TELAS_UC09 - Manter Funcionário - Pesquisar Funcionário"/>
+          <p:cNvPicPr>
+            <a:picLocks noChangeAspect="1" noChangeArrowheads="1"/>
+          </p:cNvPicPr>
+          <p:nvPr/>
+        </p:nvPicPr>
+        <p:blipFill>
+          <a:blip r:embed="rId2">
+            <a:extLst>
+              <a:ext uri="{28A0092B-C50C-407E-A947-70E740481C1C}">
+                <a14:useLocalDpi xmlns:a14="http://schemas.microsoft.com/office/drawing/2010/main" val="0"/>
+              </a:ext>
+            </a:extLst>
+          </a:blip>
+          <a:srcRect/>
+          <a:stretch>
+            <a:fillRect/>
+          </a:stretch>
+        </p:blipFill>
+        <p:spPr bwMode="auto">
+          <a:xfrm>
+            <a:off x="827584" y="1196752"/>
+            <a:ext cx="7488831" cy="4608512"/>
+          </a:xfrm>
+          <a:prstGeom prst="rect">
+            <a:avLst/>
+          </a:prstGeom>
+          <a:noFill/>
+          <a:ln>
+            <a:noFill/>
+          </a:ln>
+          <a:extLst>
+            <a:ext uri="{909E8E84-426E-40DD-AFC4-6F175D3DCCD1}">
+              <a14:hiddenFill xmlns:a14="http://schemas.microsoft.com/office/drawing/2010/main">
+                <a:solidFill>
+                  <a:srgbClr val="FFFFFF"/>
+                </a:solidFill>
+              </a14:hiddenFill>
+            </a:ext>
+            <a:ext uri="{91240B29-F687-4F45-9708-019B960494DF}">
+              <a14:hiddenLine xmlns:a14="http://schemas.microsoft.com/office/drawing/2010/main" w="9525">
+                <a:solidFill>
+                  <a:srgbClr val="000000"/>
+                </a:solidFill>
+                <a:miter lim="800000"/>
+                <a:headEnd/>
+                <a:tailEnd/>
+              </a14:hiddenLine>
+            </a:ext>
+          </a:extLst>
+        </p:spPr>
+      </p:pic>
+    </p:spTree>
+    <p:extLst>
+      <p:ext uri="{BB962C8B-B14F-4D97-AF65-F5344CB8AC3E}">
+        <p14:creationId xmlns:p14="http://schemas.microsoft.com/office/powerpoint/2010/main" val="3797318364"/>
+      </p:ext>
+    </p:extLst>
+  </p:cSld>
+  <p:clrMapOvr>
+    <a:masterClrMapping/>
+  </p:clrMapOvr>
+  <p:timing>
+    <p:tnLst>
+      <p:par>
+        <p:cTn id="1" dur="indefinite" restart="never" nodeType="tmRoot"/>
+      </p:par>
+    </p:tnLst>
+  </p:timing>
+</p:sld>
+</file>
+
+<file path=ppt/slides/slide27.xml><?xml version="1.0" encoding="utf-8"?>
+<p:sld xmlns:a="http://schemas.openxmlformats.org/drawingml/2006/main" xmlns:r="http://schemas.openxmlformats.org/officeDocument/2006/relationships" xmlns:p="http://schemas.openxmlformats.org/presentationml/2006/main">
+  <p:cSld>
+    <p:spTree>
+      <p:nvGrpSpPr>
+        <p:cNvPr id="1" name=""/>
+        <p:cNvGrpSpPr/>
+        <p:nvPr/>
+      </p:nvGrpSpPr>
+      <p:grpSpPr>
+        <a:xfrm>
+          <a:off x="0" y="0"/>
+          <a:ext cx="0" cy="0"/>
+          <a:chOff x="0" y="0"/>
+          <a:chExt cx="0" cy="0"/>
+        </a:xfrm>
+      </p:grpSpPr>
+      <p:sp>
+        <p:nvSpPr>
+          <p:cNvPr id="2" name="Content Placeholder 1"/>
+          <p:cNvSpPr>
+            <a:spLocks noGrp="1"/>
+          </p:cNvSpPr>
+          <p:nvPr>
+            <p:ph idx="1"/>
+          </p:nvPr>
+        </p:nvSpPr>
+        <p:spPr/>
+        <p:txBody>
+          <a:bodyPr/>
+          <a:lstStyle/>
+          <a:p>
+            <a:r>
+              <a:rPr lang="pt-BR" dirty="0" smtClean="0"/>
+              <a:t>UC08 – Gerar Relatório entre pacientes</a:t>
+            </a:r>
+            <a:endParaRPr lang="pt-BR" dirty="0"/>
+          </a:p>
+        </p:txBody>
+      </p:sp>
+      <p:sp>
+        <p:nvSpPr>
+          <p:cNvPr id="3" name="Slide Number Placeholder 2"/>
+          <p:cNvSpPr>
+            <a:spLocks noGrp="1"/>
+          </p:cNvSpPr>
+          <p:nvPr>
+            <p:ph type="sldNum" sz="quarter" idx="12"/>
+          </p:nvPr>
+        </p:nvSpPr>
+        <p:spPr/>
+        <p:txBody>
+          <a:bodyPr/>
+          <a:lstStyle/>
+          <a:p>
+            <a:fld id="{031FACD5-5EC0-4CE0-9156-9F2704C0507A}" type="slidenum">
+              <a:rPr lang="pt-BR" smtClean="0"/>
+              <a:pPr/>
+              <a:t>27</a:t>
+            </a:fld>
+            <a:endParaRPr lang="pt-BR"/>
+          </a:p>
+        </p:txBody>
+      </p:sp>
+      <p:sp>
+        <p:nvSpPr>
+          <p:cNvPr id="4" name="Title 3"/>
+          <p:cNvSpPr>
+            <a:spLocks noGrp="1"/>
+          </p:cNvSpPr>
+          <p:nvPr>
+            <p:ph type="title"/>
+          </p:nvPr>
+        </p:nvSpPr>
+        <p:spPr/>
+        <p:txBody>
+          <a:bodyPr/>
+          <a:lstStyle/>
+          <a:p>
+            <a:r>
+              <a:rPr lang="pt-BR" sz="4400" dirty="0"/>
+              <a:t>Realização de Casos de Uso</a:t>
+            </a:r>
+            <a:endParaRPr lang="pt-BR" dirty="0"/>
+          </a:p>
+        </p:txBody>
+      </p:sp>
+      <p:pic>
+        <p:nvPicPr>
+          <p:cNvPr id="11266" name="Picture 2"/>
+          <p:cNvPicPr>
+            <a:picLocks noChangeAspect="1" noChangeArrowheads="1"/>
+          </p:cNvPicPr>
+          <p:nvPr/>
+        </p:nvPicPr>
+        <p:blipFill>
+          <a:blip r:embed="rId2">
+            <a:extLst>
+              <a:ext uri="{28A0092B-C50C-407E-A947-70E740481C1C}">
+                <a14:useLocalDpi xmlns:a14="http://schemas.microsoft.com/office/drawing/2010/main" val="0"/>
+              </a:ext>
+            </a:extLst>
+          </a:blip>
+          <a:srcRect/>
+          <a:stretch>
+            <a:fillRect/>
+          </a:stretch>
+        </p:blipFill>
+        <p:spPr bwMode="auto">
+          <a:xfrm>
+            <a:off x="2105025" y="1844824"/>
+            <a:ext cx="4933950" cy="4629150"/>
+          </a:xfrm>
+          <a:prstGeom prst="rect">
+            <a:avLst/>
+          </a:prstGeom>
+          <a:noFill/>
+          <a:ln>
+            <a:noFill/>
+          </a:ln>
+          <a:effectLst/>
+          <a:extLst>
+            <a:ext uri="{909E8E84-426E-40DD-AFC4-6F175D3DCCD1}">
+              <a14:hiddenFill xmlns:a14="http://schemas.microsoft.com/office/drawing/2010/main">
+                <a:solidFill>
+                  <a:schemeClr val="accent1"/>
+                </a:solidFill>
+              </a14:hiddenFill>
+            </a:ext>
+            <a:ext uri="{91240B29-F687-4F45-9708-019B960494DF}">
+              <a14:hiddenLine xmlns:a14="http://schemas.microsoft.com/office/drawing/2010/main" w="9525">
+                <a:solidFill>
+                  <a:schemeClr val="tx1"/>
+                </a:solidFill>
+                <a:miter lim="800000"/>
+                <a:headEnd/>
+                <a:tailEnd/>
+              </a14:hiddenLine>
+            </a:ext>
+            <a:ext uri="{AF507438-7753-43E0-B8FC-AC1667EBCBE1}">
+              <a14:hiddenEffects xmlns:a14="http://schemas.microsoft.com/office/drawing/2010/main">
+                <a:effectLst>
+                  <a:outerShdw dist="35921" dir="2700000" algn="ctr" rotWithShape="0">
+                    <a:schemeClr val="bg2"/>
+                  </a:outerShdw>
+                </a:effectLst>
+              </a14:hiddenEffects>
+            </a:ext>
+          </a:extLst>
+        </p:spPr>
+      </p:pic>
+    </p:spTree>
+    <p:extLst>
+      <p:ext uri="{BB962C8B-B14F-4D97-AF65-F5344CB8AC3E}">
+        <p14:creationId xmlns:p14="http://schemas.microsoft.com/office/powerpoint/2010/main" val="1665463216"/>
+      </p:ext>
+    </p:extLst>
+  </p:cSld>
+  <p:clrMapOvr>
+    <a:masterClrMapping/>
+  </p:clrMapOvr>
+  <p:timing>
+    <p:tnLst>
+      <p:par>
+        <p:cTn id="1" dur="indefinite" restart="never" nodeType="tmRoot"/>
+      </p:par>
+    </p:tnLst>
+  </p:timing>
+</p:sld>
+</file>
+
+<file path=ppt/slides/slide28.xml><?xml version="1.0" encoding="utf-8"?>
+<p:sld xmlns:a="http://schemas.openxmlformats.org/drawingml/2006/main" xmlns:r="http://schemas.openxmlformats.org/officeDocument/2006/relationships" xmlns:p="http://schemas.openxmlformats.org/presentationml/2006/main">
+  <p:cSld>
+    <p:spTree>
+      <p:nvGrpSpPr>
+        <p:cNvPr id="1" name=""/>
+        <p:cNvGrpSpPr/>
+        <p:nvPr/>
+      </p:nvGrpSpPr>
+      <p:grpSpPr>
+        <a:xfrm>
+          <a:off x="0" y="0"/>
+          <a:ext cx="0" cy="0"/>
+          <a:chOff x="0" y="0"/>
+          <a:chExt cx="0" cy="0"/>
+        </a:xfrm>
+      </p:grpSpPr>
+      <p:sp>
+        <p:nvSpPr>
+          <p:cNvPr id="2" name="Content Placeholder 1"/>
+          <p:cNvSpPr>
+            <a:spLocks noGrp="1"/>
+          </p:cNvSpPr>
+          <p:nvPr>
+            <p:ph idx="1"/>
+          </p:nvPr>
+        </p:nvSpPr>
+        <p:spPr/>
+        <p:txBody>
+          <a:bodyPr/>
+          <a:lstStyle/>
+          <a:p>
+            <a:r>
+              <a:rPr lang="pt-BR" dirty="0" smtClean="0"/>
+              <a:t>ESCOPO</a:t>
+            </a:r>
+            <a:endParaRPr lang="pt-BR" dirty="0"/>
+          </a:p>
+          <a:p>
+            <a:pPr lvl="1"/>
+            <a:r>
+              <a:rPr lang="pt-BR" dirty="0"/>
+              <a:t>Permitir a geração de relatório entre um grupo de pacientes e um paciente</a:t>
+            </a:r>
+          </a:p>
+          <a:p>
+            <a:r>
+              <a:rPr lang="pt-BR" dirty="0" smtClean="0"/>
+              <a:t>DESCRIÇÃO</a:t>
+            </a:r>
+            <a:endParaRPr lang="pt-BR" dirty="0"/>
+          </a:p>
+          <a:p>
+            <a:pPr lvl="1"/>
+            <a:r>
+              <a:rPr lang="pt-BR" dirty="0"/>
+              <a:t>Este caso de uso será executado sempre que o fisioterapeuta for extrair um relatório de comparação entre pacientes</a:t>
+            </a:r>
+          </a:p>
+          <a:p>
+            <a:r>
+              <a:rPr lang="pt-BR" dirty="0" smtClean="0"/>
+              <a:t>ATORES</a:t>
+            </a:r>
+            <a:endParaRPr lang="pt-BR" dirty="0"/>
+          </a:p>
+          <a:p>
+            <a:pPr lvl="1"/>
+            <a:r>
+              <a:rPr lang="pt-BR" dirty="0"/>
+              <a:t>Fisioterapeuta, Administrador</a:t>
+            </a:r>
+          </a:p>
+          <a:p>
+            <a:endParaRPr lang="pt-BR" dirty="0"/>
+          </a:p>
+        </p:txBody>
+      </p:sp>
+      <p:sp>
+        <p:nvSpPr>
+          <p:cNvPr id="3" name="Slide Number Placeholder 2"/>
+          <p:cNvSpPr>
+            <a:spLocks noGrp="1"/>
+          </p:cNvSpPr>
+          <p:nvPr>
+            <p:ph type="sldNum" sz="quarter" idx="12"/>
+          </p:nvPr>
+        </p:nvSpPr>
+        <p:spPr/>
+        <p:txBody>
+          <a:bodyPr/>
+          <a:lstStyle/>
+          <a:p>
+            <a:fld id="{031FACD5-5EC0-4CE0-9156-9F2704C0507A}" type="slidenum">
+              <a:rPr lang="pt-BR" smtClean="0"/>
+              <a:pPr/>
+              <a:t>28</a:t>
+            </a:fld>
+            <a:endParaRPr lang="pt-BR"/>
+          </a:p>
+        </p:txBody>
+      </p:sp>
+      <p:sp>
+        <p:nvSpPr>
+          <p:cNvPr id="4" name="Title 3"/>
+          <p:cNvSpPr>
+            <a:spLocks noGrp="1"/>
+          </p:cNvSpPr>
+          <p:nvPr>
+            <p:ph type="title"/>
+          </p:nvPr>
+        </p:nvSpPr>
+        <p:spPr>
+          <a:xfrm>
+            <a:off x="323528" y="476672"/>
+            <a:ext cx="6696744" cy="641778"/>
+          </a:xfrm>
+        </p:spPr>
+        <p:txBody>
+          <a:bodyPr>
+            <a:noAutofit/>
+          </a:bodyPr>
+          <a:lstStyle/>
+          <a:p>
+            <a:r>
+              <a:rPr lang="pt-BR" sz="3600" dirty="0" smtClean="0"/>
+              <a:t>UC08 – Gerar Relatório entre pacientes</a:t>
+            </a:r>
+            <a:endParaRPr lang="pt-BR" sz="3600" dirty="0"/>
+          </a:p>
+        </p:txBody>
+      </p:sp>
+    </p:spTree>
+    <p:extLst>
+      <p:ext uri="{BB962C8B-B14F-4D97-AF65-F5344CB8AC3E}">
+        <p14:creationId xmlns:p14="http://schemas.microsoft.com/office/powerpoint/2010/main" val="2195128791"/>
+      </p:ext>
+    </p:extLst>
+  </p:cSld>
+  <p:clrMapOvr>
+    <a:masterClrMapping/>
+  </p:clrMapOvr>
+  <p:timing>
+    <p:tnLst>
+      <p:par>
+        <p:cTn id="1" dur="indefinite" restart="never" nodeType="tmRoot"/>
+      </p:par>
+    </p:tnLst>
+  </p:timing>
+</p:sld>
+</file>
+
+<file path=ppt/slides/slide29.xml><?xml version="1.0" encoding="utf-8"?>
+<p:sld xmlns:a="http://schemas.openxmlformats.org/drawingml/2006/main" xmlns:r="http://schemas.openxmlformats.org/officeDocument/2006/relationships" xmlns:p="http://schemas.openxmlformats.org/presentationml/2006/main">
+  <p:cSld>
+    <p:spTree>
+      <p:nvGrpSpPr>
+        <p:cNvPr id="1" name=""/>
+        <p:cNvGrpSpPr/>
+        <p:nvPr/>
+      </p:nvGrpSpPr>
+      <p:grpSpPr>
+        <a:xfrm>
+          <a:off x="0" y="0"/>
+          <a:ext cx="0" cy="0"/>
+          <a:chOff x="0" y="0"/>
+          <a:chExt cx="0" cy="0"/>
+        </a:xfrm>
+      </p:grpSpPr>
+      <p:sp>
+        <p:nvSpPr>
+          <p:cNvPr id="2" name="Content Placeholder 1"/>
+          <p:cNvSpPr>
+            <a:spLocks noGrp="1"/>
+          </p:cNvSpPr>
+          <p:nvPr>
+            <p:ph idx="1"/>
+          </p:nvPr>
+        </p:nvSpPr>
+        <p:spPr/>
+        <p:txBody>
+          <a:bodyPr>
+            <a:normAutofit fontScale="85000" lnSpcReduction="10000"/>
+          </a:bodyPr>
+          <a:lstStyle/>
+          <a:p>
+            <a:r>
+              <a:rPr lang="pt-BR" dirty="0" smtClean="0"/>
+              <a:t>PRÉ-CONDIÇÕES</a:t>
+            </a:r>
+            <a:endParaRPr lang="pt-BR" dirty="0"/>
+          </a:p>
+          <a:p>
+            <a:pPr lvl="1"/>
+            <a:r>
+              <a:rPr lang="pt-BR" dirty="0"/>
+              <a:t>Estar logado no sistema, ter perfil de fisioterapeuta e ter paciente previamente cadastrado e com exames e exercicios realizados</a:t>
+            </a:r>
+          </a:p>
+          <a:p>
+            <a:r>
+              <a:rPr lang="pt-BR" dirty="0" smtClean="0"/>
+              <a:t>PÓS-CONDIÇÕES</a:t>
+            </a:r>
+            <a:endParaRPr lang="pt-BR" dirty="0"/>
+          </a:p>
+          <a:p>
+            <a:pPr lvl="1"/>
+            <a:r>
+              <a:rPr lang="pt-BR" dirty="0"/>
+              <a:t>Após execução deverá ser gerado um gráfico com a média do grupo de pacientes  com a evolução do paciente selecionado sendo comparada com a média do grupo</a:t>
+            </a:r>
+          </a:p>
+          <a:p>
+            <a:r>
+              <a:rPr lang="pt-BR" dirty="0" smtClean="0"/>
+              <a:t>FLUXO </a:t>
+            </a:r>
+            <a:r>
+              <a:rPr lang="pt-BR" dirty="0"/>
+              <a:t>PRINCIPAL</a:t>
+            </a:r>
+          </a:p>
+          <a:p>
+            <a:pPr lvl="1"/>
+            <a:r>
+              <a:rPr lang="pt-BR" dirty="0"/>
+              <a:t>1.Usuário informa nome do grupo e clica no botão para pequisa. (A01)(A02)(E01)(E02)</a:t>
+            </a:r>
+          </a:p>
+          <a:p>
+            <a:pPr lvl="1"/>
+            <a:r>
+              <a:rPr lang="pt-BR" dirty="0"/>
+              <a:t>2. Usuário informa ID do paciente e clica em gerar gráfico.(A02)</a:t>
+            </a:r>
+          </a:p>
+          <a:p>
+            <a:pPr lvl="1"/>
+            <a:r>
+              <a:rPr lang="pt-BR" dirty="0"/>
+              <a:t>3. Sistema exibe gráfico comparativo.</a:t>
+            </a:r>
+          </a:p>
+          <a:p>
+            <a:endParaRPr lang="pt-BR" dirty="0"/>
+          </a:p>
+        </p:txBody>
+      </p:sp>
+      <p:sp>
+        <p:nvSpPr>
+          <p:cNvPr id="3" name="Slide Number Placeholder 2"/>
+          <p:cNvSpPr>
+            <a:spLocks noGrp="1"/>
+          </p:cNvSpPr>
+          <p:nvPr>
+            <p:ph type="sldNum" sz="quarter" idx="12"/>
+          </p:nvPr>
+        </p:nvSpPr>
+        <p:spPr/>
+        <p:txBody>
+          <a:bodyPr/>
+          <a:lstStyle/>
+          <a:p>
+            <a:fld id="{031FACD5-5EC0-4CE0-9156-9F2704C0507A}" type="slidenum">
+              <a:rPr lang="pt-BR" smtClean="0"/>
+              <a:pPr/>
+              <a:t>29</a:t>
+            </a:fld>
+            <a:endParaRPr lang="pt-BR"/>
+          </a:p>
+        </p:txBody>
+      </p:sp>
+      <p:sp>
+        <p:nvSpPr>
+          <p:cNvPr id="4" name="Title 3"/>
+          <p:cNvSpPr>
+            <a:spLocks noGrp="1"/>
+          </p:cNvSpPr>
+          <p:nvPr>
+            <p:ph type="title"/>
+          </p:nvPr>
+        </p:nvSpPr>
+        <p:spPr>
+          <a:xfrm>
+            <a:off x="323528" y="548680"/>
+            <a:ext cx="6696744" cy="432048"/>
+          </a:xfrm>
+        </p:spPr>
+        <p:txBody>
+          <a:bodyPr>
+            <a:normAutofit fontScale="90000"/>
+          </a:bodyPr>
+          <a:lstStyle/>
+          <a:p>
+            <a:r>
+              <a:rPr lang="pt-BR" sz="4800" dirty="0"/>
+              <a:t>UC08 – Gerar Relatório entre pacientes</a:t>
+            </a:r>
+            <a:endParaRPr lang="pt-BR" dirty="0"/>
+          </a:p>
+        </p:txBody>
+      </p:sp>
+    </p:spTree>
+    <p:extLst>
+      <p:ext uri="{BB962C8B-B14F-4D97-AF65-F5344CB8AC3E}">
+        <p14:creationId xmlns:p14="http://schemas.microsoft.com/office/powerpoint/2010/main" val="1444702750"/>
+      </p:ext>
+    </p:extLst>
   </p:cSld>
   <p:clrMapOvr>
     <a:masterClrMapping/>
@@ -4007,6 +5811,713 @@
       </p:grpSpPr>
       <p:sp>
         <p:nvSpPr>
+          <p:cNvPr id="45061" name="Espaço Reservado para Conteúdo 10"/>
+          <p:cNvSpPr>
+            <a:spLocks noGrp="1"/>
+          </p:cNvSpPr>
+          <p:nvPr>
+            <p:ph idx="1"/>
+          </p:nvPr>
+        </p:nvSpPr>
+        <p:spPr/>
+        <p:txBody>
+          <a:bodyPr>
+            <a:noAutofit/>
+          </a:bodyPr>
+          <a:lstStyle/>
+          <a:p>
+            <a:pPr lvl="1"/>
+            <a:r>
+              <a:rPr lang="pt-BR" dirty="0">
+                <a:solidFill>
+                  <a:schemeClr val="bg2">
+                    <a:lumMod val="10000"/>
+                  </a:schemeClr>
+                </a:solidFill>
+              </a:rPr>
+              <a:t>Ideia principal - O sistema para acompanhamento de evolução motora de pacientes pós-AVC é uma sistema que visa o apoio no cadastro, aplicação de exercícios fisioterápicos e, principalmente, o acompanhamento do estado dos pacientes durante certo período.</a:t>
+            </a:r>
+          </a:p>
+          <a:p>
+            <a:pPr lvl="1"/>
+            <a:r>
+              <a:rPr lang="pt-BR" dirty="0" smtClean="0">
+                <a:solidFill>
+                  <a:schemeClr val="bg2">
+                    <a:lumMod val="10000"/>
+                  </a:schemeClr>
+                </a:solidFill>
+              </a:rPr>
+              <a:t>Finalidade – Tem como finalidade o auxílio ao fisioterapeuta, tanto na parte cadastral do paciente quanto na aplicação de exercicios e acompanhamento da evolução do mesmo.</a:t>
+            </a:r>
+          </a:p>
+          <a:p>
+            <a:pPr lvl="1"/>
+            <a:r>
+              <a:rPr lang="pt-BR" dirty="0" smtClean="0">
+                <a:solidFill>
+                  <a:schemeClr val="bg2">
+                    <a:lumMod val="10000"/>
+                  </a:schemeClr>
+                </a:solidFill>
+              </a:rPr>
+              <a:t>Público alvo – Clínicas Fisioterapeutas</a:t>
+            </a:r>
+            <a:endParaRPr lang="pt-BR" dirty="0" smtClean="0">
+              <a:solidFill>
+                <a:schemeClr val="bg2">
+                  <a:lumMod val="10000"/>
+                </a:schemeClr>
+              </a:solidFill>
+            </a:endParaRPr>
+          </a:p>
+        </p:txBody>
+      </p:sp>
+      <p:sp>
+        <p:nvSpPr>
+          <p:cNvPr id="2" name="Título 1"/>
+          <p:cNvSpPr>
+            <a:spLocks noGrp="1"/>
+          </p:cNvSpPr>
+          <p:nvPr>
+            <p:ph type="title"/>
+          </p:nvPr>
+        </p:nvSpPr>
+        <p:spPr/>
+        <p:txBody>
+          <a:bodyPr>
+            <a:normAutofit/>
+          </a:bodyPr>
+          <a:lstStyle/>
+          <a:p>
+            <a:pPr>
+              <a:defRPr/>
+            </a:pPr>
+            <a:r>
+              <a:rPr lang="pt-BR" dirty="0" smtClean="0"/>
+              <a:t>Escopo do Projeto</a:t>
+            </a:r>
+            <a:endParaRPr lang="pt-BR" dirty="0"/>
+          </a:p>
+        </p:txBody>
+      </p:sp>
+      <p:sp>
+        <p:nvSpPr>
+          <p:cNvPr id="19459" name="Espaço Reservado para Número de Slide 5"/>
+          <p:cNvSpPr txBox="1">
+            <a:spLocks noGrp="1"/>
+          </p:cNvSpPr>
+          <p:nvPr/>
+        </p:nvSpPr>
+        <p:spPr bwMode="auto">
+          <a:xfrm>
+            <a:off x="8204200" y="6643688"/>
+            <a:ext cx="796925" cy="179387"/>
+          </a:xfrm>
+          <a:prstGeom prst="rect">
+            <a:avLst/>
+          </a:prstGeom>
+          <a:noFill/>
+          <a:ln w="9525">
+            <a:noFill/>
+            <a:miter lim="800000"/>
+            <a:headEnd/>
+            <a:tailEnd/>
+          </a:ln>
+        </p:spPr>
+        <p:txBody>
+          <a:bodyPr bIns="0" anchor="b"/>
+          <a:lstStyle/>
+          <a:p>
+            <a:pPr algn="r"/>
+            <a:fld id="{0C91674F-D3B1-4E28-AF80-6550D6D5E435}" type="slidenum">
+              <a:rPr lang="pt-BR" sz="1200" b="1">
+                <a:solidFill>
+                  <a:schemeClr val="bg1"/>
+                </a:solidFill>
+                <a:latin typeface="Corbel" pitchFamily="34" charset="0"/>
+              </a:rPr>
+              <a:pPr algn="r"/>
+              <a:t>3</a:t>
+            </a:fld>
+            <a:endParaRPr lang="pt-BR" sz="1200" b="1" dirty="0">
+              <a:solidFill>
+                <a:schemeClr val="bg1"/>
+              </a:solidFill>
+              <a:latin typeface="Corbel" pitchFamily="34" charset="0"/>
+            </a:endParaRPr>
+          </a:p>
+        </p:txBody>
+      </p:sp>
+    </p:spTree>
+  </p:cSld>
+  <p:clrMapOvr>
+    <a:masterClrMapping/>
+  </p:clrMapOvr>
+  <p:transition/>
+  <p:timing>
+    <p:tnLst>
+      <p:par>
+        <p:cTn id="1" dur="indefinite" restart="never" nodeType="tmRoot"/>
+      </p:par>
+    </p:tnLst>
+  </p:timing>
+</p:sld>
+</file>
+
+<file path=ppt/slides/slide30.xml><?xml version="1.0" encoding="utf-8"?>
+<p:sld xmlns:a="http://schemas.openxmlformats.org/drawingml/2006/main" xmlns:r="http://schemas.openxmlformats.org/officeDocument/2006/relationships" xmlns:p="http://schemas.openxmlformats.org/presentationml/2006/main">
+  <p:cSld>
+    <p:spTree>
+      <p:nvGrpSpPr>
+        <p:cNvPr id="1" name=""/>
+        <p:cNvGrpSpPr/>
+        <p:nvPr/>
+      </p:nvGrpSpPr>
+      <p:grpSpPr>
+        <a:xfrm>
+          <a:off x="0" y="0"/>
+          <a:ext cx="0" cy="0"/>
+          <a:chOff x="0" y="0"/>
+          <a:chExt cx="0" cy="0"/>
+        </a:xfrm>
+      </p:grpSpPr>
+      <p:sp>
+        <p:nvSpPr>
+          <p:cNvPr id="2" name="Content Placeholder 1"/>
+          <p:cNvSpPr>
+            <a:spLocks noGrp="1"/>
+          </p:cNvSpPr>
+          <p:nvPr>
+            <p:ph idx="1"/>
+          </p:nvPr>
+        </p:nvSpPr>
+        <p:spPr/>
+        <p:txBody>
+          <a:bodyPr>
+            <a:normAutofit fontScale="55000" lnSpcReduction="20000"/>
+          </a:bodyPr>
+          <a:lstStyle/>
+          <a:p>
+            <a:pPr lvl="3"/>
+            <a:r>
+              <a:rPr lang="pt-BR" b="1" dirty="0"/>
+              <a:t>FLUXOS ALTERNATIVOS</a:t>
+            </a:r>
+          </a:p>
+          <a:p>
+            <a:r>
+              <a:rPr lang="pt-BR" dirty="0"/>
+              <a:t>A01 - </a:t>
+            </a:r>
+          </a:p>
+          <a:p>
+            <a:pPr lvl="1"/>
+            <a:r>
+              <a:rPr lang="pt-BR" dirty="0"/>
+              <a:t>       1 - Usuário clica no botão "Criar novo grupo".(A03)</a:t>
+            </a:r>
+          </a:p>
+          <a:p>
+            <a:pPr lvl="1"/>
+            <a:r>
+              <a:rPr lang="pt-BR" dirty="0"/>
+              <a:t>       2 - Sistema apresenta tela para criação de grupo.</a:t>
+            </a:r>
+          </a:p>
+          <a:p>
+            <a:pPr lvl="1"/>
+            <a:r>
+              <a:rPr lang="pt-BR" dirty="0"/>
+              <a:t>       3 - Usuário informa nome do grupo e período que será selecionado e pressiona "Criar Grupo" (E03)</a:t>
+            </a:r>
+          </a:p>
+          <a:p>
+            <a:pPr lvl="1"/>
+            <a:r>
+              <a:rPr lang="pt-BR" dirty="0"/>
+              <a:t>       4 - Sistema exibe mensagem de sucesso.</a:t>
+            </a:r>
+          </a:p>
+          <a:p>
+            <a:r>
+              <a:rPr lang="pt-BR" dirty="0"/>
+              <a:t>A02 - </a:t>
+            </a:r>
+          </a:p>
+          <a:p>
+            <a:pPr lvl="1"/>
+            <a:r>
+              <a:rPr lang="pt-BR" dirty="0"/>
+              <a:t>      01 - Usuário clica em editar grupo.(E01)</a:t>
+            </a:r>
+          </a:p>
+          <a:p>
+            <a:pPr lvl="1"/>
+            <a:r>
+              <a:rPr lang="pt-BR" dirty="0"/>
+              <a:t>      02 - Sistema apresenta tela para edição de grupo.</a:t>
+            </a:r>
+          </a:p>
+          <a:p>
+            <a:pPr lvl="1"/>
+            <a:r>
+              <a:rPr lang="pt-BR" dirty="0"/>
+              <a:t>      03 - Usuário informa nome do grupo e clica em "Editar"(A03)</a:t>
+            </a:r>
+          </a:p>
+          <a:p>
+            <a:pPr lvl="1"/>
+            <a:r>
+              <a:rPr lang="pt-BR" dirty="0"/>
+              <a:t>      04 - Usuário muda dados desejados e clica em "Salvar". (A03)(E03)</a:t>
+            </a:r>
+          </a:p>
+          <a:p>
+            <a:pPr lvl="1"/>
+            <a:r>
+              <a:rPr lang="pt-BR" dirty="0"/>
+              <a:t>      05 - Sistema exibe mensagem de sucesso.</a:t>
+            </a:r>
+          </a:p>
+          <a:p>
+            <a:r>
+              <a:rPr lang="pt-BR" dirty="0"/>
+              <a:t>A03 -</a:t>
+            </a:r>
+          </a:p>
+          <a:p>
+            <a:pPr lvl="1"/>
+            <a:r>
+              <a:rPr lang="pt-BR" dirty="0"/>
+              <a:t>    01 - Usuário clica no botão de cancelar</a:t>
+            </a:r>
+          </a:p>
+          <a:p>
+            <a:pPr lvl="1"/>
+            <a:r>
+              <a:rPr lang="pt-BR" dirty="0"/>
+              <a:t>     02 - Sistema exibe pop up perguntando se realmente deve cancelar operação.</a:t>
+            </a:r>
+          </a:p>
+          <a:p>
+            <a:pPr lvl="1"/>
+            <a:r>
+              <a:rPr lang="pt-BR" dirty="0"/>
+              <a:t>     03 - Usuário conrfirma(A04).</a:t>
+            </a:r>
+          </a:p>
+          <a:p>
+            <a:pPr lvl="1"/>
+            <a:r>
+              <a:rPr lang="pt-BR" dirty="0"/>
+              <a:t>     04 - Sistema retorna a rela inicial.</a:t>
+            </a:r>
+          </a:p>
+          <a:p>
+            <a:r>
+              <a:rPr lang="pt-BR" dirty="0"/>
+              <a:t>A04 - </a:t>
+            </a:r>
+          </a:p>
+          <a:p>
+            <a:pPr lvl="1"/>
+            <a:r>
+              <a:rPr lang="pt-BR" dirty="0"/>
+              <a:t>     01 - Usuário não confirma perda de dados</a:t>
+            </a:r>
+          </a:p>
+          <a:p>
+            <a:pPr lvl="1"/>
+            <a:r>
+              <a:rPr lang="pt-BR" dirty="0"/>
+              <a:t>     02 - Sistema permanece na mesma tela</a:t>
+            </a:r>
+            <a:endParaRPr lang="pt-BR" dirty="0"/>
+          </a:p>
+        </p:txBody>
+      </p:sp>
+      <p:sp>
+        <p:nvSpPr>
+          <p:cNvPr id="3" name="Slide Number Placeholder 2"/>
+          <p:cNvSpPr>
+            <a:spLocks noGrp="1"/>
+          </p:cNvSpPr>
+          <p:nvPr>
+            <p:ph type="sldNum" sz="quarter" idx="12"/>
+          </p:nvPr>
+        </p:nvSpPr>
+        <p:spPr/>
+        <p:txBody>
+          <a:bodyPr/>
+          <a:lstStyle/>
+          <a:p>
+            <a:fld id="{031FACD5-5EC0-4CE0-9156-9F2704C0507A}" type="slidenum">
+              <a:rPr lang="pt-BR" smtClean="0"/>
+              <a:pPr/>
+              <a:t>30</a:t>
+            </a:fld>
+            <a:endParaRPr lang="pt-BR"/>
+          </a:p>
+        </p:txBody>
+      </p:sp>
+      <p:sp>
+        <p:nvSpPr>
+          <p:cNvPr id="4" name="Title 3"/>
+          <p:cNvSpPr>
+            <a:spLocks noGrp="1"/>
+          </p:cNvSpPr>
+          <p:nvPr>
+            <p:ph type="title"/>
+          </p:nvPr>
+        </p:nvSpPr>
+        <p:spPr/>
+        <p:txBody>
+          <a:bodyPr>
+            <a:normAutofit fontScale="90000"/>
+          </a:bodyPr>
+          <a:lstStyle/>
+          <a:p>
+            <a:r>
+              <a:rPr lang="pt-BR" sz="4400" dirty="0"/>
+              <a:t>UC08 – Gerar Relatório entre pacientes</a:t>
+            </a:r>
+            <a:endParaRPr lang="pt-BR" dirty="0"/>
+          </a:p>
+        </p:txBody>
+      </p:sp>
+    </p:spTree>
+    <p:extLst>
+      <p:ext uri="{BB962C8B-B14F-4D97-AF65-F5344CB8AC3E}">
+        <p14:creationId xmlns:p14="http://schemas.microsoft.com/office/powerpoint/2010/main" val="135318294"/>
+      </p:ext>
+    </p:extLst>
+  </p:cSld>
+  <p:clrMapOvr>
+    <a:masterClrMapping/>
+  </p:clrMapOvr>
+  <p:timing>
+    <p:tnLst>
+      <p:par>
+        <p:cTn id="1" dur="indefinite" restart="never" nodeType="tmRoot"/>
+      </p:par>
+    </p:tnLst>
+  </p:timing>
+</p:sld>
+</file>
+
+<file path=ppt/slides/slide31.xml><?xml version="1.0" encoding="utf-8"?>
+<p:sld xmlns:a="http://schemas.openxmlformats.org/drawingml/2006/main" xmlns:r="http://schemas.openxmlformats.org/officeDocument/2006/relationships" xmlns:p="http://schemas.openxmlformats.org/presentationml/2006/main">
+  <p:cSld>
+    <p:spTree>
+      <p:nvGrpSpPr>
+        <p:cNvPr id="1" name=""/>
+        <p:cNvGrpSpPr/>
+        <p:nvPr/>
+      </p:nvGrpSpPr>
+      <p:grpSpPr>
+        <a:xfrm>
+          <a:off x="0" y="0"/>
+          <a:ext cx="0" cy="0"/>
+          <a:chOff x="0" y="0"/>
+          <a:chExt cx="0" cy="0"/>
+        </a:xfrm>
+      </p:grpSpPr>
+      <p:sp>
+        <p:nvSpPr>
+          <p:cNvPr id="2" name="Content Placeholder 1"/>
+          <p:cNvSpPr>
+            <a:spLocks noGrp="1"/>
+          </p:cNvSpPr>
+          <p:nvPr>
+            <p:ph idx="1"/>
+          </p:nvPr>
+        </p:nvSpPr>
+        <p:spPr/>
+        <p:txBody>
+          <a:bodyPr/>
+          <a:lstStyle/>
+          <a:p>
+            <a:r>
+              <a:rPr lang="pt-BR" dirty="0" smtClean="0"/>
+              <a:t>FLUXOS </a:t>
+            </a:r>
+            <a:r>
+              <a:rPr lang="pt-BR" dirty="0"/>
+              <a:t>DE EXCEÇÕES</a:t>
+            </a:r>
+          </a:p>
+          <a:p>
+            <a:pPr lvl="1"/>
+            <a:r>
+              <a:rPr lang="pt-BR" dirty="0"/>
+              <a:t>E01 - Sistema informa que conexão com o banco de dados não está disponível</a:t>
+            </a:r>
+          </a:p>
+          <a:p>
+            <a:pPr lvl="1"/>
+            <a:r>
+              <a:rPr lang="pt-BR" dirty="0"/>
+              <a:t>E02 - Sistema informa que paciente não existe.</a:t>
+            </a:r>
+          </a:p>
+          <a:p>
+            <a:pPr lvl="1"/>
+            <a:r>
+              <a:rPr lang="pt-BR" dirty="0"/>
+              <a:t>E03 - Sistema informa que campos obrigatóros não estão preenchidos</a:t>
+            </a:r>
+          </a:p>
+          <a:p>
+            <a:r>
+              <a:rPr lang="pt-BR" dirty="0" smtClean="0"/>
+              <a:t>REGRAS </a:t>
+            </a:r>
+            <a:r>
+              <a:rPr lang="pt-BR" dirty="0"/>
+              <a:t>DE NEGÓCIO</a:t>
+            </a:r>
+          </a:p>
+          <a:p>
+            <a:pPr lvl="1"/>
+            <a:r>
+              <a:rPr lang="pt-BR" dirty="0"/>
+              <a:t>NA</a:t>
+            </a:r>
+          </a:p>
+          <a:p>
+            <a:endParaRPr lang="pt-BR" dirty="0"/>
+          </a:p>
+        </p:txBody>
+      </p:sp>
+      <p:sp>
+        <p:nvSpPr>
+          <p:cNvPr id="3" name="Slide Number Placeholder 2"/>
+          <p:cNvSpPr>
+            <a:spLocks noGrp="1"/>
+          </p:cNvSpPr>
+          <p:nvPr>
+            <p:ph type="sldNum" sz="quarter" idx="12"/>
+          </p:nvPr>
+        </p:nvSpPr>
+        <p:spPr/>
+        <p:txBody>
+          <a:bodyPr/>
+          <a:lstStyle/>
+          <a:p>
+            <a:fld id="{031FACD5-5EC0-4CE0-9156-9F2704C0507A}" type="slidenum">
+              <a:rPr lang="pt-BR" smtClean="0"/>
+              <a:pPr/>
+              <a:t>31</a:t>
+            </a:fld>
+            <a:endParaRPr lang="pt-BR"/>
+          </a:p>
+        </p:txBody>
+      </p:sp>
+      <p:sp>
+        <p:nvSpPr>
+          <p:cNvPr id="4" name="Title 3"/>
+          <p:cNvSpPr>
+            <a:spLocks noGrp="1"/>
+          </p:cNvSpPr>
+          <p:nvPr>
+            <p:ph type="title"/>
+          </p:nvPr>
+        </p:nvSpPr>
+        <p:spPr/>
+        <p:txBody>
+          <a:bodyPr>
+            <a:normAutofit fontScale="90000"/>
+          </a:bodyPr>
+          <a:lstStyle/>
+          <a:p>
+            <a:r>
+              <a:rPr lang="pt-BR" sz="4800" dirty="0"/>
+              <a:t>UC08 – Gerar Relatório entre pacientes</a:t>
+            </a:r>
+            <a:endParaRPr lang="pt-BR" dirty="0"/>
+          </a:p>
+        </p:txBody>
+      </p:sp>
+    </p:spTree>
+    <p:extLst>
+      <p:ext uri="{BB962C8B-B14F-4D97-AF65-F5344CB8AC3E}">
+        <p14:creationId xmlns:p14="http://schemas.microsoft.com/office/powerpoint/2010/main" val="2211518979"/>
+      </p:ext>
+    </p:extLst>
+  </p:cSld>
+  <p:clrMapOvr>
+    <a:masterClrMapping/>
+  </p:clrMapOvr>
+  <p:timing>
+    <p:tnLst>
+      <p:par>
+        <p:cTn id="1" dur="indefinite" restart="never" nodeType="tmRoot"/>
+      </p:par>
+    </p:tnLst>
+  </p:timing>
+</p:sld>
+</file>
+
+<file path=ppt/slides/slide32.xml><?xml version="1.0" encoding="utf-8"?>
+<p:sld xmlns:a="http://schemas.openxmlformats.org/drawingml/2006/main" xmlns:r="http://schemas.openxmlformats.org/officeDocument/2006/relationships" xmlns:p="http://schemas.openxmlformats.org/presentationml/2006/main">
+  <p:cSld>
+    <p:spTree>
+      <p:nvGrpSpPr>
+        <p:cNvPr id="1" name=""/>
+        <p:cNvGrpSpPr/>
+        <p:nvPr/>
+      </p:nvGrpSpPr>
+      <p:grpSpPr>
+        <a:xfrm>
+          <a:off x="0" y="0"/>
+          <a:ext cx="0" cy="0"/>
+          <a:chOff x="0" y="0"/>
+          <a:chExt cx="0" cy="0"/>
+        </a:xfrm>
+      </p:grpSpPr>
+      <p:sp>
+        <p:nvSpPr>
+          <p:cNvPr id="3" name="Slide Number Placeholder 2"/>
+          <p:cNvSpPr>
+            <a:spLocks noGrp="1"/>
+          </p:cNvSpPr>
+          <p:nvPr>
+            <p:ph type="sldNum" sz="quarter" idx="12"/>
+          </p:nvPr>
+        </p:nvSpPr>
+        <p:spPr/>
+        <p:txBody>
+          <a:bodyPr/>
+          <a:lstStyle/>
+          <a:p>
+            <a:fld id="{031FACD5-5EC0-4CE0-9156-9F2704C0507A}" type="slidenum">
+              <a:rPr lang="pt-BR" smtClean="0"/>
+              <a:pPr/>
+              <a:t>32</a:t>
+            </a:fld>
+            <a:endParaRPr lang="pt-BR"/>
+          </a:p>
+        </p:txBody>
+      </p:sp>
+      <p:sp>
+        <p:nvSpPr>
+          <p:cNvPr id="4" name="Title 3"/>
+          <p:cNvSpPr>
+            <a:spLocks noGrp="1"/>
+          </p:cNvSpPr>
+          <p:nvPr>
+            <p:ph type="title"/>
+          </p:nvPr>
+        </p:nvSpPr>
+        <p:spPr/>
+        <p:txBody>
+          <a:bodyPr>
+            <a:normAutofit fontScale="90000"/>
+          </a:bodyPr>
+          <a:lstStyle/>
+          <a:p>
+            <a:r>
+              <a:rPr lang="pt-BR" sz="4400" dirty="0"/>
+              <a:t>UC08 – Gerar Relatório entre pacientes</a:t>
+            </a:r>
+            <a:endParaRPr lang="pt-BR" dirty="0"/>
+          </a:p>
+        </p:txBody>
+      </p:sp>
+      <p:pic>
+        <p:nvPicPr>
+          <p:cNvPr id="12290" name="Picture 2" descr="TELAS_UC08 - Gerar Relatório Entre Pacientes"/>
+          <p:cNvPicPr>
+            <a:picLocks noChangeAspect="1" noChangeArrowheads="1"/>
+          </p:cNvPicPr>
+          <p:nvPr/>
+        </p:nvPicPr>
+        <p:blipFill>
+          <a:blip r:embed="rId2">
+            <a:extLst>
+              <a:ext uri="{28A0092B-C50C-407E-A947-70E740481C1C}">
+                <a14:useLocalDpi xmlns:a14="http://schemas.microsoft.com/office/drawing/2010/main" val="0"/>
+              </a:ext>
+            </a:extLst>
+          </a:blip>
+          <a:srcRect/>
+          <a:stretch>
+            <a:fillRect/>
+          </a:stretch>
+        </p:blipFill>
+        <p:spPr bwMode="auto">
+          <a:xfrm>
+            <a:off x="683568" y="1556792"/>
+            <a:ext cx="7776864" cy="4608512"/>
+          </a:xfrm>
+          <a:prstGeom prst="rect">
+            <a:avLst/>
+          </a:prstGeom>
+          <a:noFill/>
+          <a:ln>
+            <a:noFill/>
+          </a:ln>
+          <a:extLst>
+            <a:ext uri="{909E8E84-426E-40DD-AFC4-6F175D3DCCD1}">
+              <a14:hiddenFill xmlns:a14="http://schemas.microsoft.com/office/drawing/2010/main">
+                <a:solidFill>
+                  <a:srgbClr val="FFFFFF"/>
+                </a:solidFill>
+              </a14:hiddenFill>
+            </a:ext>
+            <a:ext uri="{91240B29-F687-4F45-9708-019B960494DF}">
+              <a14:hiddenLine xmlns:a14="http://schemas.microsoft.com/office/drawing/2010/main" w="9525">
+                <a:solidFill>
+                  <a:srgbClr val="000000"/>
+                </a:solidFill>
+                <a:miter lim="800000"/>
+                <a:headEnd/>
+                <a:tailEnd/>
+              </a14:hiddenLine>
+            </a:ext>
+          </a:extLst>
+        </p:spPr>
+      </p:pic>
+    </p:spTree>
+    <p:extLst>
+      <p:ext uri="{BB962C8B-B14F-4D97-AF65-F5344CB8AC3E}">
+        <p14:creationId xmlns:p14="http://schemas.microsoft.com/office/powerpoint/2010/main" val="2190401996"/>
+      </p:ext>
+    </p:extLst>
+  </p:cSld>
+  <p:clrMapOvr>
+    <a:masterClrMapping/>
+  </p:clrMapOvr>
+  <p:timing>
+    <p:tnLst>
+      <p:par>
+        <p:cTn id="1" dur="indefinite" restart="never" nodeType="tmRoot"/>
+      </p:par>
+    </p:tnLst>
+  </p:timing>
+</p:sld>
+</file>
+
+<file path=ppt/slides/slide33.xml><?xml version="1.0" encoding="utf-8"?>
+<p:sld xmlns:a="http://schemas.openxmlformats.org/drawingml/2006/main" xmlns:r="http://schemas.openxmlformats.org/officeDocument/2006/relationships" xmlns:p="http://schemas.openxmlformats.org/presentationml/2006/main">
+  <p:cSld>
+    <p:spTree>
+      <p:nvGrpSpPr>
+        <p:cNvPr id="1" name=""/>
+        <p:cNvGrpSpPr/>
+        <p:nvPr/>
+      </p:nvGrpSpPr>
+      <p:grpSpPr>
+        <a:xfrm>
+          <a:off x="0" y="0"/>
+          <a:ext cx="0" cy="0"/>
+          <a:chOff x="0" y="0"/>
+          <a:chExt cx="0" cy="0"/>
+        </a:xfrm>
+      </p:grpSpPr>
+      <p:sp>
+        <p:nvSpPr>
           <p:cNvPr id="8" name="Espaço Reservado para Texto 7"/>
           <p:cNvSpPr>
             <a:spLocks noGrp="1"/>
@@ -4048,6 +6559,30 @@
             <a:normAutofit/>
           </a:bodyPr>
           <a:lstStyle/>
+          <a:p>
+            <a:r>
+              <a:rPr lang="pt-BR" b="1" dirty="0" smtClean="0"/>
+              <a:t>Escopo do Projeto</a:t>
+            </a:r>
+          </a:p>
+          <a:p>
+            <a:r>
+              <a:rPr lang="pt-BR" b="1" dirty="0" smtClean="0"/>
+              <a:t>Modelagem de Negócio BPM</a:t>
+            </a:r>
+          </a:p>
+          <a:p>
+            <a:r>
+              <a:rPr lang="pt-BR" b="1" dirty="0" smtClean="0"/>
+              <a:t>Diagrama de Casos de Uso Geral</a:t>
+            </a:r>
+          </a:p>
+          <a:p>
+            <a:r>
+              <a:rPr lang="pt-BR" b="1" dirty="0" smtClean="0"/>
+              <a:t>Realização dos Casos de Uso</a:t>
+            </a:r>
+          </a:p>
           <a:p>
             <a:r>
               <a:rPr lang="pt-BR" b="1" dirty="0" smtClean="0">
@@ -4057,30 +6592,6 @@
                   </a:schemeClr>
                 </a:solidFill>
               </a:rPr>
-              <a:t>Escopo do Projeto</a:t>
-            </a:r>
-          </a:p>
-          <a:p>
-            <a:r>
-              <a:rPr lang="pt-BR" b="1" dirty="0" smtClean="0"/>
-              <a:t>Modelagem de Negócio BPM</a:t>
-            </a:r>
-          </a:p>
-          <a:p>
-            <a:r>
-              <a:rPr lang="pt-BR" b="1" dirty="0" smtClean="0"/>
-              <a:t>Diagrama de Casos de Uso Geral</a:t>
-            </a:r>
-          </a:p>
-          <a:p>
-            <a:r>
-              <a:rPr lang="pt-BR" b="1" dirty="0" smtClean="0"/>
-              <a:t>Realização dos Casos de Uso</a:t>
-            </a:r>
-          </a:p>
-          <a:p>
-            <a:r>
-              <a:rPr lang="pt-BR" b="1" dirty="0" smtClean="0"/>
               <a:t>Diagrama de Classes Geral</a:t>
             </a:r>
           </a:p>
@@ -4095,13 +6606,6 @@
               <a:rPr lang="pt-BR" b="1" dirty="0" smtClean="0"/>
               <a:t>Análise de Mercado</a:t>
             </a:r>
-            <a:endParaRPr lang="pt-BR" b="1" dirty="0" smtClean="0">
-              <a:solidFill>
-                <a:schemeClr val="accent3">
-                  <a:lumMod val="50000"/>
-                </a:schemeClr>
-              </a:solidFill>
-            </a:endParaRPr>
           </a:p>
         </p:txBody>
       </p:sp>
@@ -4131,6 +6635,905 @@
         </p:txBody>
       </p:sp>
     </p:spTree>
+  </p:cSld>
+  <p:clrMapOvr>
+    <a:masterClrMapping/>
+  </p:clrMapOvr>
+  <p:timing>
+    <p:tnLst>
+      <p:par>
+        <p:cTn id="1" dur="indefinite" restart="never" nodeType="tmRoot"/>
+      </p:par>
+    </p:tnLst>
+  </p:timing>
+</p:sld>
+</file>
+
+<file path=ppt/slides/slide34.xml><?xml version="1.0" encoding="utf-8"?>
+<p:sld xmlns:a="http://schemas.openxmlformats.org/drawingml/2006/main" xmlns:r="http://schemas.openxmlformats.org/officeDocument/2006/relationships" xmlns:p="http://schemas.openxmlformats.org/presentationml/2006/main">
+  <p:cSld>
+    <p:spTree>
+      <p:nvGrpSpPr>
+        <p:cNvPr id="1" name=""/>
+        <p:cNvGrpSpPr/>
+        <p:nvPr/>
+      </p:nvGrpSpPr>
+      <p:grpSpPr>
+        <a:xfrm>
+          <a:off x="0" y="0"/>
+          <a:ext cx="0" cy="0"/>
+          <a:chOff x="0" y="0"/>
+          <a:chExt cx="0" cy="0"/>
+        </a:xfrm>
+      </p:grpSpPr>
+      <p:sp>
+        <p:nvSpPr>
+          <p:cNvPr id="2" name="Título 1"/>
+          <p:cNvSpPr>
+            <a:spLocks noGrp="1"/>
+          </p:cNvSpPr>
+          <p:nvPr>
+            <p:ph type="title"/>
+          </p:nvPr>
+        </p:nvSpPr>
+        <p:spPr/>
+        <p:txBody>
+          <a:bodyPr>
+            <a:normAutofit/>
+          </a:bodyPr>
+          <a:lstStyle/>
+          <a:p>
+            <a:pPr>
+              <a:defRPr/>
+            </a:pPr>
+            <a:r>
+              <a:rPr lang="pt-BR" dirty="0" smtClean="0"/>
+              <a:t>Diagrama de Classes Geral</a:t>
+            </a:r>
+            <a:endParaRPr lang="pt-BR" dirty="0"/>
+          </a:p>
+        </p:txBody>
+      </p:sp>
+      <p:sp>
+        <p:nvSpPr>
+          <p:cNvPr id="19459" name="Espaço Reservado para Número de Slide 5"/>
+          <p:cNvSpPr txBox="1">
+            <a:spLocks noGrp="1"/>
+          </p:cNvSpPr>
+          <p:nvPr/>
+        </p:nvSpPr>
+        <p:spPr bwMode="auto">
+          <a:xfrm>
+            <a:off x="8204200" y="6643688"/>
+            <a:ext cx="796925" cy="179387"/>
+          </a:xfrm>
+          <a:prstGeom prst="rect">
+            <a:avLst/>
+          </a:prstGeom>
+          <a:noFill/>
+          <a:ln w="9525">
+            <a:noFill/>
+            <a:miter lim="800000"/>
+            <a:headEnd/>
+            <a:tailEnd/>
+          </a:ln>
+        </p:spPr>
+        <p:txBody>
+          <a:bodyPr bIns="0" anchor="b"/>
+          <a:lstStyle/>
+          <a:p>
+            <a:pPr algn="r"/>
+            <a:fld id="{0C91674F-D3B1-4E28-AF80-6550D6D5E435}" type="slidenum">
+              <a:rPr lang="pt-BR" sz="1200" b="1">
+                <a:solidFill>
+                  <a:schemeClr val="bg1"/>
+                </a:solidFill>
+                <a:latin typeface="Corbel" pitchFamily="34" charset="0"/>
+              </a:rPr>
+              <a:pPr algn="r"/>
+              <a:t>34</a:t>
+            </a:fld>
+            <a:endParaRPr lang="pt-BR" sz="1200" b="1" dirty="0">
+              <a:solidFill>
+                <a:schemeClr val="bg1"/>
+              </a:solidFill>
+              <a:latin typeface="Corbel" pitchFamily="34" charset="0"/>
+            </a:endParaRPr>
+          </a:p>
+        </p:txBody>
+      </p:sp>
+      <p:pic>
+        <p:nvPicPr>
+          <p:cNvPr id="6" name="Picture 5"/>
+          <p:cNvPicPr>
+            <a:picLocks noChangeAspect="1"/>
+          </p:cNvPicPr>
+          <p:nvPr/>
+        </p:nvPicPr>
+        <p:blipFill>
+          <a:blip r:embed="rId2" cstate="print">
+            <a:extLst>
+              <a:ext uri="{28A0092B-C50C-407E-A947-70E740481C1C}">
+                <a14:useLocalDpi xmlns:a14="http://schemas.microsoft.com/office/drawing/2010/main" val="0"/>
+              </a:ext>
+            </a:extLst>
+          </a:blip>
+          <a:stretch>
+            <a:fillRect/>
+          </a:stretch>
+        </p:blipFill>
+        <p:spPr>
+          <a:xfrm>
+            <a:off x="323528" y="1340768"/>
+            <a:ext cx="8677597" cy="5239400"/>
+          </a:xfrm>
+          <a:prstGeom prst="rect">
+            <a:avLst/>
+          </a:prstGeom>
+        </p:spPr>
+      </p:pic>
+    </p:spTree>
+  </p:cSld>
+  <p:clrMapOvr>
+    <a:masterClrMapping/>
+  </p:clrMapOvr>
+  <p:transition/>
+  <p:timing>
+    <p:tnLst>
+      <p:par>
+        <p:cTn id="1" dur="indefinite" restart="never" nodeType="tmRoot"/>
+      </p:par>
+    </p:tnLst>
+  </p:timing>
+</p:sld>
+</file>
+
+<file path=ppt/slides/slide35.xml><?xml version="1.0" encoding="utf-8"?>
+<p:sld xmlns:a="http://schemas.openxmlformats.org/drawingml/2006/main" xmlns:r="http://schemas.openxmlformats.org/officeDocument/2006/relationships" xmlns:p="http://schemas.openxmlformats.org/presentationml/2006/main">
+  <p:cSld>
+    <p:spTree>
+      <p:nvGrpSpPr>
+        <p:cNvPr id="1" name=""/>
+        <p:cNvGrpSpPr/>
+        <p:nvPr/>
+      </p:nvGrpSpPr>
+      <p:grpSpPr>
+        <a:xfrm>
+          <a:off x="0" y="0"/>
+          <a:ext cx="0" cy="0"/>
+          <a:chOff x="0" y="0"/>
+          <a:chExt cx="0" cy="0"/>
+        </a:xfrm>
+      </p:grpSpPr>
+      <p:sp>
+        <p:nvSpPr>
+          <p:cNvPr id="8" name="Espaço Reservado para Texto 7"/>
+          <p:cNvSpPr>
+            <a:spLocks noGrp="1"/>
+          </p:cNvSpPr>
+          <p:nvPr>
+            <p:ph type="body" idx="1"/>
+          </p:nvPr>
+        </p:nvSpPr>
+        <p:spPr/>
+        <p:txBody>
+          <a:bodyPr/>
+          <a:lstStyle/>
+          <a:p>
+            <a:r>
+              <a:rPr lang="pt-BR" dirty="0" smtClean="0"/>
+              <a:t>Apresentação Banca de Análise</a:t>
+            </a:r>
+          </a:p>
+        </p:txBody>
+      </p:sp>
+      <p:sp>
+        <p:nvSpPr>
+          <p:cNvPr id="9" name="Espaço Reservado para Texto 8"/>
+          <p:cNvSpPr>
+            <a:spLocks noGrp="1"/>
+          </p:cNvSpPr>
+          <p:nvPr>
+            <p:ph type="body" sz="quarter" idx="13"/>
+          </p:nvPr>
+        </p:nvSpPr>
+        <p:spPr>
+          <a:xfrm>
+            <a:off x="571472" y="2643206"/>
+            <a:ext cx="8280920" cy="4214818"/>
+          </a:xfrm>
+        </p:spPr>
+        <p:txBody>
+          <a:bodyPr>
+            <a:normAutofit/>
+          </a:bodyPr>
+          <a:lstStyle/>
+          <a:p>
+            <a:r>
+              <a:rPr lang="pt-BR" b="1" dirty="0" smtClean="0"/>
+              <a:t>Escopo do Projeto</a:t>
+            </a:r>
+          </a:p>
+          <a:p>
+            <a:r>
+              <a:rPr lang="pt-BR" b="1" dirty="0" smtClean="0"/>
+              <a:t>Modelagem de Negócio BPM</a:t>
+            </a:r>
+          </a:p>
+          <a:p>
+            <a:r>
+              <a:rPr lang="pt-BR" b="1" dirty="0" smtClean="0"/>
+              <a:t>Diagrama de Casos de Uso Geral</a:t>
+            </a:r>
+          </a:p>
+          <a:p>
+            <a:r>
+              <a:rPr lang="pt-BR" b="1" dirty="0" smtClean="0"/>
+              <a:t>Realização dos Casos de Uso</a:t>
+            </a:r>
+          </a:p>
+          <a:p>
+            <a:r>
+              <a:rPr lang="pt-BR" b="1" dirty="0" smtClean="0"/>
+              <a:t>Diagrama de Classes Geral</a:t>
+            </a:r>
+          </a:p>
+          <a:p>
+            <a:r>
+              <a:rPr lang="pt-BR" b="1" dirty="0" smtClean="0">
+                <a:solidFill>
+                  <a:schemeClr val="accent3">
+                    <a:lumMod val="50000"/>
+                  </a:schemeClr>
+                </a:solidFill>
+              </a:rPr>
+              <a:t>Modelo de Dados</a:t>
+            </a:r>
+          </a:p>
+          <a:p>
+            <a:r>
+              <a:rPr lang="pt-BR" b="1" dirty="0" smtClean="0"/>
+              <a:t>Análise de Mercado</a:t>
+            </a:r>
+          </a:p>
+        </p:txBody>
+      </p:sp>
+      <p:sp>
+        <p:nvSpPr>
+          <p:cNvPr id="7" name="Título 6"/>
+          <p:cNvSpPr>
+            <a:spLocks noGrp="1"/>
+          </p:cNvSpPr>
+          <p:nvPr>
+            <p:ph type="title"/>
+          </p:nvPr>
+        </p:nvSpPr>
+        <p:spPr/>
+        <p:txBody>
+          <a:bodyPr>
+            <a:normAutofit/>
+          </a:bodyPr>
+          <a:lstStyle/>
+          <a:p>
+            <a:r>
+              <a:rPr lang="pt-BR" dirty="0" smtClean="0"/>
+              <a:t>Agenda</a:t>
+            </a:r>
+            <a:endParaRPr lang="pt-BR" dirty="0"/>
+          </a:p>
+        </p:txBody>
+      </p:sp>
+    </p:spTree>
+  </p:cSld>
+  <p:clrMapOvr>
+    <a:masterClrMapping/>
+  </p:clrMapOvr>
+  <p:timing>
+    <p:tnLst>
+      <p:par>
+        <p:cTn id="1" dur="indefinite" restart="never" nodeType="tmRoot"/>
+      </p:par>
+    </p:tnLst>
+  </p:timing>
+</p:sld>
+</file>
+
+<file path=ppt/slides/slide36.xml><?xml version="1.0" encoding="utf-8"?>
+<p:sld xmlns:a="http://schemas.openxmlformats.org/drawingml/2006/main" xmlns:r="http://schemas.openxmlformats.org/officeDocument/2006/relationships" xmlns:p="http://schemas.openxmlformats.org/presentationml/2006/main">
+  <p:cSld>
+    <p:spTree>
+      <p:nvGrpSpPr>
+        <p:cNvPr id="1" name=""/>
+        <p:cNvGrpSpPr/>
+        <p:nvPr/>
+      </p:nvGrpSpPr>
+      <p:grpSpPr>
+        <a:xfrm>
+          <a:off x="0" y="0"/>
+          <a:ext cx="0" cy="0"/>
+          <a:chOff x="0" y="0"/>
+          <a:chExt cx="0" cy="0"/>
+        </a:xfrm>
+      </p:grpSpPr>
+      <p:sp>
+        <p:nvSpPr>
+          <p:cNvPr id="2" name="Título 1"/>
+          <p:cNvSpPr>
+            <a:spLocks noGrp="1"/>
+          </p:cNvSpPr>
+          <p:nvPr>
+            <p:ph type="title"/>
+          </p:nvPr>
+        </p:nvSpPr>
+        <p:spPr>
+          <a:xfrm>
+            <a:off x="323528" y="332656"/>
+            <a:ext cx="6820240" cy="785794"/>
+          </a:xfrm>
+        </p:spPr>
+        <p:txBody>
+          <a:bodyPr>
+            <a:noAutofit/>
+          </a:bodyPr>
+          <a:lstStyle/>
+          <a:p>
+            <a:pPr>
+              <a:defRPr/>
+            </a:pPr>
+            <a:r>
+              <a:rPr lang="pt-BR" dirty="0" smtClean="0"/>
+              <a:t>Modelo de Dados</a:t>
+            </a:r>
+            <a:endParaRPr lang="pt-BR" dirty="0"/>
+          </a:p>
+        </p:txBody>
+      </p:sp>
+      <p:sp>
+        <p:nvSpPr>
+          <p:cNvPr id="19459" name="Espaço Reservado para Número de Slide 5"/>
+          <p:cNvSpPr txBox="1">
+            <a:spLocks noGrp="1"/>
+          </p:cNvSpPr>
+          <p:nvPr/>
+        </p:nvSpPr>
+        <p:spPr bwMode="auto">
+          <a:xfrm>
+            <a:off x="8204200" y="6643688"/>
+            <a:ext cx="796925" cy="179387"/>
+          </a:xfrm>
+          <a:prstGeom prst="rect">
+            <a:avLst/>
+          </a:prstGeom>
+          <a:noFill/>
+          <a:ln w="9525">
+            <a:noFill/>
+            <a:miter lim="800000"/>
+            <a:headEnd/>
+            <a:tailEnd/>
+          </a:ln>
+        </p:spPr>
+        <p:txBody>
+          <a:bodyPr bIns="0" anchor="b"/>
+          <a:lstStyle/>
+          <a:p>
+            <a:pPr algn="r"/>
+            <a:fld id="{0C91674F-D3B1-4E28-AF80-6550D6D5E435}" type="slidenum">
+              <a:rPr lang="pt-BR" sz="1200" b="1">
+                <a:solidFill>
+                  <a:schemeClr val="bg1"/>
+                </a:solidFill>
+                <a:latin typeface="Corbel" pitchFamily="34" charset="0"/>
+              </a:rPr>
+              <a:pPr algn="r"/>
+              <a:t>36</a:t>
+            </a:fld>
+            <a:endParaRPr lang="pt-BR" sz="1200" b="1" dirty="0">
+              <a:solidFill>
+                <a:schemeClr val="bg1"/>
+              </a:solidFill>
+              <a:latin typeface="Corbel" pitchFamily="34" charset="0"/>
+            </a:endParaRPr>
+          </a:p>
+        </p:txBody>
+      </p:sp>
+      <p:pic>
+        <p:nvPicPr>
+          <p:cNvPr id="7" name="Picture 6"/>
+          <p:cNvPicPr>
+            <a:picLocks noChangeAspect="1"/>
+          </p:cNvPicPr>
+          <p:nvPr/>
+        </p:nvPicPr>
+        <p:blipFill>
+          <a:blip r:embed="rId2" cstate="print">
+            <a:extLst>
+              <a:ext uri="{28A0092B-C50C-407E-A947-70E740481C1C}">
+                <a14:useLocalDpi xmlns:a14="http://schemas.microsoft.com/office/drawing/2010/main" val="0"/>
+              </a:ext>
+            </a:extLst>
+          </a:blip>
+          <a:stretch>
+            <a:fillRect/>
+          </a:stretch>
+        </p:blipFill>
+        <p:spPr>
+          <a:xfrm>
+            <a:off x="395536" y="1268760"/>
+            <a:ext cx="8280920" cy="4947943"/>
+          </a:xfrm>
+          <a:prstGeom prst="rect">
+            <a:avLst/>
+          </a:prstGeom>
+        </p:spPr>
+      </p:pic>
+    </p:spTree>
+  </p:cSld>
+  <p:clrMapOvr>
+    <a:masterClrMapping/>
+  </p:clrMapOvr>
+  <p:transition/>
+  <p:timing>
+    <p:tnLst>
+      <p:par>
+        <p:cTn id="1" dur="indefinite" restart="never" nodeType="tmRoot"/>
+      </p:par>
+    </p:tnLst>
+  </p:timing>
+</p:sld>
+</file>
+
+<file path=ppt/slides/slide37.xml><?xml version="1.0" encoding="utf-8"?>
+<p:sld xmlns:a="http://schemas.openxmlformats.org/drawingml/2006/main" xmlns:r="http://schemas.openxmlformats.org/officeDocument/2006/relationships" xmlns:p="http://schemas.openxmlformats.org/presentationml/2006/main">
+  <p:cSld>
+    <p:spTree>
+      <p:nvGrpSpPr>
+        <p:cNvPr id="1" name=""/>
+        <p:cNvGrpSpPr/>
+        <p:nvPr/>
+      </p:nvGrpSpPr>
+      <p:grpSpPr>
+        <a:xfrm>
+          <a:off x="0" y="0"/>
+          <a:ext cx="0" cy="0"/>
+          <a:chOff x="0" y="0"/>
+          <a:chExt cx="0" cy="0"/>
+        </a:xfrm>
+      </p:grpSpPr>
+      <p:sp>
+        <p:nvSpPr>
+          <p:cNvPr id="8" name="Espaço Reservado para Texto 7"/>
+          <p:cNvSpPr>
+            <a:spLocks noGrp="1"/>
+          </p:cNvSpPr>
+          <p:nvPr>
+            <p:ph type="body" idx="1"/>
+          </p:nvPr>
+        </p:nvSpPr>
+        <p:spPr/>
+        <p:txBody>
+          <a:bodyPr/>
+          <a:lstStyle/>
+          <a:p>
+            <a:r>
+              <a:rPr lang="pt-BR" dirty="0" smtClean="0"/>
+              <a:t>Apresentação Banca de Análise</a:t>
+            </a:r>
+          </a:p>
+        </p:txBody>
+      </p:sp>
+      <p:sp>
+        <p:nvSpPr>
+          <p:cNvPr id="9" name="Espaço Reservado para Texto 8"/>
+          <p:cNvSpPr>
+            <a:spLocks noGrp="1"/>
+          </p:cNvSpPr>
+          <p:nvPr>
+            <p:ph type="body" sz="quarter" idx="13"/>
+          </p:nvPr>
+        </p:nvSpPr>
+        <p:spPr>
+          <a:xfrm>
+            <a:off x="571472" y="2643206"/>
+            <a:ext cx="8280920" cy="4214818"/>
+          </a:xfrm>
+        </p:spPr>
+        <p:txBody>
+          <a:bodyPr>
+            <a:normAutofit/>
+          </a:bodyPr>
+          <a:lstStyle/>
+          <a:p>
+            <a:r>
+              <a:rPr lang="pt-BR" b="1" dirty="0" smtClean="0"/>
+              <a:t>Escopo do Projeto</a:t>
+            </a:r>
+          </a:p>
+          <a:p>
+            <a:r>
+              <a:rPr lang="pt-BR" b="1" dirty="0" smtClean="0"/>
+              <a:t>Modelagem de Negócio BPM</a:t>
+            </a:r>
+          </a:p>
+          <a:p>
+            <a:r>
+              <a:rPr lang="pt-BR" b="1" dirty="0" smtClean="0"/>
+              <a:t>Diagrama de Casos de Uso Geral</a:t>
+            </a:r>
+          </a:p>
+          <a:p>
+            <a:r>
+              <a:rPr lang="pt-BR" b="1" dirty="0" smtClean="0"/>
+              <a:t>Realização dos Casos de Uso</a:t>
+            </a:r>
+          </a:p>
+          <a:p>
+            <a:r>
+              <a:rPr lang="pt-BR" b="1" dirty="0" smtClean="0"/>
+              <a:t>Diagrama de Classes Geral</a:t>
+            </a:r>
+          </a:p>
+          <a:p>
+            <a:r>
+              <a:rPr lang="pt-BR" b="1" dirty="0" smtClean="0"/>
+              <a:t>Modelo de Dados</a:t>
+            </a:r>
+          </a:p>
+          <a:p>
+            <a:r>
+              <a:rPr lang="pt-BR" b="1" dirty="0" smtClean="0">
+                <a:solidFill>
+                  <a:schemeClr val="accent3">
+                    <a:lumMod val="50000"/>
+                  </a:schemeClr>
+                </a:solidFill>
+              </a:rPr>
+              <a:t>Análise de Mercado</a:t>
+            </a:r>
+          </a:p>
+        </p:txBody>
+      </p:sp>
+      <p:sp>
+        <p:nvSpPr>
+          <p:cNvPr id="7" name="Título 6"/>
+          <p:cNvSpPr>
+            <a:spLocks noGrp="1"/>
+          </p:cNvSpPr>
+          <p:nvPr>
+            <p:ph type="title"/>
+          </p:nvPr>
+        </p:nvSpPr>
+        <p:spPr/>
+        <p:txBody>
+          <a:bodyPr>
+            <a:normAutofit/>
+          </a:bodyPr>
+          <a:lstStyle/>
+          <a:p>
+            <a:r>
+              <a:rPr lang="pt-BR" dirty="0" smtClean="0"/>
+              <a:t>Agenda</a:t>
+            </a:r>
+            <a:endParaRPr lang="pt-BR" dirty="0"/>
+          </a:p>
+        </p:txBody>
+      </p:sp>
+    </p:spTree>
+  </p:cSld>
+  <p:clrMapOvr>
+    <a:masterClrMapping/>
+  </p:clrMapOvr>
+  <p:timing>
+    <p:tnLst>
+      <p:par>
+        <p:cTn id="1" dur="indefinite" restart="never" nodeType="tmRoot"/>
+      </p:par>
+    </p:tnLst>
+  </p:timing>
+</p:sld>
+</file>
+
+<file path=ppt/slides/slide38.xml><?xml version="1.0" encoding="utf-8"?>
+<p:sld xmlns:a="http://schemas.openxmlformats.org/drawingml/2006/main" xmlns:r="http://schemas.openxmlformats.org/officeDocument/2006/relationships" xmlns:p="http://schemas.openxmlformats.org/presentationml/2006/main">
+  <p:cSld>
+    <p:spTree>
+      <p:nvGrpSpPr>
+        <p:cNvPr id="1" name=""/>
+        <p:cNvGrpSpPr/>
+        <p:nvPr/>
+      </p:nvGrpSpPr>
+      <p:grpSpPr>
+        <a:xfrm>
+          <a:off x="0" y="0"/>
+          <a:ext cx="0" cy="0"/>
+          <a:chOff x="0" y="0"/>
+          <a:chExt cx="0" cy="0"/>
+        </a:xfrm>
+      </p:grpSpPr>
+      <p:sp>
+        <p:nvSpPr>
+          <p:cNvPr id="2" name="Título 1"/>
+          <p:cNvSpPr>
+            <a:spLocks noGrp="1"/>
+          </p:cNvSpPr>
+          <p:nvPr>
+            <p:ph type="title"/>
+          </p:nvPr>
+        </p:nvSpPr>
+        <p:spPr/>
+        <p:txBody>
+          <a:bodyPr>
+            <a:normAutofit/>
+          </a:bodyPr>
+          <a:lstStyle/>
+          <a:p>
+            <a:pPr>
+              <a:defRPr/>
+            </a:pPr>
+            <a:r>
+              <a:rPr lang="pt-BR" dirty="0" smtClean="0"/>
+              <a:t>Análise de Mercado</a:t>
+            </a:r>
+            <a:endParaRPr lang="pt-BR" dirty="0"/>
+          </a:p>
+        </p:txBody>
+      </p:sp>
+      <p:sp>
+        <p:nvSpPr>
+          <p:cNvPr id="19459" name="Espaço Reservado para Número de Slide 5"/>
+          <p:cNvSpPr txBox="1">
+            <a:spLocks noGrp="1"/>
+          </p:cNvSpPr>
+          <p:nvPr/>
+        </p:nvSpPr>
+        <p:spPr bwMode="auto">
+          <a:xfrm>
+            <a:off x="8204200" y="6643688"/>
+            <a:ext cx="796925" cy="179387"/>
+          </a:xfrm>
+          <a:prstGeom prst="rect">
+            <a:avLst/>
+          </a:prstGeom>
+          <a:noFill/>
+          <a:ln w="9525">
+            <a:noFill/>
+            <a:miter lim="800000"/>
+            <a:headEnd/>
+            <a:tailEnd/>
+          </a:ln>
+        </p:spPr>
+        <p:txBody>
+          <a:bodyPr bIns="0" anchor="b"/>
+          <a:lstStyle/>
+          <a:p>
+            <a:pPr algn="r"/>
+            <a:fld id="{0C91674F-D3B1-4E28-AF80-6550D6D5E435}" type="slidenum">
+              <a:rPr lang="pt-BR" sz="1200" b="1">
+                <a:solidFill>
+                  <a:schemeClr val="bg1"/>
+                </a:solidFill>
+                <a:latin typeface="Corbel" pitchFamily="34" charset="0"/>
+              </a:rPr>
+              <a:pPr algn="r"/>
+              <a:t>38</a:t>
+            </a:fld>
+            <a:endParaRPr lang="pt-BR" sz="1200" b="1" dirty="0">
+              <a:solidFill>
+                <a:schemeClr val="bg1"/>
+              </a:solidFill>
+              <a:latin typeface="Corbel" pitchFamily="34" charset="0"/>
+            </a:endParaRPr>
+          </a:p>
+        </p:txBody>
+      </p:sp>
+      <p:sp>
+        <p:nvSpPr>
+          <p:cNvPr id="3" name="Content Placeholder 2"/>
+          <p:cNvSpPr>
+            <a:spLocks noGrp="1"/>
+          </p:cNvSpPr>
+          <p:nvPr>
+            <p:ph idx="1"/>
+          </p:nvPr>
+        </p:nvSpPr>
+        <p:spPr/>
+        <p:txBody>
+          <a:bodyPr/>
+          <a:lstStyle/>
+          <a:p>
+            <a:r>
+              <a:rPr lang="pt-BR" dirty="0"/>
+              <a:t>Nome Programa: Goniômetro (G-pro</a:t>
+            </a:r>
+            <a:r>
+              <a:rPr lang="pt-BR" dirty="0" smtClean="0"/>
+              <a:t>)</a:t>
+            </a:r>
+          </a:p>
+          <a:p>
+            <a:r>
+              <a:rPr lang="pt-BR" dirty="0"/>
+              <a:t>Funcionalidades: Medir amplitude dos movimentos dos pacientes de forma rápida e </a:t>
+            </a:r>
+            <a:r>
+              <a:rPr lang="pt-BR" dirty="0" smtClean="0"/>
+              <a:t>precisa</a:t>
+            </a:r>
+          </a:p>
+          <a:p>
+            <a:r>
+              <a:rPr lang="pt-BR" dirty="0"/>
+              <a:t>Pontos Fortes: Produto altamente inovador, fornecido de forma gratuita e de desenvolvimento </a:t>
+            </a:r>
+            <a:r>
+              <a:rPr lang="pt-BR" dirty="0" smtClean="0"/>
+              <a:t>complexo</a:t>
+            </a:r>
+          </a:p>
+          <a:p>
+            <a:r>
+              <a:rPr lang="pt-BR" dirty="0"/>
+              <a:t>Pontos Fracos: Suporte não tem uma boa qualidade.</a:t>
+            </a:r>
+          </a:p>
+        </p:txBody>
+      </p:sp>
+    </p:spTree>
+  </p:cSld>
+  <p:clrMapOvr>
+    <a:masterClrMapping/>
+  </p:clrMapOvr>
+  <p:transition/>
+  <p:timing>
+    <p:tnLst>
+      <p:par>
+        <p:cTn id="1" dur="indefinite" restart="never" nodeType="tmRoot"/>
+      </p:par>
+    </p:tnLst>
+  </p:timing>
+</p:sld>
+</file>
+
+<file path=ppt/slides/slide39.xml><?xml version="1.0" encoding="utf-8"?>
+<p:sld xmlns:a="http://schemas.openxmlformats.org/drawingml/2006/main" xmlns:r="http://schemas.openxmlformats.org/officeDocument/2006/relationships" xmlns:p="http://schemas.openxmlformats.org/presentationml/2006/main">
+  <p:cSld>
+    <p:spTree>
+      <p:nvGrpSpPr>
+        <p:cNvPr id="1" name=""/>
+        <p:cNvGrpSpPr/>
+        <p:nvPr/>
+      </p:nvGrpSpPr>
+      <p:grpSpPr>
+        <a:xfrm>
+          <a:off x="0" y="0"/>
+          <a:ext cx="0" cy="0"/>
+          <a:chOff x="0" y="0"/>
+          <a:chExt cx="0" cy="0"/>
+        </a:xfrm>
+      </p:grpSpPr>
+      <p:sp>
+        <p:nvSpPr>
+          <p:cNvPr id="2" name="Content Placeholder 1"/>
+          <p:cNvSpPr>
+            <a:spLocks noGrp="1"/>
+          </p:cNvSpPr>
+          <p:nvPr>
+            <p:ph idx="1"/>
+          </p:nvPr>
+        </p:nvSpPr>
+        <p:spPr/>
+        <p:txBody>
+          <a:bodyPr/>
+          <a:lstStyle/>
+          <a:p>
+            <a:r>
+              <a:rPr lang="pt-BR" dirty="0"/>
+              <a:t>Diferencial: Produto inovador e confiável, testado em diversas áreas da saúde como fisioterapia, radiologia e quiropraxia</a:t>
+            </a:r>
+            <a:r>
+              <a:rPr lang="pt-BR" dirty="0" smtClean="0"/>
+              <a:t>.</a:t>
+            </a:r>
+          </a:p>
+          <a:p>
+            <a:r>
+              <a:rPr lang="pt-BR" dirty="0" smtClean="0"/>
+              <a:t>Aonde encontrar: Google Play e AppStore</a:t>
+            </a:r>
+          </a:p>
+          <a:p>
+            <a:endParaRPr lang="pt-BR" dirty="0"/>
+          </a:p>
+        </p:txBody>
+      </p:sp>
+      <p:sp>
+        <p:nvSpPr>
+          <p:cNvPr id="3" name="Slide Number Placeholder 2"/>
+          <p:cNvSpPr>
+            <a:spLocks noGrp="1"/>
+          </p:cNvSpPr>
+          <p:nvPr>
+            <p:ph type="sldNum" sz="quarter" idx="12"/>
+          </p:nvPr>
+        </p:nvSpPr>
+        <p:spPr/>
+        <p:txBody>
+          <a:bodyPr/>
+          <a:lstStyle/>
+          <a:p>
+            <a:fld id="{031FACD5-5EC0-4CE0-9156-9F2704C0507A}" type="slidenum">
+              <a:rPr lang="pt-BR" smtClean="0"/>
+              <a:pPr/>
+              <a:t>39</a:t>
+            </a:fld>
+            <a:endParaRPr lang="pt-BR"/>
+          </a:p>
+        </p:txBody>
+      </p:sp>
+      <p:sp>
+        <p:nvSpPr>
+          <p:cNvPr id="4" name="Title 3"/>
+          <p:cNvSpPr>
+            <a:spLocks noGrp="1"/>
+          </p:cNvSpPr>
+          <p:nvPr>
+            <p:ph type="title"/>
+          </p:nvPr>
+        </p:nvSpPr>
+        <p:spPr/>
+        <p:txBody>
+          <a:bodyPr>
+            <a:normAutofit/>
+          </a:bodyPr>
+          <a:lstStyle/>
+          <a:p>
+            <a:r>
+              <a:rPr lang="pt-BR" dirty="0"/>
+              <a:t>Goniômetro (G-pro</a:t>
+            </a:r>
+            <a:r>
+              <a:rPr lang="pt-BR" dirty="0" smtClean="0"/>
+              <a:t>)</a:t>
+            </a:r>
+            <a:endParaRPr lang="pt-BR" dirty="0"/>
+          </a:p>
+        </p:txBody>
+      </p:sp>
+      <p:pic>
+        <p:nvPicPr>
+          <p:cNvPr id="5" name="Picture 4"/>
+          <p:cNvPicPr>
+            <a:picLocks noChangeAspect="1"/>
+          </p:cNvPicPr>
+          <p:nvPr/>
+        </p:nvPicPr>
+        <p:blipFill>
+          <a:blip r:embed="rId2" cstate="print">
+            <a:extLst>
+              <a:ext uri="{28A0092B-C50C-407E-A947-70E740481C1C}">
+                <a14:useLocalDpi xmlns:a14="http://schemas.microsoft.com/office/drawing/2010/main" val="0"/>
+              </a:ext>
+            </a:extLst>
+          </a:blip>
+          <a:stretch>
+            <a:fillRect/>
+          </a:stretch>
+        </p:blipFill>
+        <p:spPr>
+          <a:xfrm>
+            <a:off x="2411760" y="3356992"/>
+            <a:ext cx="4536504" cy="2008038"/>
+          </a:xfrm>
+          <a:prstGeom prst="rect">
+            <a:avLst/>
+          </a:prstGeom>
+        </p:spPr>
+      </p:pic>
+    </p:spTree>
+    <p:extLst>
+      <p:ext uri="{BB962C8B-B14F-4D97-AF65-F5344CB8AC3E}">
+        <p14:creationId xmlns:p14="http://schemas.microsoft.com/office/powerpoint/2010/main" val="3099236942"/>
+      </p:ext>
+    </p:extLst>
   </p:cSld>
   <p:clrMapOvr>
     <a:masterClrMapping/>
@@ -4164,86 +7567,100 @@
       </p:grpSpPr>
       <p:sp>
         <p:nvSpPr>
-          <p:cNvPr id="45061" name="Espaço Reservado para Conteúdo 10"/>
-          <p:cNvSpPr>
-            <a:spLocks noGrp="1"/>
-          </p:cNvSpPr>
-          <p:nvPr>
-            <p:ph idx="1"/>
+          <p:cNvPr id="8" name="Espaço Reservado para Texto 7"/>
+          <p:cNvSpPr>
+            <a:spLocks noGrp="1"/>
+          </p:cNvSpPr>
+          <p:nvPr>
+            <p:ph type="body" idx="1"/>
           </p:nvPr>
         </p:nvSpPr>
         <p:spPr/>
         <p:txBody>
+          <a:bodyPr/>
+          <a:lstStyle/>
+          <a:p>
+            <a:r>
+              <a:rPr lang="pt-BR" dirty="0" smtClean="0"/>
+              <a:t>Apresentação Banca de Análise</a:t>
+            </a:r>
+          </a:p>
+        </p:txBody>
+      </p:sp>
+      <p:sp>
+        <p:nvSpPr>
+          <p:cNvPr id="9" name="Espaço Reservado para Texto 8"/>
+          <p:cNvSpPr>
+            <a:spLocks noGrp="1"/>
+          </p:cNvSpPr>
+          <p:nvPr>
+            <p:ph type="body" sz="quarter" idx="13"/>
+          </p:nvPr>
+        </p:nvSpPr>
+        <p:spPr>
+          <a:xfrm>
+            <a:off x="571472" y="2643206"/>
+            <a:ext cx="8280920" cy="4214818"/>
+          </a:xfrm>
+        </p:spPr>
+        <p:txBody>
           <a:bodyPr>
-            <a:noAutofit/>
+            <a:normAutofit/>
           </a:bodyPr>
           <a:lstStyle/>
           <a:p>
             <a:r>
-              <a:rPr lang="pt-BR" dirty="0" smtClean="0">
+              <a:rPr lang="pt-BR" b="1" dirty="0" smtClean="0"/>
+              <a:t>Escopo do Projeto</a:t>
+            </a:r>
+          </a:p>
+          <a:p>
+            <a:r>
+              <a:rPr lang="pt-BR" b="1" dirty="0" smtClean="0">
                 <a:solidFill>
-                  <a:schemeClr val="bg2">
-                    <a:lumMod val="10000"/>
+                  <a:schemeClr val="accent3">
+                    <a:lumMod val="50000"/>
                   </a:schemeClr>
                 </a:solidFill>
               </a:rPr>
-              <a:t>Apresentar nesse tópico sobre o seu projeto:</a:t>
-            </a:r>
-          </a:p>
-          <a:p>
-            <a:pPr lvl="1"/>
-            <a:r>
-              <a:rPr lang="pt-BR" dirty="0" err="1" smtClean="0">
-                <a:solidFill>
-                  <a:schemeClr val="bg2">
-                    <a:lumMod val="10000"/>
-                  </a:schemeClr>
-                </a:solidFill>
-              </a:rPr>
-              <a:t>Ideia</a:t>
-            </a:r>
-            <a:r>
-              <a:rPr lang="pt-BR" dirty="0" smtClean="0">
-                <a:solidFill>
-                  <a:schemeClr val="bg2">
-                    <a:lumMod val="10000"/>
-                  </a:schemeClr>
-                </a:solidFill>
-              </a:rPr>
-              <a:t> principal</a:t>
-            </a:r>
-          </a:p>
-          <a:p>
-            <a:pPr lvl="1"/>
-            <a:r>
-              <a:rPr lang="pt-BR" dirty="0" smtClean="0">
-                <a:solidFill>
-                  <a:schemeClr val="bg2">
-                    <a:lumMod val="10000"/>
-                  </a:schemeClr>
-                </a:solidFill>
-              </a:rPr>
-              <a:t>Finalidade</a:t>
-            </a:r>
-          </a:p>
-          <a:p>
-            <a:pPr lvl="1"/>
-            <a:r>
-              <a:rPr lang="pt-BR" dirty="0" smtClean="0">
-                <a:solidFill>
-                  <a:schemeClr val="bg2">
-                    <a:lumMod val="10000"/>
-                  </a:schemeClr>
-                </a:solidFill>
-              </a:rPr>
-              <a:t>Público alvo</a:t>
-            </a:r>
-          </a:p>
-        </p:txBody>
-      </p:sp>
-      <p:sp>
-        <p:nvSpPr>
-          <p:cNvPr id="2" name="Título 1"/>
+              <a:t>Modelagem de Negócio BPM</a:t>
+            </a:r>
+          </a:p>
+          <a:p>
+            <a:r>
+              <a:rPr lang="pt-BR" b="1" dirty="0" smtClean="0"/>
+              <a:t>Diagrama de Casos de Uso Geral</a:t>
+            </a:r>
+          </a:p>
+          <a:p>
+            <a:r>
+              <a:rPr lang="pt-BR" b="1" dirty="0" smtClean="0"/>
+              <a:t>Realização dos Casos de Uso</a:t>
+            </a:r>
+          </a:p>
+          <a:p>
+            <a:r>
+              <a:rPr lang="pt-BR" b="1" dirty="0" smtClean="0"/>
+              <a:t>Diagrama de Classes Geral</a:t>
+            </a:r>
+          </a:p>
+          <a:p>
+            <a:r>
+              <a:rPr lang="pt-BR" b="1" dirty="0" smtClean="0"/>
+              <a:t>Modelo de Dados</a:t>
+            </a:r>
+          </a:p>
+          <a:p>
+            <a:r>
+              <a:rPr lang="pt-BR" b="1" dirty="0" smtClean="0"/>
+              <a:t>Análise de Mercado</a:t>
+            </a:r>
+          </a:p>
+        </p:txBody>
+      </p:sp>
+      <p:sp>
+        <p:nvSpPr>
+          <p:cNvPr id="7" name="Título 6"/>
           <p:cNvSpPr>
             <a:spLocks noGrp="1"/>
           </p:cNvSpPr>
@@ -4258,12 +7675,410 @@
           </a:bodyPr>
           <a:lstStyle/>
           <a:p>
-            <a:pPr>
+            <a:r>
+              <a:rPr lang="pt-BR" dirty="0" smtClean="0"/>
+              <a:t>Agenda</a:t>
+            </a:r>
+            <a:endParaRPr lang="pt-BR" dirty="0"/>
+          </a:p>
+        </p:txBody>
+      </p:sp>
+    </p:spTree>
+  </p:cSld>
+  <p:clrMapOvr>
+    <a:masterClrMapping/>
+  </p:clrMapOvr>
+  <p:timing>
+    <p:tnLst>
+      <p:par>
+        <p:cTn id="1" dur="indefinite" restart="never" nodeType="tmRoot"/>
+      </p:par>
+    </p:tnLst>
+  </p:timing>
+</p:sld>
+</file>
+
+<file path=ppt/slides/slide40.xml><?xml version="1.0" encoding="utf-8"?>
+<p:sld xmlns:a="http://schemas.openxmlformats.org/drawingml/2006/main" xmlns:r="http://schemas.openxmlformats.org/officeDocument/2006/relationships" xmlns:p="http://schemas.openxmlformats.org/presentationml/2006/main">
+  <p:cSld>
+    <p:spTree>
+      <p:nvGrpSpPr>
+        <p:cNvPr id="1" name=""/>
+        <p:cNvGrpSpPr/>
+        <p:nvPr/>
+      </p:nvGrpSpPr>
+      <p:grpSpPr>
+        <a:xfrm>
+          <a:off x="0" y="0"/>
+          <a:ext cx="0" cy="0"/>
+          <a:chOff x="0" y="0"/>
+          <a:chExt cx="0" cy="0"/>
+        </a:xfrm>
+      </p:grpSpPr>
+      <p:sp>
+        <p:nvSpPr>
+          <p:cNvPr id="3" name="Slide Number Placeholder 2"/>
+          <p:cNvSpPr>
+            <a:spLocks noGrp="1"/>
+          </p:cNvSpPr>
+          <p:nvPr>
+            <p:ph type="sldNum" sz="quarter" idx="12"/>
+          </p:nvPr>
+        </p:nvSpPr>
+        <p:spPr/>
+        <p:txBody>
+          <a:bodyPr/>
+          <a:lstStyle/>
+          <a:p>
+            <a:fld id="{031FACD5-5EC0-4CE0-9156-9F2704C0507A}" type="slidenum">
+              <a:rPr lang="pt-BR" smtClean="0"/>
+              <a:pPr/>
+              <a:t>40</a:t>
+            </a:fld>
+            <a:endParaRPr lang="pt-BR"/>
+          </a:p>
+        </p:txBody>
+      </p:sp>
+      <p:sp>
+        <p:nvSpPr>
+          <p:cNvPr id="4" name="Title 3"/>
+          <p:cNvSpPr>
+            <a:spLocks noGrp="1"/>
+          </p:cNvSpPr>
+          <p:nvPr>
+            <p:ph type="title"/>
+          </p:nvPr>
+        </p:nvSpPr>
+        <p:spPr/>
+        <p:txBody>
+          <a:bodyPr/>
+          <a:lstStyle/>
+          <a:p>
+            <a:r>
+              <a:rPr lang="pt-BR" dirty="0"/>
+              <a:t>Análise de Mercado</a:t>
+            </a:r>
+          </a:p>
+        </p:txBody>
+      </p:sp>
+      <p:sp>
+        <p:nvSpPr>
+          <p:cNvPr id="5" name="Content Placeholder 2"/>
+          <p:cNvSpPr>
+            <a:spLocks noGrp="1"/>
+          </p:cNvSpPr>
+          <p:nvPr>
+            <p:ph idx="1"/>
+          </p:nvPr>
+        </p:nvSpPr>
+        <p:spPr>
+          <a:xfrm>
+            <a:off x="323528" y="1196752"/>
+            <a:ext cx="8568952" cy="5328592"/>
+          </a:xfrm>
+        </p:spPr>
+        <p:txBody>
+          <a:bodyPr/>
+          <a:lstStyle/>
+          <a:p>
+            <a:r>
+              <a:rPr lang="pt-BR" dirty="0"/>
+              <a:t>Nome Programa: </a:t>
+            </a:r>
+            <a:r>
+              <a:rPr lang="pt-BR" dirty="0" smtClean="0"/>
+              <a:t>VideoXs</a:t>
+            </a:r>
+          </a:p>
+          <a:p>
+            <a:r>
+              <a:rPr lang="pt-BR" dirty="0" smtClean="0"/>
+              <a:t>Funcionalidades</a:t>
+            </a:r>
+            <a:r>
+              <a:rPr lang="pt-BR" dirty="0"/>
+              <a:t>: Feito para garantir a prática correta de exercicios tanto em casa, como na academia e esportes em </a:t>
+            </a:r>
+            <a:r>
+              <a:rPr lang="pt-BR" dirty="0" smtClean="0"/>
+              <a:t>geral</a:t>
+            </a:r>
+          </a:p>
+          <a:p>
+            <a:r>
+              <a:rPr lang="pt-BR" dirty="0" smtClean="0"/>
+              <a:t>Pontos </a:t>
+            </a:r>
+            <a:r>
+              <a:rPr lang="pt-BR" dirty="0"/>
+              <a:t>Fortes: Determina pontos especificos do corpo a serem trabalhados, identifica problemas chave do paciente, determina objetivos e tempo para </a:t>
+            </a:r>
+            <a:r>
+              <a:rPr lang="pt-BR" dirty="0" smtClean="0"/>
+              <a:t>solução</a:t>
+            </a:r>
+          </a:p>
+          <a:p>
+            <a:r>
+              <a:rPr lang="pt-BR" dirty="0" smtClean="0"/>
+              <a:t>Pontos </a:t>
+            </a:r>
+            <a:r>
+              <a:rPr lang="pt-BR" dirty="0"/>
+              <a:t>Fracos: Disponível apenas para dispositivos </a:t>
+            </a:r>
+            <a:r>
+              <a:rPr lang="pt-BR" dirty="0" smtClean="0"/>
+              <a:t>Apple</a:t>
+            </a:r>
+          </a:p>
+          <a:p>
+            <a:pPr marL="118872" indent="0">
+              <a:buNone/>
+            </a:pPr>
+            <a:endParaRPr lang="pt-BR" dirty="0"/>
+          </a:p>
+        </p:txBody>
+      </p:sp>
+    </p:spTree>
+    <p:extLst>
+      <p:ext uri="{BB962C8B-B14F-4D97-AF65-F5344CB8AC3E}">
+        <p14:creationId xmlns:p14="http://schemas.microsoft.com/office/powerpoint/2010/main" val="2604604405"/>
+      </p:ext>
+    </p:extLst>
+  </p:cSld>
+  <p:clrMapOvr>
+    <a:masterClrMapping/>
+  </p:clrMapOvr>
+  <p:timing>
+    <p:tnLst>
+      <p:par>
+        <p:cTn id="1" dur="indefinite" restart="never" nodeType="tmRoot"/>
+      </p:par>
+    </p:tnLst>
+  </p:timing>
+</p:sld>
+</file>
+
+<file path=ppt/slides/slide41.xml><?xml version="1.0" encoding="utf-8"?>
+<p:sld xmlns:a="http://schemas.openxmlformats.org/drawingml/2006/main" xmlns:r="http://schemas.openxmlformats.org/officeDocument/2006/relationships" xmlns:p="http://schemas.openxmlformats.org/presentationml/2006/main">
+  <p:cSld>
+    <p:spTree>
+      <p:nvGrpSpPr>
+        <p:cNvPr id="1" name=""/>
+        <p:cNvGrpSpPr/>
+        <p:nvPr/>
+      </p:nvGrpSpPr>
+      <p:grpSpPr>
+        <a:xfrm>
+          <a:off x="0" y="0"/>
+          <a:ext cx="0" cy="0"/>
+          <a:chOff x="0" y="0"/>
+          <a:chExt cx="0" cy="0"/>
+        </a:xfrm>
+      </p:grpSpPr>
+      <p:sp>
+        <p:nvSpPr>
+          <p:cNvPr id="3" name="Slide Number Placeholder 2"/>
+          <p:cNvSpPr>
+            <a:spLocks noGrp="1"/>
+          </p:cNvSpPr>
+          <p:nvPr>
+            <p:ph type="sldNum" sz="quarter" idx="12"/>
+          </p:nvPr>
+        </p:nvSpPr>
+        <p:spPr/>
+        <p:txBody>
+          <a:bodyPr/>
+          <a:lstStyle/>
+          <a:p>
+            <a:fld id="{031FACD5-5EC0-4CE0-9156-9F2704C0507A}" type="slidenum">
+              <a:rPr lang="pt-BR" smtClean="0"/>
+              <a:pPr/>
+              <a:t>41</a:t>
+            </a:fld>
+            <a:endParaRPr lang="pt-BR"/>
+          </a:p>
+        </p:txBody>
+      </p:sp>
+      <p:sp>
+        <p:nvSpPr>
+          <p:cNvPr id="4" name="Title 3"/>
+          <p:cNvSpPr>
+            <a:spLocks noGrp="1"/>
+          </p:cNvSpPr>
+          <p:nvPr>
+            <p:ph type="title"/>
+          </p:nvPr>
+        </p:nvSpPr>
+        <p:spPr/>
+        <p:txBody>
+          <a:bodyPr>
+            <a:normAutofit/>
+          </a:bodyPr>
+          <a:lstStyle/>
+          <a:p>
+            <a:r>
+              <a:rPr lang="pt-BR" dirty="0" smtClean="0"/>
+              <a:t>VideoXs</a:t>
+            </a:r>
+            <a:endParaRPr lang="pt-BR" dirty="0"/>
+          </a:p>
+        </p:txBody>
+      </p:sp>
+      <p:sp>
+        <p:nvSpPr>
+          <p:cNvPr id="5" name="Content Placeholder 1"/>
+          <p:cNvSpPr>
+            <a:spLocks noGrp="1"/>
+          </p:cNvSpPr>
+          <p:nvPr>
+            <p:ph idx="1"/>
+          </p:nvPr>
+        </p:nvSpPr>
+        <p:spPr>
+          <a:xfrm>
+            <a:off x="323528" y="1196752"/>
+            <a:ext cx="8568952" cy="5328592"/>
+          </a:xfrm>
+        </p:spPr>
+        <p:txBody>
+          <a:bodyPr/>
+          <a:lstStyle/>
+          <a:p>
+            <a:r>
+              <a:rPr lang="pt-BR" dirty="0"/>
+              <a:t>Diferencial: Profissionais podem realizar o acompanhamento do paciente "a distância", garantindo uma melhor evolução dos pacientes</a:t>
+            </a:r>
+            <a:endParaRPr lang="pt-BR" dirty="0" smtClean="0"/>
+          </a:p>
+          <a:p>
+            <a:r>
+              <a:rPr lang="pt-BR" dirty="0" smtClean="0"/>
+              <a:t>Aonde encontrar: AppStore</a:t>
+            </a:r>
+          </a:p>
+          <a:p>
+            <a:endParaRPr lang="pt-BR" dirty="0"/>
+          </a:p>
+        </p:txBody>
+      </p:sp>
+      <p:pic>
+        <p:nvPicPr>
+          <p:cNvPr id="6" name="Picture 5"/>
+          <p:cNvPicPr>
+            <a:picLocks noChangeAspect="1"/>
+          </p:cNvPicPr>
+          <p:nvPr/>
+        </p:nvPicPr>
+        <p:blipFill>
+          <a:blip r:embed="rId2"/>
+          <a:stretch>
+            <a:fillRect/>
+          </a:stretch>
+        </p:blipFill>
+        <p:spPr>
+          <a:xfrm>
+            <a:off x="1331640" y="3356992"/>
+            <a:ext cx="6840760" cy="2520280"/>
+          </a:xfrm>
+          <a:prstGeom prst="rect">
+            <a:avLst/>
+          </a:prstGeom>
+        </p:spPr>
+      </p:pic>
+    </p:spTree>
+    <p:extLst>
+      <p:ext uri="{BB962C8B-B14F-4D97-AF65-F5344CB8AC3E}">
+        <p14:creationId xmlns:p14="http://schemas.microsoft.com/office/powerpoint/2010/main" val="1036328340"/>
+      </p:ext>
+    </p:extLst>
+  </p:cSld>
+  <p:clrMapOvr>
+    <a:masterClrMapping/>
+  </p:clrMapOvr>
+  <p:timing>
+    <p:tnLst>
+      <p:par>
+        <p:cTn id="1" dur="indefinite" restart="never" nodeType="tmRoot"/>
+      </p:par>
+    </p:tnLst>
+  </p:timing>
+</p:sld>
+</file>
+
+<file path=ppt/slides/slide42.xml><?xml version="1.0" encoding="utf-8"?>
+<p:sld xmlns:a="http://schemas.openxmlformats.org/drawingml/2006/main" xmlns:r="http://schemas.openxmlformats.org/officeDocument/2006/relationships" xmlns:p="http://schemas.openxmlformats.org/presentationml/2006/main">
+  <p:cSld>
+    <p:spTree>
+      <p:nvGrpSpPr>
+        <p:cNvPr id="1" name=""/>
+        <p:cNvGrpSpPr/>
+        <p:nvPr/>
+      </p:nvGrpSpPr>
+      <p:grpSpPr>
+        <a:xfrm>
+          <a:off x="0" y="0"/>
+          <a:ext cx="0" cy="0"/>
+          <a:chOff x="0" y="0"/>
+          <a:chExt cx="0" cy="0"/>
+        </a:xfrm>
+      </p:grpSpPr>
+      <p:sp>
+        <p:nvSpPr>
+          <p:cNvPr id="7" name="Espaço Reservado para Texto 6"/>
+          <p:cNvSpPr>
+            <a:spLocks noGrp="1"/>
+          </p:cNvSpPr>
+          <p:nvPr>
+            <p:ph type="body" idx="1"/>
+          </p:nvPr>
+        </p:nvSpPr>
+        <p:spPr/>
+        <p:txBody>
+          <a:bodyPr/>
+          <a:lstStyle/>
+          <a:p>
+            <a:pPr algn="r"/>
+            <a:r>
+              <a:rPr lang="en-US" dirty="0" smtClean="0"/>
+              <a:t>emailAluno1</a:t>
+            </a:r>
+          </a:p>
+          <a:p>
+            <a:pPr algn="r"/>
+            <a:r>
+              <a:rPr lang="pt-BR" dirty="0" smtClean="0"/>
+              <a:t>emailAluno2</a:t>
+            </a:r>
+            <a:endParaRPr lang="en-US" dirty="0"/>
+          </a:p>
+        </p:txBody>
+      </p:sp>
+      <p:sp>
+        <p:nvSpPr>
+          <p:cNvPr id="2" name="Título 1"/>
+          <p:cNvSpPr>
+            <a:spLocks noGrp="1"/>
+          </p:cNvSpPr>
+          <p:nvPr>
+            <p:ph type="title"/>
+          </p:nvPr>
+        </p:nvSpPr>
+        <p:spPr/>
+        <p:txBody>
+          <a:bodyPr/>
+          <a:lstStyle/>
+          <a:p>
+            <a:pPr eaLnBrk="1" fontAlgn="auto" hangingPunct="1">
+              <a:spcAft>
+                <a:spcPts val="0"/>
+              </a:spcAft>
               <a:defRPr/>
             </a:pPr>
             <a:r>
               <a:rPr lang="pt-BR" dirty="0" smtClean="0"/>
-              <a:t>Escopo do Projeto</a:t>
+              <a:t>Obrigado!</a:t>
             </a:r>
             <a:endParaRPr lang="pt-BR" dirty="0"/>
           </a:p>
@@ -4306,7 +8121,7 @@
                 <a:latin typeface="Corbel" pitchFamily="34" charset="0"/>
               </a:rPr>
               <a:pPr algn="r"/>
-              <a:t>4</a:t>
+              <a:t>42</a:t>
             </a:fld>
             <a:endParaRPr lang="pt-BR" sz="1200" b="1" dirty="0">
               <a:solidFill>
@@ -4322,7 +8137,9 @@
   <p:clrMapOvr>
     <a:masterClrMapping/>
   </p:clrMapOvr>
-  <p:transition/>
+  <p:transition>
+    <p:wipe dir="u"/>
+  </p:transition>
   <p:timing>
     <p:tnLst>
       <p:par>
@@ -4352,127 +8169,120 @@
       </p:grpSpPr>
       <p:sp>
         <p:nvSpPr>
-          <p:cNvPr id="8" name="Espaço Reservado para Texto 7"/>
-          <p:cNvSpPr>
-            <a:spLocks noGrp="1"/>
-          </p:cNvSpPr>
-          <p:nvPr>
-            <p:ph type="body" idx="1"/>
-          </p:nvPr>
-        </p:nvSpPr>
-        <p:spPr/>
-        <p:txBody>
-          <a:bodyPr/>
-          <a:lstStyle/>
-          <a:p>
-            <a:r>
-              <a:rPr lang="pt-BR" dirty="0" smtClean="0"/>
-              <a:t>Apresentação Banca de Análise</a:t>
-            </a:r>
-          </a:p>
-        </p:txBody>
-      </p:sp>
-      <p:sp>
-        <p:nvSpPr>
-          <p:cNvPr id="9" name="Espaço Reservado para Texto 8"/>
-          <p:cNvSpPr>
-            <a:spLocks noGrp="1"/>
-          </p:cNvSpPr>
-          <p:nvPr>
-            <p:ph type="body" sz="quarter" idx="13"/>
+          <p:cNvPr id="2" name="Título 1"/>
+          <p:cNvSpPr>
+            <a:spLocks noGrp="1"/>
+          </p:cNvSpPr>
+          <p:nvPr>
+            <p:ph type="title"/>
           </p:nvPr>
         </p:nvSpPr>
         <p:spPr>
           <a:xfrm>
-            <a:off x="571472" y="2643206"/>
-            <a:ext cx="8280920" cy="4214818"/>
+            <a:off x="323528" y="332656"/>
+            <a:ext cx="6820240" cy="785794"/>
           </a:xfrm>
         </p:spPr>
         <p:txBody>
           <a:bodyPr>
-            <a:normAutofit/>
+            <a:noAutofit/>
           </a:bodyPr>
           <a:lstStyle/>
           <a:p>
-            <a:r>
-              <a:rPr lang="pt-BR" b="1" dirty="0" smtClean="0"/>
-              <a:t>Escopo do Projeto</a:t>
-            </a:r>
-          </a:p>
-          <a:p>
-            <a:r>
-              <a:rPr lang="pt-BR" b="1" dirty="0" smtClean="0">
+            <a:pPr>
+              <a:defRPr/>
+            </a:pPr>
+            <a:r>
+              <a:rPr lang="pt-BR" sz="4200" dirty="0" smtClean="0"/>
+              <a:t>Modelagem de Negócio BPM</a:t>
+            </a:r>
+            <a:endParaRPr lang="pt-BR" sz="4200" dirty="0"/>
+          </a:p>
+        </p:txBody>
+      </p:sp>
+      <p:sp>
+        <p:nvSpPr>
+          <p:cNvPr id="19459" name="Espaço Reservado para Número de Slide 5"/>
+          <p:cNvSpPr txBox="1">
+            <a:spLocks noGrp="1"/>
+          </p:cNvSpPr>
+          <p:nvPr/>
+        </p:nvSpPr>
+        <p:spPr bwMode="auto">
+          <a:xfrm>
+            <a:off x="8204200" y="6643688"/>
+            <a:ext cx="796925" cy="179387"/>
+          </a:xfrm>
+          <a:prstGeom prst="rect">
+            <a:avLst/>
+          </a:prstGeom>
+          <a:noFill/>
+          <a:ln w="9525">
+            <a:noFill/>
+            <a:miter lim="800000"/>
+            <a:headEnd/>
+            <a:tailEnd/>
+          </a:ln>
+        </p:spPr>
+        <p:txBody>
+          <a:bodyPr bIns="0" anchor="b"/>
+          <a:lstStyle/>
+          <a:p>
+            <a:pPr algn="r"/>
+            <a:fld id="{0C91674F-D3B1-4E28-AF80-6550D6D5E435}" type="slidenum">
+              <a:rPr lang="pt-BR" sz="1200" b="1">
                 <a:solidFill>
-                  <a:schemeClr val="accent3">
-                    <a:lumMod val="50000"/>
-                  </a:schemeClr>
+                  <a:schemeClr val="bg1"/>
                 </a:solidFill>
+                <a:latin typeface="Corbel" pitchFamily="34" charset="0"/>
               </a:rPr>
-              <a:t>Modelagem de Negócio BPM</a:t>
-            </a:r>
-          </a:p>
-          <a:p>
-            <a:r>
-              <a:rPr lang="pt-BR" b="1" dirty="0" smtClean="0"/>
-              <a:t>Diagrama de Casos de Uso Geral</a:t>
-            </a:r>
-          </a:p>
-          <a:p>
-            <a:r>
-              <a:rPr lang="pt-BR" b="1" dirty="0" smtClean="0"/>
-              <a:t>Realização dos Casos de Uso</a:t>
-            </a:r>
-          </a:p>
-          <a:p>
-            <a:r>
-              <a:rPr lang="pt-BR" b="1" dirty="0" smtClean="0"/>
-              <a:t>Diagrama de Classes Geral</a:t>
-            </a:r>
-          </a:p>
-          <a:p>
-            <a:r>
-              <a:rPr lang="pt-BR" b="1" dirty="0" smtClean="0"/>
-              <a:t>Modelo de Dados</a:t>
-            </a:r>
-          </a:p>
-          <a:p>
-            <a:r>
-              <a:rPr lang="pt-BR" b="1" dirty="0" smtClean="0"/>
-              <a:t>Análise de Mercado</a:t>
-            </a:r>
-          </a:p>
-        </p:txBody>
-      </p:sp>
-      <p:sp>
-        <p:nvSpPr>
-          <p:cNvPr id="7" name="Título 6"/>
-          <p:cNvSpPr>
-            <a:spLocks noGrp="1"/>
-          </p:cNvSpPr>
-          <p:nvPr>
-            <p:ph type="title"/>
-          </p:nvPr>
-        </p:nvSpPr>
-        <p:spPr/>
-        <p:txBody>
-          <a:bodyPr>
-            <a:normAutofit/>
-          </a:bodyPr>
-          <a:lstStyle/>
-          <a:p>
-            <a:r>
-              <a:rPr lang="pt-BR" dirty="0" smtClean="0"/>
-              <a:t>Agenda</a:t>
-            </a:r>
-            <a:endParaRPr lang="pt-BR" dirty="0"/>
-          </a:p>
-        </p:txBody>
-      </p:sp>
+              <a:pPr algn="r"/>
+              <a:t>5</a:t>
+            </a:fld>
+            <a:endParaRPr lang="pt-BR" sz="1200" b="1" dirty="0">
+              <a:solidFill>
+                <a:schemeClr val="bg1"/>
+              </a:solidFill>
+              <a:latin typeface="Corbel" pitchFamily="34" charset="0"/>
+            </a:endParaRPr>
+          </a:p>
+        </p:txBody>
+      </p:sp>
+      <p:pic>
+        <p:nvPicPr>
+          <p:cNvPr id="4" name="Content Placeholder 3"/>
+          <p:cNvPicPr>
+            <a:picLocks noGrp="1" noChangeAspect="1"/>
+          </p:cNvPicPr>
+          <p:nvPr>
+            <p:ph idx="1"/>
+          </p:nvPr>
+        </p:nvPicPr>
+        <p:blipFill>
+          <a:blip r:embed="rId2" cstate="print">
+            <a:extLst>
+              <a:ext uri="{28A0092B-C50C-407E-A947-70E740481C1C}">
+                <a14:useLocalDpi xmlns:a14="http://schemas.microsoft.com/office/drawing/2010/main" val="0"/>
+              </a:ext>
+            </a:extLst>
+          </a:blip>
+          <a:stretch>
+            <a:fillRect/>
+          </a:stretch>
+        </p:blipFill>
+        <p:spPr>
+          <a:xfrm>
+            <a:off x="648680" y="1196975"/>
+            <a:ext cx="7919664" cy="5040337"/>
+          </a:xfrm>
+        </p:spPr>
+      </p:pic>
     </p:spTree>
   </p:cSld>
   <p:clrMapOvr>
     <a:masterClrMapping/>
   </p:clrMapOvr>
+  <p:transition/>
   <p:timing>
     <p:tnLst>
       <p:par>
@@ -4502,91 +8312,100 @@
       </p:grpSpPr>
       <p:sp>
         <p:nvSpPr>
-          <p:cNvPr id="45061" name="Espaço Reservado para Conteúdo 10"/>
-          <p:cNvSpPr>
-            <a:spLocks noGrp="1"/>
-          </p:cNvSpPr>
-          <p:nvPr>
-            <p:ph idx="1"/>
+          <p:cNvPr id="8" name="Espaço Reservado para Texto 7"/>
+          <p:cNvSpPr>
+            <a:spLocks noGrp="1"/>
+          </p:cNvSpPr>
+          <p:nvPr>
+            <p:ph type="body" idx="1"/>
           </p:nvPr>
         </p:nvSpPr>
         <p:spPr/>
         <p:txBody>
+          <a:bodyPr/>
+          <a:lstStyle/>
+          <a:p>
+            <a:r>
+              <a:rPr lang="pt-BR" dirty="0" smtClean="0"/>
+              <a:t>Apresentação Banca de Análise</a:t>
+            </a:r>
+          </a:p>
+        </p:txBody>
+      </p:sp>
+      <p:sp>
+        <p:nvSpPr>
+          <p:cNvPr id="9" name="Espaço Reservado para Texto 8"/>
+          <p:cNvSpPr>
+            <a:spLocks noGrp="1"/>
+          </p:cNvSpPr>
+          <p:nvPr>
+            <p:ph type="body" sz="quarter" idx="13"/>
+          </p:nvPr>
+        </p:nvSpPr>
+        <p:spPr>
+          <a:xfrm>
+            <a:off x="571472" y="2643206"/>
+            <a:ext cx="8280920" cy="4214818"/>
+          </a:xfrm>
+        </p:spPr>
+        <p:txBody>
           <a:bodyPr>
-            <a:noAutofit/>
+            <a:normAutofit/>
           </a:bodyPr>
           <a:lstStyle/>
           <a:p>
             <a:r>
-              <a:rPr lang="pt-BR" dirty="0" smtClean="0">
+              <a:rPr lang="pt-BR" b="1" dirty="0" smtClean="0"/>
+              <a:t>Escopo do Projeto</a:t>
+            </a:r>
+          </a:p>
+          <a:p>
+            <a:r>
+              <a:rPr lang="pt-BR" b="1" dirty="0" smtClean="0"/>
+              <a:t>Modelagem de Negócio BPM</a:t>
+            </a:r>
+          </a:p>
+          <a:p>
+            <a:r>
+              <a:rPr lang="pt-BR" b="1" dirty="0" smtClean="0">
                 <a:solidFill>
-                  <a:schemeClr val="bg2">
-                    <a:lumMod val="10000"/>
+                  <a:schemeClr val="accent3">
+                    <a:lumMod val="50000"/>
                   </a:schemeClr>
                 </a:solidFill>
               </a:rPr>
-              <a:t>Apresentar nesse tópico </a:t>
-            </a:r>
-            <a:r>
-              <a:rPr lang="pt-BR" dirty="0" smtClean="0">
-                <a:solidFill>
-                  <a:schemeClr val="bg2">
-                    <a:lumMod val="10000"/>
-                  </a:schemeClr>
-                </a:solidFill>
-              </a:rPr>
-              <a:t>cada um dos diagramas criados para representar o negócio do cliente</a:t>
-            </a:r>
-          </a:p>
-          <a:p>
-            <a:pPr lvl="1"/>
-            <a:r>
-              <a:rPr lang="pt-BR" dirty="0" smtClean="0">
-                <a:solidFill>
-                  <a:schemeClr val="bg2">
-                    <a:lumMod val="10000"/>
-                  </a:schemeClr>
-                </a:solidFill>
-              </a:rPr>
-              <a:t>Cada diagrama deve estar 1 slide</a:t>
-            </a:r>
-          </a:p>
-          <a:p>
-            <a:pPr lvl="1"/>
-            <a:r>
-              <a:rPr lang="pt-BR" dirty="0" smtClean="0">
-                <a:solidFill>
-                  <a:schemeClr val="bg2">
-                    <a:lumMod val="10000"/>
-                  </a:schemeClr>
-                </a:solidFill>
-              </a:rPr>
-              <a:t>Apresentar conjuntos de dados e regras de negócio importantes ao diagrama</a:t>
-            </a:r>
-          </a:p>
-          <a:p>
-            <a:pPr lvl="1"/>
-            <a:r>
-              <a:rPr lang="pt-BR" dirty="0" smtClean="0">
-                <a:solidFill>
-                  <a:schemeClr val="bg2">
-                    <a:lumMod val="10000"/>
-                  </a:schemeClr>
-                </a:solidFill>
-              </a:rPr>
-              <a:t>Deve possuir conceitos da futura implementação do projeto sobre o ciclo de vida</a:t>
-            </a:r>
-            <a:endParaRPr lang="pt-BR" dirty="0" smtClean="0">
-              <a:solidFill>
-                <a:srgbClr val="FF0000"/>
-              </a:solidFill>
-            </a:endParaRPr>
-          </a:p>
-        </p:txBody>
-      </p:sp>
-      <p:sp>
-        <p:nvSpPr>
-          <p:cNvPr id="2" name="Título 1"/>
+              <a:t>Diagrama de Casos de Uso Geral</a:t>
+            </a:r>
+          </a:p>
+          <a:p>
+            <a:r>
+              <a:rPr lang="pt-BR" b="1" dirty="0" smtClean="0"/>
+              <a:t>Realização dos Casos de Uso</a:t>
+            </a:r>
+          </a:p>
+          <a:p>
+            <a:r>
+              <a:rPr lang="pt-BR" b="1" dirty="0" smtClean="0"/>
+              <a:t>Diagrama de Classes Geral</a:t>
+            </a:r>
+          </a:p>
+          <a:p>
+            <a:r>
+              <a:rPr lang="pt-BR" b="1" dirty="0" smtClean="0"/>
+              <a:t>Modelo de Dados</a:t>
+            </a:r>
+          </a:p>
+          <a:p>
+            <a:r>
+              <a:rPr lang="pt-BR" b="1" dirty="0" smtClean="0"/>
+              <a:t>Análise de Mercado</a:t>
+            </a:r>
+          </a:p>
+        </p:txBody>
+      </p:sp>
+      <p:sp>
+        <p:nvSpPr>
+          <p:cNvPr id="7" name="Título 6"/>
           <p:cNvSpPr>
             <a:spLocks noGrp="1"/>
           </p:cNvSpPr>
@@ -4594,74 +8413,18 @@
             <p:ph type="title"/>
           </p:nvPr>
         </p:nvSpPr>
-        <p:spPr>
-          <a:xfrm>
-            <a:off x="323528" y="332656"/>
-            <a:ext cx="6820240" cy="785794"/>
-          </a:xfrm>
-        </p:spPr>
+        <p:spPr/>
         <p:txBody>
           <a:bodyPr>
-            <a:noAutofit/>
+            <a:normAutofit/>
           </a:bodyPr>
           <a:lstStyle/>
           <a:p>
-            <a:pPr>
-              <a:defRPr/>
-            </a:pPr>
-            <a:r>
-              <a:rPr lang="pt-BR" sz="4200" dirty="0" smtClean="0"/>
-              <a:t>Modelagem de Negócio BPM</a:t>
-            </a:r>
-            <a:endParaRPr lang="pt-BR" sz="4200" dirty="0"/>
-          </a:p>
-        </p:txBody>
-      </p:sp>
-      <p:sp>
-        <p:nvSpPr>
-          <p:cNvPr id="19459" name="Espaço Reservado para Número de Slide 5"/>
-          <p:cNvSpPr txBox="1">
-            <a:spLocks noGrp="1"/>
-          </p:cNvSpPr>
-          <p:nvPr/>
-        </p:nvSpPr>
-        <p:spPr bwMode="auto">
-          <a:xfrm>
-            <a:off x="8204200" y="6643688"/>
-            <a:ext cx="796925" cy="179387"/>
-          </a:xfrm>
-          <a:prstGeom prst="rect">
-            <a:avLst/>
-          </a:prstGeom>
-          <a:noFill/>
-          <a:ln w="9525">
-            <a:noFill/>
-            <a:miter lim="800000"/>
-            <a:headEnd/>
-            <a:tailEnd/>
-          </a:ln>
-        </p:spPr>
-        <p:txBody>
-          <a:bodyPr bIns="0" anchor="b"/>
-          <a:lstStyle/>
-          <a:p>
-            <a:pPr algn="r"/>
-            <a:fld id="{0C91674F-D3B1-4E28-AF80-6550D6D5E435}" type="slidenum">
-              <a:rPr lang="pt-BR" sz="1200" b="1">
-                <a:solidFill>
-                  <a:schemeClr val="bg1"/>
-                </a:solidFill>
-                <a:latin typeface="Corbel" pitchFamily="34" charset="0"/>
-              </a:rPr>
-              <a:pPr algn="r"/>
-              <a:t>6</a:t>
-            </a:fld>
-            <a:endParaRPr lang="pt-BR" sz="1200" b="1" dirty="0">
-              <a:solidFill>
-                <a:schemeClr val="bg1"/>
-              </a:solidFill>
-              <a:latin typeface="Corbel" pitchFamily="34" charset="0"/>
-            </a:endParaRPr>
+            <a:r>
+              <a:rPr lang="pt-BR" dirty="0" smtClean="0"/>
+              <a:t>Agenda</a:t>
+            </a:r>
+            <a:endParaRPr lang="pt-BR" dirty="0"/>
           </a:p>
         </p:txBody>
       </p:sp>
@@ -4670,7 +8433,6 @@
   <p:clrMapOvr>
     <a:masterClrMapping/>
   </p:clrMapOvr>
-  <p:transition/>
   <p:timing>
     <p:tnLst>
       <p:par>
@@ -4700,127 +8462,120 @@
       </p:grpSpPr>
       <p:sp>
         <p:nvSpPr>
-          <p:cNvPr id="8" name="Espaço Reservado para Texto 7"/>
-          <p:cNvSpPr>
-            <a:spLocks noGrp="1"/>
-          </p:cNvSpPr>
-          <p:nvPr>
-            <p:ph type="body" idx="1"/>
-          </p:nvPr>
-        </p:nvSpPr>
-        <p:spPr/>
-        <p:txBody>
-          <a:bodyPr/>
-          <a:lstStyle/>
-          <a:p>
-            <a:r>
-              <a:rPr lang="pt-BR" dirty="0" smtClean="0"/>
-              <a:t>Apresentação Banca de Análise</a:t>
-            </a:r>
-          </a:p>
-        </p:txBody>
-      </p:sp>
-      <p:sp>
-        <p:nvSpPr>
-          <p:cNvPr id="9" name="Espaço Reservado para Texto 8"/>
-          <p:cNvSpPr>
-            <a:spLocks noGrp="1"/>
-          </p:cNvSpPr>
-          <p:nvPr>
-            <p:ph type="body" sz="quarter" idx="13"/>
+          <p:cNvPr id="2" name="Título 1"/>
+          <p:cNvSpPr>
+            <a:spLocks noGrp="1"/>
+          </p:cNvSpPr>
+          <p:nvPr>
+            <p:ph type="title"/>
           </p:nvPr>
         </p:nvSpPr>
         <p:spPr>
           <a:xfrm>
-            <a:off x="571472" y="2643206"/>
-            <a:ext cx="8280920" cy="4214818"/>
+            <a:off x="323528" y="332656"/>
+            <a:ext cx="6820240" cy="785794"/>
           </a:xfrm>
         </p:spPr>
         <p:txBody>
           <a:bodyPr>
-            <a:normAutofit/>
+            <a:noAutofit/>
           </a:bodyPr>
           <a:lstStyle/>
           <a:p>
-            <a:r>
-              <a:rPr lang="pt-BR" b="1" dirty="0" smtClean="0"/>
-              <a:t>Escopo do Projeto</a:t>
-            </a:r>
-          </a:p>
-          <a:p>
-            <a:r>
-              <a:rPr lang="pt-BR" b="1" dirty="0" smtClean="0"/>
-              <a:t>Modelagem de Negócio BPM</a:t>
-            </a:r>
-          </a:p>
-          <a:p>
-            <a:r>
-              <a:rPr lang="pt-BR" b="1" dirty="0" smtClean="0">
+            <a:pPr>
+              <a:defRPr/>
+            </a:pPr>
+            <a:r>
+              <a:rPr lang="pt-BR" sz="3800" dirty="0" smtClean="0"/>
+              <a:t>Diagrama de Casos de Uso Geral</a:t>
+            </a:r>
+            <a:endParaRPr lang="pt-BR" sz="3800" dirty="0"/>
+          </a:p>
+        </p:txBody>
+      </p:sp>
+      <p:sp>
+        <p:nvSpPr>
+          <p:cNvPr id="19459" name="Espaço Reservado para Número de Slide 5"/>
+          <p:cNvSpPr txBox="1">
+            <a:spLocks noGrp="1"/>
+          </p:cNvSpPr>
+          <p:nvPr/>
+        </p:nvSpPr>
+        <p:spPr bwMode="auto">
+          <a:xfrm>
+            <a:off x="8204200" y="6643688"/>
+            <a:ext cx="796925" cy="179387"/>
+          </a:xfrm>
+          <a:prstGeom prst="rect">
+            <a:avLst/>
+          </a:prstGeom>
+          <a:noFill/>
+          <a:ln w="9525">
+            <a:noFill/>
+            <a:miter lim="800000"/>
+            <a:headEnd/>
+            <a:tailEnd/>
+          </a:ln>
+        </p:spPr>
+        <p:txBody>
+          <a:bodyPr bIns="0" anchor="b"/>
+          <a:lstStyle/>
+          <a:p>
+            <a:pPr algn="r"/>
+            <a:fld id="{0C91674F-D3B1-4E28-AF80-6550D6D5E435}" type="slidenum">
+              <a:rPr lang="pt-BR" sz="1200" b="1">
                 <a:solidFill>
-                  <a:schemeClr val="accent3">
-                    <a:lumMod val="50000"/>
-                  </a:schemeClr>
+                  <a:schemeClr val="bg1"/>
                 </a:solidFill>
+                <a:latin typeface="Corbel" pitchFamily="34" charset="0"/>
               </a:rPr>
-              <a:t>Diagrama de Casos de Uso Geral</a:t>
-            </a:r>
-          </a:p>
-          <a:p>
-            <a:r>
-              <a:rPr lang="pt-BR" b="1" dirty="0" smtClean="0"/>
-              <a:t>Realização dos Casos de Uso</a:t>
-            </a:r>
-          </a:p>
-          <a:p>
-            <a:r>
-              <a:rPr lang="pt-BR" b="1" dirty="0" smtClean="0"/>
-              <a:t>Diagrama de Classes Geral</a:t>
-            </a:r>
-          </a:p>
-          <a:p>
-            <a:r>
-              <a:rPr lang="pt-BR" b="1" dirty="0" smtClean="0"/>
-              <a:t>Modelo de Dados</a:t>
-            </a:r>
-          </a:p>
-          <a:p>
-            <a:r>
-              <a:rPr lang="pt-BR" b="1" dirty="0" smtClean="0"/>
-              <a:t>Análise de Mercado</a:t>
-            </a:r>
-          </a:p>
-        </p:txBody>
-      </p:sp>
-      <p:sp>
-        <p:nvSpPr>
-          <p:cNvPr id="7" name="Título 6"/>
-          <p:cNvSpPr>
-            <a:spLocks noGrp="1"/>
-          </p:cNvSpPr>
-          <p:nvPr>
-            <p:ph type="title"/>
-          </p:nvPr>
-        </p:nvSpPr>
-        <p:spPr/>
-        <p:txBody>
-          <a:bodyPr>
-            <a:normAutofit/>
-          </a:bodyPr>
-          <a:lstStyle/>
-          <a:p>
-            <a:r>
-              <a:rPr lang="pt-BR" dirty="0" smtClean="0"/>
-              <a:t>Agenda</a:t>
-            </a:r>
-            <a:endParaRPr lang="pt-BR" dirty="0"/>
-          </a:p>
-        </p:txBody>
-      </p:sp>
+              <a:pPr algn="r"/>
+              <a:t>7</a:t>
+            </a:fld>
+            <a:endParaRPr lang="pt-BR" sz="1200" b="1" dirty="0">
+              <a:solidFill>
+                <a:schemeClr val="bg1"/>
+              </a:solidFill>
+              <a:latin typeface="Corbel" pitchFamily="34" charset="0"/>
+            </a:endParaRPr>
+          </a:p>
+        </p:txBody>
+      </p:sp>
+      <p:pic>
+        <p:nvPicPr>
+          <p:cNvPr id="4" name="Content Placeholder 3"/>
+          <p:cNvPicPr>
+            <a:picLocks noGrp="1" noChangeAspect="1"/>
+          </p:cNvPicPr>
+          <p:nvPr>
+            <p:ph idx="1"/>
+          </p:nvPr>
+        </p:nvPicPr>
+        <p:blipFill>
+          <a:blip r:embed="rId2">
+            <a:extLst>
+              <a:ext uri="{28A0092B-C50C-407E-A947-70E740481C1C}">
+                <a14:useLocalDpi xmlns:a14="http://schemas.microsoft.com/office/drawing/2010/main" val="0"/>
+              </a:ext>
+            </a:extLst>
+          </a:blip>
+          <a:stretch>
+            <a:fillRect/>
+          </a:stretch>
+        </p:blipFill>
+        <p:spPr>
+          <a:xfrm>
+            <a:off x="1259632" y="1196975"/>
+            <a:ext cx="7056784" cy="5327650"/>
+          </a:xfrm>
+        </p:spPr>
+      </p:pic>
     </p:spTree>
   </p:cSld>
   <p:clrMapOvr>
     <a:masterClrMapping/>
   </p:clrMapOvr>
+  <p:transition/>
   <p:timing>
     <p:tnLst>
       <p:par>
@@ -4850,63 +8605,100 @@
       </p:grpSpPr>
       <p:sp>
         <p:nvSpPr>
-          <p:cNvPr id="45061" name="Espaço Reservado para Conteúdo 10"/>
-          <p:cNvSpPr>
-            <a:spLocks noGrp="1"/>
-          </p:cNvSpPr>
-          <p:nvPr>
-            <p:ph idx="1"/>
+          <p:cNvPr id="8" name="Espaço Reservado para Texto 7"/>
+          <p:cNvSpPr>
+            <a:spLocks noGrp="1"/>
+          </p:cNvSpPr>
+          <p:nvPr>
+            <p:ph type="body" idx="1"/>
           </p:nvPr>
         </p:nvSpPr>
         <p:spPr/>
         <p:txBody>
+          <a:bodyPr/>
+          <a:lstStyle/>
+          <a:p>
+            <a:r>
+              <a:rPr lang="pt-BR" dirty="0" smtClean="0"/>
+              <a:t>Apresentação Banca de Análise</a:t>
+            </a:r>
+          </a:p>
+        </p:txBody>
+      </p:sp>
+      <p:sp>
+        <p:nvSpPr>
+          <p:cNvPr id="9" name="Espaço Reservado para Texto 8"/>
+          <p:cNvSpPr>
+            <a:spLocks noGrp="1"/>
+          </p:cNvSpPr>
+          <p:nvPr>
+            <p:ph type="body" sz="quarter" idx="13"/>
+          </p:nvPr>
+        </p:nvSpPr>
+        <p:spPr>
+          <a:xfrm>
+            <a:off x="571472" y="2643206"/>
+            <a:ext cx="8280920" cy="4214818"/>
+          </a:xfrm>
+        </p:spPr>
+        <p:txBody>
           <a:bodyPr>
-            <a:noAutofit/>
+            <a:normAutofit/>
           </a:bodyPr>
           <a:lstStyle/>
           <a:p>
             <a:r>
-              <a:rPr lang="pt-BR" dirty="0" smtClean="0">
+              <a:rPr lang="pt-BR" b="1" dirty="0" smtClean="0"/>
+              <a:t>Escopo do Projeto</a:t>
+            </a:r>
+          </a:p>
+          <a:p>
+            <a:r>
+              <a:rPr lang="pt-BR" b="1" dirty="0" smtClean="0"/>
+              <a:t>Modelagem de Negócio BPM</a:t>
+            </a:r>
+          </a:p>
+          <a:p>
+            <a:r>
+              <a:rPr lang="pt-BR" b="1" dirty="0" smtClean="0"/>
+              <a:t>Diagrama de Casos de Uso Geral</a:t>
+            </a:r>
+          </a:p>
+          <a:p>
+            <a:r>
+              <a:rPr lang="pt-BR" b="1" dirty="0" smtClean="0">
                 <a:solidFill>
-                  <a:schemeClr val="bg2">
-                    <a:lumMod val="10000"/>
+                  <a:schemeClr val="accent3">
+                    <a:lumMod val="50000"/>
                   </a:schemeClr>
                 </a:solidFill>
               </a:rPr>
-              <a:t>Este tópico deve apresentar o diagrama de casos de uso geral do sistema, estabelecendo casos principais e atores</a:t>
-            </a:r>
-          </a:p>
-          <a:p>
-            <a:endParaRPr lang="pt-BR" dirty="0" smtClean="0">
-              <a:solidFill>
-                <a:schemeClr val="bg2">
-                  <a:lumMod val="10000"/>
-                </a:schemeClr>
-              </a:solidFill>
-            </a:endParaRPr>
-          </a:p>
-          <a:p>
-            <a:r>
-              <a:rPr lang="pt-BR" dirty="0" smtClean="0">
-                <a:solidFill>
-                  <a:schemeClr val="bg2">
-                    <a:lumMod val="10000"/>
-                  </a:schemeClr>
-                </a:solidFill>
-              </a:rPr>
-              <a:t>O diagrama deve ser baseado no ciclo de vida dos diagramas BPM apresentados no tópico anterior</a:t>
-            </a:r>
-            <a:endParaRPr lang="pt-BR" dirty="0" smtClean="0">
-              <a:solidFill>
-                <a:srgbClr val="FF0000"/>
-              </a:solidFill>
-            </a:endParaRPr>
-          </a:p>
-        </p:txBody>
-      </p:sp>
-      <p:sp>
-        <p:nvSpPr>
-          <p:cNvPr id="2" name="Título 1"/>
+              <a:t>Realização dos Casos de Uso</a:t>
+            </a:r>
+          </a:p>
+          <a:p>
+            <a:r>
+              <a:rPr lang="pt-BR" b="1" dirty="0" smtClean="0"/>
+              <a:t>Diagrama de Classes Geral</a:t>
+            </a:r>
+          </a:p>
+          <a:p>
+            <a:r>
+              <a:rPr lang="pt-BR" b="1" dirty="0" smtClean="0"/>
+              <a:t>Modelo de Dados</a:t>
+            </a:r>
+          </a:p>
+          <a:p>
+            <a:r>
+              <a:rPr lang="pt-BR" b="1" dirty="0" smtClean="0"/>
+              <a:t>Análise de Mercado</a:t>
+            </a:r>
+          </a:p>
+        </p:txBody>
+      </p:sp>
+      <p:sp>
+        <p:nvSpPr>
+          <p:cNvPr id="7" name="Título 6"/>
           <p:cNvSpPr>
             <a:spLocks noGrp="1"/>
           </p:cNvSpPr>
@@ -4914,74 +8706,18 @@
             <p:ph type="title"/>
           </p:nvPr>
         </p:nvSpPr>
-        <p:spPr>
-          <a:xfrm>
-            <a:off x="323528" y="332656"/>
-            <a:ext cx="6820240" cy="785794"/>
-          </a:xfrm>
-        </p:spPr>
+        <p:spPr/>
         <p:txBody>
           <a:bodyPr>
-            <a:noAutofit/>
+            <a:normAutofit/>
           </a:bodyPr>
           <a:lstStyle/>
           <a:p>
-            <a:pPr>
-              <a:defRPr/>
-            </a:pPr>
-            <a:r>
-              <a:rPr lang="pt-BR" sz="3800" dirty="0" smtClean="0"/>
-              <a:t>Diagrama de Casos de Uso Geral</a:t>
-            </a:r>
-            <a:endParaRPr lang="pt-BR" sz="3800" dirty="0"/>
-          </a:p>
-        </p:txBody>
-      </p:sp>
-      <p:sp>
-        <p:nvSpPr>
-          <p:cNvPr id="19459" name="Espaço Reservado para Número de Slide 5"/>
-          <p:cNvSpPr txBox="1">
-            <a:spLocks noGrp="1"/>
-          </p:cNvSpPr>
-          <p:nvPr/>
-        </p:nvSpPr>
-        <p:spPr bwMode="auto">
-          <a:xfrm>
-            <a:off x="8204200" y="6643688"/>
-            <a:ext cx="796925" cy="179387"/>
-          </a:xfrm>
-          <a:prstGeom prst="rect">
-            <a:avLst/>
-          </a:prstGeom>
-          <a:noFill/>
-          <a:ln w="9525">
-            <a:noFill/>
-            <a:miter lim="800000"/>
-            <a:headEnd/>
-            <a:tailEnd/>
-          </a:ln>
-        </p:spPr>
-        <p:txBody>
-          <a:bodyPr bIns="0" anchor="b"/>
-          <a:lstStyle/>
-          <a:p>
-            <a:pPr algn="r"/>
-            <a:fld id="{0C91674F-D3B1-4E28-AF80-6550D6D5E435}" type="slidenum">
-              <a:rPr lang="pt-BR" sz="1200" b="1">
-                <a:solidFill>
-                  <a:schemeClr val="bg1"/>
-                </a:solidFill>
-                <a:latin typeface="Corbel" pitchFamily="34" charset="0"/>
-              </a:rPr>
-              <a:pPr algn="r"/>
-              <a:t>8</a:t>
-            </a:fld>
-            <a:endParaRPr lang="pt-BR" sz="1200" b="1" dirty="0">
-              <a:solidFill>
-                <a:schemeClr val="bg1"/>
-              </a:solidFill>
-              <a:latin typeface="Corbel" pitchFamily="34" charset="0"/>
-            </a:endParaRPr>
+            <a:r>
+              <a:rPr lang="pt-BR" dirty="0" smtClean="0"/>
+              <a:t>Agenda</a:t>
+            </a:r>
+            <a:endParaRPr lang="pt-BR" dirty="0"/>
           </a:p>
         </p:txBody>
       </p:sp>
@@ -4990,7 +8726,6 @@
   <p:clrMapOvr>
     <a:masterClrMapping/>
   </p:clrMapOvr>
-  <p:transition/>
   <p:timing>
     <p:tnLst>
       <p:par>
@@ -5020,100 +8755,46 @@
       </p:grpSpPr>
       <p:sp>
         <p:nvSpPr>
-          <p:cNvPr id="8" name="Espaço Reservado para Texto 7"/>
-          <p:cNvSpPr>
-            <a:spLocks noGrp="1"/>
-          </p:cNvSpPr>
-          <p:nvPr>
-            <p:ph type="body" idx="1"/>
+          <p:cNvPr id="45061" name="Espaço Reservado para Conteúdo 10"/>
+          <p:cNvSpPr>
+            <a:spLocks noGrp="1"/>
+          </p:cNvSpPr>
+          <p:nvPr>
+            <p:ph idx="1"/>
           </p:nvPr>
         </p:nvSpPr>
         <p:spPr/>
         <p:txBody>
-          <a:bodyPr/>
-          <a:lstStyle/>
-          <a:p>
-            <a:r>
-              <a:rPr lang="pt-BR" dirty="0" smtClean="0"/>
-              <a:t>Apresentação Banca de Análise</a:t>
-            </a:r>
-          </a:p>
-        </p:txBody>
-      </p:sp>
-      <p:sp>
-        <p:nvSpPr>
-          <p:cNvPr id="9" name="Espaço Reservado para Texto 8"/>
-          <p:cNvSpPr>
-            <a:spLocks noGrp="1"/>
-          </p:cNvSpPr>
-          <p:nvPr>
-            <p:ph type="body" sz="quarter" idx="13"/>
-          </p:nvPr>
-        </p:nvSpPr>
-        <p:spPr>
-          <a:xfrm>
-            <a:off x="571472" y="2643206"/>
-            <a:ext cx="8280920" cy="4214818"/>
-          </a:xfrm>
-        </p:spPr>
-        <p:txBody>
           <a:bodyPr>
-            <a:normAutofit/>
+            <a:noAutofit/>
           </a:bodyPr>
           <a:lstStyle/>
           <a:p>
             <a:r>
-              <a:rPr lang="pt-BR" b="1" dirty="0" smtClean="0"/>
-              <a:t>Escopo do Projeto</a:t>
-            </a:r>
-          </a:p>
-          <a:p>
-            <a:r>
-              <a:rPr lang="pt-BR" b="1" dirty="0" smtClean="0"/>
-              <a:t>Modelagem de Negócio BPM</a:t>
-            </a:r>
-          </a:p>
-          <a:p>
-            <a:r>
-              <a:rPr lang="pt-BR" b="1" dirty="0" smtClean="0"/>
-              <a:t>Diagrama de Casos de Uso Geral</a:t>
-            </a:r>
-          </a:p>
-          <a:p>
-            <a:r>
-              <a:rPr lang="pt-BR" b="1" dirty="0" smtClean="0">
+              <a:rPr lang="pt-BR" dirty="0" smtClean="0">
                 <a:solidFill>
-                  <a:schemeClr val="accent3">
-                    <a:lumMod val="50000"/>
+                  <a:schemeClr val="bg2">
+                    <a:lumMod val="10000"/>
                   </a:schemeClr>
                 </a:solidFill>
               </a:rPr>
-              <a:t>Realização dos Casos de Uso</a:t>
-            </a:r>
-          </a:p>
-          <a:p>
-            <a:r>
-              <a:rPr lang="pt-BR" b="1" dirty="0" smtClean="0"/>
-              <a:t>Diagrama de Classes Geral</a:t>
-            </a:r>
-          </a:p>
-          <a:p>
-            <a:r>
-              <a:rPr lang="pt-BR" b="1" dirty="0" smtClean="0"/>
-              <a:t>Modelo de Dados</a:t>
-            </a:r>
-          </a:p>
-          <a:p>
-            <a:r>
-              <a:rPr lang="pt-BR" b="1" dirty="0" smtClean="0"/>
-              <a:t>Análise de Mercado</a:t>
-            </a:r>
-          </a:p>
-        </p:txBody>
-      </p:sp>
-      <p:sp>
-        <p:nvSpPr>
-          <p:cNvPr id="7" name="Título 6"/>
+              <a:t>UC03 – Realizar exames</a:t>
+            </a:r>
+          </a:p>
+          <a:p>
+            <a:endParaRPr lang="pt-BR" dirty="0" smtClean="0">
+              <a:solidFill>
+                <a:schemeClr val="bg2">
+                  <a:lumMod val="10000"/>
+                </a:schemeClr>
+              </a:solidFill>
+            </a:endParaRPr>
+          </a:p>
+        </p:txBody>
+      </p:sp>
+      <p:sp>
+        <p:nvSpPr>
+          <p:cNvPr id="2" name="Título 1"/>
           <p:cNvSpPr>
             <a:spLocks noGrp="1"/>
           </p:cNvSpPr>
@@ -5121,26 +8802,147 @@
             <p:ph type="title"/>
           </p:nvPr>
         </p:nvSpPr>
-        <p:spPr/>
+        <p:spPr>
+          <a:xfrm>
+            <a:off x="323528" y="332656"/>
+            <a:ext cx="6820240" cy="785794"/>
+          </a:xfrm>
+        </p:spPr>
         <p:txBody>
           <a:bodyPr>
-            <a:normAutofit/>
+            <a:noAutofit/>
           </a:bodyPr>
           <a:lstStyle/>
           <a:p>
-            <a:r>
-              <a:rPr lang="pt-BR" dirty="0" smtClean="0"/>
-              <a:t>Agenda</a:t>
-            </a:r>
-            <a:endParaRPr lang="pt-BR" dirty="0"/>
-          </a:p>
-        </p:txBody>
-      </p:sp>
+            <a:pPr>
+              <a:defRPr/>
+            </a:pPr>
+            <a:r>
+              <a:rPr lang="pt-BR" sz="4450" dirty="0" smtClean="0"/>
+              <a:t>Realização de Casos de Uso</a:t>
+            </a:r>
+            <a:endParaRPr lang="pt-BR" sz="4450" dirty="0"/>
+          </a:p>
+        </p:txBody>
+      </p:sp>
+      <p:sp>
+        <p:nvSpPr>
+          <p:cNvPr id="19459" name="Espaço Reservado para Número de Slide 5"/>
+          <p:cNvSpPr txBox="1">
+            <a:spLocks noGrp="1"/>
+          </p:cNvSpPr>
+          <p:nvPr/>
+        </p:nvSpPr>
+        <p:spPr bwMode="auto">
+          <a:xfrm>
+            <a:off x="8204200" y="6643688"/>
+            <a:ext cx="796925" cy="179387"/>
+          </a:xfrm>
+          <a:prstGeom prst="rect">
+            <a:avLst/>
+          </a:prstGeom>
+          <a:noFill/>
+          <a:ln w="9525">
+            <a:noFill/>
+            <a:miter lim="800000"/>
+            <a:headEnd/>
+            <a:tailEnd/>
+          </a:ln>
+        </p:spPr>
+        <p:txBody>
+          <a:bodyPr bIns="0" anchor="b"/>
+          <a:lstStyle/>
+          <a:p>
+            <a:pPr algn="r"/>
+            <a:fld id="{0C91674F-D3B1-4E28-AF80-6550D6D5E435}" type="slidenum">
+              <a:rPr lang="pt-BR" sz="1200" b="1">
+                <a:solidFill>
+                  <a:schemeClr val="bg1"/>
+                </a:solidFill>
+                <a:latin typeface="Corbel" pitchFamily="34" charset="0"/>
+              </a:rPr>
+              <a:pPr algn="r"/>
+              <a:t>9</a:t>
+            </a:fld>
+            <a:endParaRPr lang="pt-BR" sz="1200" b="1" dirty="0">
+              <a:solidFill>
+                <a:schemeClr val="bg1"/>
+              </a:solidFill>
+              <a:latin typeface="Corbel" pitchFamily="34" charset="0"/>
+            </a:endParaRPr>
+          </a:p>
+        </p:txBody>
+      </p:sp>
+      <p:pic>
+        <p:nvPicPr>
+          <p:cNvPr id="1026" name="Picture 2"/>
+          <p:cNvPicPr>
+            <a:picLocks noChangeAspect="1" noChangeArrowheads="1"/>
+          </p:cNvPicPr>
+          <p:nvPr/>
+        </p:nvPicPr>
+        <p:blipFill>
+          <a:blip r:embed="rId2">
+            <a:extLst>
+              <a:ext uri="{28A0092B-C50C-407E-A947-70E740481C1C}">
+                <a14:useLocalDpi xmlns:a14="http://schemas.microsoft.com/office/drawing/2010/main" val="0"/>
+              </a:ext>
+            </a:extLst>
+          </a:blip>
+          <a:srcRect/>
+          <a:stretch>
+            <a:fillRect/>
+          </a:stretch>
+        </p:blipFill>
+        <p:spPr bwMode="auto">
+          <a:xfrm>
+            <a:off x="1187624" y="2276872"/>
+            <a:ext cx="5762625" cy="3248025"/>
+          </a:xfrm>
+          <a:prstGeom prst="rect">
+            <a:avLst/>
+          </a:prstGeom>
+          <a:noFill/>
+          <a:ln>
+            <a:noFill/>
+          </a:ln>
+          <a:effectLst/>
+          <a:extLst>
+            <a:ext uri="{909E8E84-426E-40DD-AFC4-6F175D3DCCD1}">
+              <a14:hiddenFill xmlns:a14="http://schemas.microsoft.com/office/drawing/2010/main">
+                <a:solidFill>
+                  <a:schemeClr val="accent1"/>
+                </a:solidFill>
+              </a14:hiddenFill>
+            </a:ext>
+            <a:ext uri="{91240B29-F687-4F45-9708-019B960494DF}">
+              <a14:hiddenLine xmlns:a14="http://schemas.microsoft.com/office/drawing/2010/main" w="9525">
+                <a:solidFill>
+                  <a:schemeClr val="tx1"/>
+                </a:solidFill>
+                <a:miter lim="800000"/>
+                <a:headEnd/>
+                <a:tailEnd/>
+              </a14:hiddenLine>
+            </a:ext>
+            <a:ext uri="{AF507438-7753-43E0-B8FC-AC1667EBCBE1}">
+              <a14:hiddenEffects xmlns:a14="http://schemas.microsoft.com/office/drawing/2010/main">
+                <a:effectLst>
+                  <a:outerShdw dist="35921" dir="2700000" algn="ctr" rotWithShape="0">
+                    <a:schemeClr val="bg2"/>
+                  </a:outerShdw>
+                </a:effectLst>
+              </a14:hiddenEffects>
+            </a:ext>
+          </a:extLst>
+        </p:spPr>
+      </p:pic>
     </p:spTree>
   </p:cSld>
   <p:clrMapOvr>
     <a:masterClrMapping/>
   </p:clrMapOvr>
+  <p:transition/>
   <p:timing>
     <p:tnLst>
       <p:par>

--- a/ANÁLISE/Modelo Apresentacao Analise (1).pptx
+++ b/ANÁLISE/Modelo Apresentacao Analise (1).pptx
@@ -768,20 +768,12 @@
           <a:p>
             <a:pPr algn="ctr"/>
             <a:r>
-              <a:rPr lang="pt-BR" dirty="0" smtClean="0">
-                <a:solidFill>
-                  <a:schemeClr val="bg1"/>
-                </a:solidFill>
-              </a:rPr>
-              <a:t>Nome Aluno</a:t>
-            </a:r>
-            <a:r>
               <a:rPr lang="pt-BR" baseline="0" dirty="0" smtClean="0">
                 <a:solidFill>
                   <a:schemeClr val="bg1"/>
                 </a:solidFill>
               </a:rPr>
-              <a:t> 1, Nome Aluno2</a:t>
+              <a:t>Heidji Marlon Kokubo, Vinicius de Souza</a:t>
             </a:r>
             <a:endParaRPr lang="pt-BR" dirty="0">
               <a:solidFill>
@@ -796,6 +788,13 @@
   <p:clrMapOvr>
     <a:masterClrMapping/>
   </p:clrMapOvr>
+  <p:timing>
+    <p:tnLst>
+      <p:par>
+        <p:cTn id="1" dur="indefinite" restart="never" nodeType="tmRoot"/>
+      </p:par>
+    </p:tnLst>
+  </p:timing>
 </p:sldLayout>
 </file>
 
@@ -2839,7 +2838,6 @@
               <a:rPr lang="pt-BR" dirty="0"/>
               <a:t>17. Usuário preenche dados do exame realizado e clica em avançar. (A03)(RN01)</a:t>
             </a:r>
-            <a:endParaRPr lang="pt-BR" dirty="0"/>
           </a:p>
         </p:txBody>
       </p:sp>
@@ -5863,13 +5861,6 @@
               </a:rPr>
               <a:t>Público alvo – Clínicas Fisioterapeutas</a:t>
             </a:r>
-            <a:endParaRPr lang="pt-BR" dirty="0" smtClean="0">
-              <a:solidFill>
-                <a:schemeClr val="bg2">
-                  <a:lumMod val="10000"/>
-                </a:schemeClr>
-              </a:solidFill>
-            </a:endParaRPr>
           </a:p>
         </p:txBody>
       </p:sp>
@@ -6133,7 +6124,6 @@
               <a:rPr lang="pt-BR" dirty="0"/>
               <a:t>     02 - Sistema permanece na mesma tela</a:t>
             </a:r>
-            <a:endParaRPr lang="pt-BR" dirty="0"/>
           </a:p>
         </p:txBody>
       </p:sp>
